--- a/practica 1/cristobal presentacion cultura digital.pptx
+++ b/practica 1/cristobal presentacion cultura digital.pptx
@@ -2,10 +2,11 @@
 <file path=ppt/presentation.xml><?xml version="1.0" encoding="utf-8"?>
 <p:presentation xmlns:a="http://schemas.openxmlformats.org/drawingml/2006/main" xmlns:r="http://schemas.openxmlformats.org/officeDocument/2006/relationships" xmlns:p="http://schemas.openxmlformats.org/presentationml/2006/main" saveSubsetFonts="1">
   <p:sldMasterIdLst>
-    <p:sldMasterId id="2147483648" r:id="rId1"/>
+    <p:sldMasterId id="2147483660" r:id="rId1"/>
   </p:sldMasterIdLst>
   <p:sldIdLst>
     <p:sldId id="256" r:id="rId2"/>
+    <p:sldId id="257" r:id="rId3"/>
   </p:sldIdLst>
   <p:sldSz cx="12192000" cy="6858000"/>
   <p:notesSz cx="6858000" cy="9144000"/>
@@ -104,12 +105,22 @@
       </a:defRPr>
     </a:lvl9pPr>
   </p:defaultTextStyle>
+  <p:extLst>
+    <p:ext uri="{EFAFB233-063F-42B5-8137-9DF3F51BA10A}">
+      <p15:sldGuideLst xmlns:p15="http://schemas.microsoft.com/office/powerpoint/2012/main"/>
+    </p:ext>
+  </p:extLst>
 </p:presentation>
 </file>
 
 <file path=ppt/slideLayouts/slideLayout1.xml><?xml version="1.0" encoding="utf-8"?>
 <p:sldLayout xmlns:a="http://schemas.openxmlformats.org/drawingml/2006/main" xmlns:r="http://schemas.openxmlformats.org/officeDocument/2006/relationships" xmlns:p="http://schemas.openxmlformats.org/presentationml/2006/main" type="title" preserve="1">
   <p:cSld name="Diapositiva de título">
+    <p:bg>
+      <p:bgRef idx="1003">
+        <a:schemeClr val="bg2"/>
+      </p:bgRef>
+    </p:bg>
     <p:spTree>
       <p:nvGrpSpPr>
         <p:cNvPr id="1" name=""/>
@@ -124,9 +135,39 @@
           <a:chExt cx="0" cy="0"/>
         </a:xfrm>
       </p:grpSpPr>
-      <p:sp>
-        <p:nvSpPr>
-          <p:cNvPr id="2" name="Título 1"/>
+      <p:pic>
+        <p:nvPicPr>
+          <p:cNvPr id="7" name="Picture 6" descr="Celestia-R1---OverlayTitleHD.png"/>
+          <p:cNvPicPr>
+            <a:picLocks noChangeAspect="1"/>
+          </p:cNvPicPr>
+          <p:nvPr/>
+        </p:nvPicPr>
+        <p:blipFill>
+          <a:blip r:embed="rId2">
+            <a:extLst>
+              <a:ext uri="{28A0092B-C50C-407E-A947-70E740481C1C}">
+                <a14:useLocalDpi xmlns:a14="http://schemas.microsoft.com/office/drawing/2010/main" val="0"/>
+              </a:ext>
+            </a:extLst>
+          </a:blip>
+          <a:stretch>
+            <a:fillRect/>
+          </a:stretch>
+        </p:blipFill>
+        <p:spPr>
+          <a:xfrm>
+            <a:off x="0" y="0"/>
+            <a:ext cx="12188825" cy="6856214"/>
+          </a:xfrm>
+          <a:prstGeom prst="rect">
+            <a:avLst/>
+          </a:prstGeom>
+        </p:spPr>
+      </p:pic>
+      <p:sp>
+        <p:nvSpPr>
+          <p:cNvPr id="2" name="Title 1"/>
           <p:cNvSpPr>
             <a:spLocks noGrp="1"/>
           </p:cNvSpPr>
@@ -136,15 +177,19 @@
         </p:nvSpPr>
         <p:spPr>
           <a:xfrm>
-            <a:off x="1524000" y="1122363"/>
-            <a:ext cx="9144000" cy="2387600"/>
-          </a:xfrm>
-        </p:spPr>
-        <p:txBody>
-          <a:bodyPr anchor="b"/>
+            <a:off x="3962399" y="1964267"/>
+            <a:ext cx="7197726" cy="2421464"/>
+          </a:xfrm>
+        </p:spPr>
+        <p:txBody>
+          <a:bodyPr anchor="b">
+            <a:normAutofit/>
+          </a:bodyPr>
           <a:lstStyle>
-            <a:lvl1pPr algn="ctr">
-              <a:defRPr sz="6000"/>
+            <a:lvl1pPr algn="r">
+              <a:defRPr sz="4800">
+                <a:effectLst/>
+              </a:defRPr>
             </a:lvl1pPr>
           </a:lstStyle>
           <a:p>
@@ -152,13 +197,13 @@
               <a:rPr lang="es-ES" smtClean="0"/>
               <a:t>Haga clic para modificar el estilo de título del patrón</a:t>
             </a:r>
-            <a:endParaRPr lang="es-MX"/>
-          </a:p>
-        </p:txBody>
-      </p:sp>
-      <p:sp>
-        <p:nvSpPr>
-          <p:cNvPr id="3" name="Subtítulo 2"/>
+            <a:endParaRPr lang="en-US" dirty="0"/>
+          </a:p>
+        </p:txBody>
+      </p:sp>
+      <p:sp>
+        <p:nvSpPr>
+          <p:cNvPr id="3" name="Subtitle 2"/>
           <p:cNvSpPr>
             <a:spLocks noGrp="1"/>
           </p:cNvSpPr>
@@ -168,48 +213,102 @@
         </p:nvSpPr>
         <p:spPr>
           <a:xfrm>
-            <a:off x="1524000" y="3602038"/>
-            <a:ext cx="9144000" cy="1655762"/>
-          </a:xfrm>
-        </p:spPr>
-        <p:txBody>
-          <a:bodyPr/>
+            <a:off x="3962399" y="4385732"/>
+            <a:ext cx="7197726" cy="1405467"/>
+          </a:xfrm>
+        </p:spPr>
+        <p:txBody>
+          <a:bodyPr anchor="t">
+            <a:normAutofit/>
+          </a:bodyPr>
           <a:lstStyle>
-            <a:lvl1pPr marL="0" indent="0" algn="ctr">
-              <a:buNone/>
-              <a:defRPr sz="2400"/>
+            <a:lvl1pPr marL="0" indent="0" algn="r">
+              <a:buNone/>
+              <a:defRPr sz="1800" cap="all">
+                <a:solidFill>
+                  <a:schemeClr val="tx1"/>
+                </a:solidFill>
+              </a:defRPr>
             </a:lvl1pPr>
             <a:lvl2pPr marL="457200" indent="0" algn="ctr">
               <a:buNone/>
-              <a:defRPr sz="2000"/>
+              <a:defRPr>
+                <a:solidFill>
+                  <a:schemeClr val="tx1">
+                    <a:tint val="75000"/>
+                  </a:schemeClr>
+                </a:solidFill>
+              </a:defRPr>
             </a:lvl2pPr>
             <a:lvl3pPr marL="914400" indent="0" algn="ctr">
               <a:buNone/>
-              <a:defRPr sz="1800"/>
+              <a:defRPr>
+                <a:solidFill>
+                  <a:schemeClr val="tx1">
+                    <a:tint val="75000"/>
+                  </a:schemeClr>
+                </a:solidFill>
+              </a:defRPr>
             </a:lvl3pPr>
             <a:lvl4pPr marL="1371600" indent="0" algn="ctr">
               <a:buNone/>
-              <a:defRPr sz="1600"/>
+              <a:defRPr>
+                <a:solidFill>
+                  <a:schemeClr val="tx1">
+                    <a:tint val="75000"/>
+                  </a:schemeClr>
+                </a:solidFill>
+              </a:defRPr>
             </a:lvl4pPr>
             <a:lvl5pPr marL="1828800" indent="0" algn="ctr">
               <a:buNone/>
-              <a:defRPr sz="1600"/>
+              <a:defRPr>
+                <a:solidFill>
+                  <a:schemeClr val="tx1">
+                    <a:tint val="75000"/>
+                  </a:schemeClr>
+                </a:solidFill>
+              </a:defRPr>
             </a:lvl5pPr>
             <a:lvl6pPr marL="2286000" indent="0" algn="ctr">
               <a:buNone/>
-              <a:defRPr sz="1600"/>
+              <a:defRPr>
+                <a:solidFill>
+                  <a:schemeClr val="tx1">
+                    <a:tint val="75000"/>
+                  </a:schemeClr>
+                </a:solidFill>
+              </a:defRPr>
             </a:lvl6pPr>
             <a:lvl7pPr marL="2743200" indent="0" algn="ctr">
               <a:buNone/>
-              <a:defRPr sz="1600"/>
+              <a:defRPr>
+                <a:solidFill>
+                  <a:schemeClr val="tx1">
+                    <a:tint val="75000"/>
+                  </a:schemeClr>
+                </a:solidFill>
+              </a:defRPr>
             </a:lvl7pPr>
             <a:lvl8pPr marL="3200400" indent="0" algn="ctr">
               <a:buNone/>
-              <a:defRPr sz="1600"/>
+              <a:defRPr>
+                <a:solidFill>
+                  <a:schemeClr val="tx1">
+                    <a:tint val="75000"/>
+                  </a:schemeClr>
+                </a:solidFill>
+              </a:defRPr>
             </a:lvl8pPr>
             <a:lvl9pPr marL="3657600" indent="0" algn="ctr">
               <a:buNone/>
-              <a:defRPr sz="1600"/>
+              <a:defRPr>
+                <a:solidFill>
+                  <a:schemeClr val="tx1">
+                    <a:tint val="75000"/>
+                  </a:schemeClr>
+                </a:solidFill>
+              </a:defRPr>
             </a:lvl9pPr>
           </a:lstStyle>
           <a:p>
@@ -217,13 +316,13 @@
               <a:rPr lang="es-ES" smtClean="0"/>
               <a:t>Haga clic para editar el estilo de subtítulo del patrón</a:t>
             </a:r>
-            <a:endParaRPr lang="es-MX"/>
-          </a:p>
-        </p:txBody>
-      </p:sp>
-      <p:sp>
-        <p:nvSpPr>
-          <p:cNvPr id="4" name="Marcador de fecha 3"/>
+            <a:endParaRPr lang="en-US" dirty="0"/>
+          </a:p>
+        </p:txBody>
+      </p:sp>
+      <p:sp>
+        <p:nvSpPr>
+          <p:cNvPr id="4" name="Date Placeholder 3"/>
           <p:cNvSpPr>
             <a:spLocks noGrp="1"/>
           </p:cNvSpPr>
@@ -231,14 +330,19 @@
             <p:ph type="dt" sz="half" idx="10"/>
           </p:nvPr>
         </p:nvSpPr>
-        <p:spPr/>
+        <p:spPr>
+          <a:xfrm>
+            <a:off x="8932558" y="5870575"/>
+            <a:ext cx="1600200" cy="377825"/>
+          </a:xfrm>
+        </p:spPr>
         <p:txBody>
           <a:bodyPr/>
           <a:lstStyle/>
           <a:p>
             <a:fld id="{04D8C433-0719-423B-9F72-55C1BAB5AB00}" type="datetimeFigureOut">
               <a:rPr lang="es-MX" smtClean="0"/>
-              <a:t>13/02/2025</a:t>
+              <a:t>18/02/2025</a:t>
             </a:fld>
             <a:endParaRPr lang="es-MX"/>
           </a:p>
@@ -246,7 +350,7 @@
       </p:sp>
       <p:sp>
         <p:nvSpPr>
-          <p:cNvPr id="5" name="Marcador de pie de página 4"/>
+          <p:cNvPr id="5" name="Footer Placeholder 4"/>
           <p:cNvSpPr>
             <a:spLocks noGrp="1"/>
           </p:cNvSpPr>
@@ -254,7 +358,12 @@
             <p:ph type="ftr" sz="quarter" idx="11"/>
           </p:nvPr>
         </p:nvSpPr>
-        <p:spPr/>
+        <p:spPr>
+          <a:xfrm>
+            <a:off x="3962399" y="5870575"/>
+            <a:ext cx="4893958" cy="377825"/>
+          </a:xfrm>
+        </p:spPr>
         <p:txBody>
           <a:bodyPr/>
           <a:lstStyle/>
@@ -265,7 +374,7 @@
       </p:sp>
       <p:sp>
         <p:nvSpPr>
-          <p:cNvPr id="6" name="Marcador de número de diapositiva 5"/>
+          <p:cNvPr id="6" name="Slide Number Placeholder 5"/>
           <p:cNvSpPr>
             <a:spLocks noGrp="1"/>
           </p:cNvSpPr>
@@ -273,7 +382,12 @@
             <p:ph type="sldNum" sz="quarter" idx="12"/>
           </p:nvPr>
         </p:nvSpPr>
-        <p:spPr/>
+        <p:spPr>
+          <a:xfrm>
+            <a:off x="10608958" y="5870575"/>
+            <a:ext cx="551167" cy="377825"/>
+          </a:xfrm>
+        </p:spPr>
         <p:txBody>
           <a:bodyPr/>
           <a:lstStyle/>
@@ -289,7 +403,331 @@
     </p:spTree>
     <p:extLst>
       <p:ext uri="{BB962C8B-B14F-4D97-AF65-F5344CB8AC3E}">
-        <p14:creationId xmlns:p14="http://schemas.microsoft.com/office/powerpoint/2010/main" val="3231149407"/>
+        <p14:creationId xmlns:p14="http://schemas.microsoft.com/office/powerpoint/2010/main" val="3069011007"/>
+      </p:ext>
+    </p:extLst>
+  </p:cSld>
+  <p:clrMapOvr>
+    <a:overrideClrMapping bg1="dk1" tx1="lt1" bg2="dk2" tx2="lt2" accent1="accent1" accent2="accent2" accent3="accent3" accent4="accent4" accent5="accent5" accent6="accent6" hlink="hlink" folHlink="folHlink"/>
+  </p:clrMapOvr>
+</p:sldLayout>
+</file>
+
+<file path=ppt/slideLayouts/slideLayout10.xml><?xml version="1.0" encoding="utf-8"?>
+<p:sldLayout xmlns:a="http://schemas.openxmlformats.org/drawingml/2006/main" xmlns:r="http://schemas.openxmlformats.org/officeDocument/2006/relationships" xmlns:p="http://schemas.openxmlformats.org/presentationml/2006/main" preserve="1">
+  <p:cSld name="Imagen panorámica con descripción">
+    <p:spTree>
+      <p:nvGrpSpPr>
+        <p:cNvPr id="1" name=""/>
+        <p:cNvGrpSpPr/>
+        <p:nvPr/>
+      </p:nvGrpSpPr>
+      <p:grpSpPr>
+        <a:xfrm>
+          <a:off x="0" y="0"/>
+          <a:ext cx="0" cy="0"/>
+          <a:chOff x="0" y="0"/>
+          <a:chExt cx="0" cy="0"/>
+        </a:xfrm>
+      </p:grpSpPr>
+      <p:pic>
+        <p:nvPicPr>
+          <p:cNvPr id="8" name="Picture 7" descr="Celestia-R1---OverlayContentHD.png"/>
+          <p:cNvPicPr>
+            <a:picLocks noChangeAspect="1"/>
+          </p:cNvPicPr>
+          <p:nvPr/>
+        </p:nvPicPr>
+        <p:blipFill>
+          <a:blip r:embed="rId2">
+            <a:extLst>
+              <a:ext uri="{28A0092B-C50C-407E-A947-70E740481C1C}">
+                <a14:useLocalDpi xmlns:a14="http://schemas.microsoft.com/office/drawing/2010/main" val="0"/>
+              </a:ext>
+            </a:extLst>
+          </a:blip>
+          <a:stretch>
+            <a:fillRect/>
+          </a:stretch>
+        </p:blipFill>
+        <p:spPr>
+          <a:xfrm>
+            <a:off x="0" y="0"/>
+            <a:ext cx="12188825" cy="6856214"/>
+          </a:xfrm>
+          <a:prstGeom prst="rect">
+            <a:avLst/>
+          </a:prstGeom>
+        </p:spPr>
+      </p:pic>
+      <p:sp>
+        <p:nvSpPr>
+          <p:cNvPr id="2" name="Title 1"/>
+          <p:cNvSpPr>
+            <a:spLocks noGrp="1"/>
+          </p:cNvSpPr>
+          <p:nvPr>
+            <p:ph type="title"/>
+          </p:nvPr>
+        </p:nvSpPr>
+        <p:spPr>
+          <a:xfrm>
+            <a:off x="685800" y="4732865"/>
+            <a:ext cx="10131427" cy="566738"/>
+          </a:xfrm>
+        </p:spPr>
+        <p:txBody>
+          <a:bodyPr anchor="b">
+            <a:normAutofit/>
+          </a:bodyPr>
+          <a:lstStyle>
+            <a:lvl1pPr algn="l">
+              <a:defRPr sz="2400" b="0"/>
+            </a:lvl1pPr>
+          </a:lstStyle>
+          <a:p>
+            <a:r>
+              <a:rPr lang="es-ES" smtClean="0"/>
+              <a:t>Haga clic para modificar el estilo de título del patrón</a:t>
+            </a:r>
+            <a:endParaRPr lang="en-US" dirty="0"/>
+          </a:p>
+        </p:txBody>
+      </p:sp>
+      <p:sp>
+        <p:nvSpPr>
+          <p:cNvPr id="3" name="Picture Placeholder 2"/>
+          <p:cNvSpPr>
+            <a:spLocks noGrp="1" noChangeAspect="1"/>
+          </p:cNvSpPr>
+          <p:nvPr>
+            <p:ph type="pic" idx="1"/>
+          </p:nvPr>
+        </p:nvSpPr>
+        <p:spPr>
+          <a:xfrm>
+            <a:off x="1371600" y="932112"/>
+            <a:ext cx="8759827" cy="3164976"/>
+          </a:xfrm>
+          <a:prstGeom prst="roundRect">
+            <a:avLst>
+              <a:gd name="adj" fmla="val 4380"/>
+            </a:avLst>
+          </a:prstGeom>
+          <a:ln w="50800" cap="sq" cmpd="dbl">
+            <a:gradFill flip="none" rotWithShape="1">
+              <a:gsLst>
+                <a:gs pos="0">
+                  <a:srgbClr val="FFFFFF"/>
+                </a:gs>
+                <a:gs pos="100000">
+                  <a:schemeClr val="tx1">
+                    <a:alpha val="0"/>
+                  </a:schemeClr>
+                </a:gs>
+              </a:gsLst>
+              <a:path path="circle">
+                <a:fillToRect l="50000" t="50000" r="50000" b="50000"/>
+              </a:path>
+              <a:tileRect/>
+            </a:gradFill>
+            <a:miter lim="800000"/>
+          </a:ln>
+          <a:effectLst>
+            <a:outerShdw blurRad="254000" algn="tl" rotWithShape="0">
+              <a:srgbClr val="000000">
+                <a:alpha val="43000"/>
+              </a:srgbClr>
+            </a:outerShdw>
+          </a:effectLst>
+        </p:spPr>
+        <p:txBody>
+          <a:bodyPr anchor="t">
+            <a:normAutofit/>
+          </a:bodyPr>
+          <a:lstStyle>
+            <a:lvl1pPr marL="0" indent="0" algn="ctr">
+              <a:buNone/>
+              <a:defRPr sz="1600"/>
+            </a:lvl1pPr>
+            <a:lvl2pPr marL="457200" indent="0">
+              <a:buNone/>
+              <a:defRPr sz="1600"/>
+            </a:lvl2pPr>
+            <a:lvl3pPr marL="914400" indent="0">
+              <a:buNone/>
+              <a:defRPr sz="1600"/>
+            </a:lvl3pPr>
+            <a:lvl4pPr marL="1371600" indent="0">
+              <a:buNone/>
+              <a:defRPr sz="1600"/>
+            </a:lvl4pPr>
+            <a:lvl5pPr marL="1828800" indent="0">
+              <a:buNone/>
+              <a:defRPr sz="1600"/>
+            </a:lvl5pPr>
+            <a:lvl6pPr marL="2286000" indent="0">
+              <a:buNone/>
+              <a:defRPr sz="1600"/>
+            </a:lvl6pPr>
+            <a:lvl7pPr marL="2743200" indent="0">
+              <a:buNone/>
+              <a:defRPr sz="1600"/>
+            </a:lvl7pPr>
+            <a:lvl8pPr marL="3200400" indent="0">
+              <a:buNone/>
+              <a:defRPr sz="1600"/>
+            </a:lvl8pPr>
+            <a:lvl9pPr marL="3657600" indent="0">
+              <a:buNone/>
+              <a:defRPr sz="1600"/>
+            </a:lvl9pPr>
+          </a:lstStyle>
+          <a:p>
+            <a:r>
+              <a:rPr lang="es-ES" smtClean="0"/>
+              <a:t>Haga clic en el icono para agregar una imagen</a:t>
+            </a:r>
+            <a:endParaRPr lang="en-US" dirty="0"/>
+          </a:p>
+        </p:txBody>
+      </p:sp>
+      <p:sp>
+        <p:nvSpPr>
+          <p:cNvPr id="4" name="Text Placeholder 3"/>
+          <p:cNvSpPr>
+            <a:spLocks noGrp="1"/>
+          </p:cNvSpPr>
+          <p:nvPr>
+            <p:ph type="body" sz="half" idx="2"/>
+          </p:nvPr>
+        </p:nvSpPr>
+        <p:spPr>
+          <a:xfrm>
+            <a:off x="685800" y="5299603"/>
+            <a:ext cx="10131427" cy="493712"/>
+          </a:xfrm>
+        </p:spPr>
+        <p:txBody>
+          <a:bodyPr anchor="t">
+            <a:normAutofit/>
+          </a:bodyPr>
+          <a:lstStyle>
+            <a:lvl1pPr marL="0" indent="0">
+              <a:buNone/>
+              <a:defRPr sz="1400"/>
+            </a:lvl1pPr>
+            <a:lvl2pPr marL="457200" indent="0">
+              <a:buNone/>
+              <a:defRPr sz="1200"/>
+            </a:lvl2pPr>
+            <a:lvl3pPr marL="914400" indent="0">
+              <a:buNone/>
+              <a:defRPr sz="1000"/>
+            </a:lvl3pPr>
+            <a:lvl4pPr marL="1371600" indent="0">
+              <a:buNone/>
+              <a:defRPr sz="900"/>
+            </a:lvl4pPr>
+            <a:lvl5pPr marL="1828800" indent="0">
+              <a:buNone/>
+              <a:defRPr sz="900"/>
+            </a:lvl5pPr>
+            <a:lvl6pPr marL="2286000" indent="0">
+              <a:buNone/>
+              <a:defRPr sz="900"/>
+            </a:lvl6pPr>
+            <a:lvl7pPr marL="2743200" indent="0">
+              <a:buNone/>
+              <a:defRPr sz="900"/>
+            </a:lvl7pPr>
+            <a:lvl8pPr marL="3200400" indent="0">
+              <a:buNone/>
+              <a:defRPr sz="900"/>
+            </a:lvl8pPr>
+            <a:lvl9pPr marL="3657600" indent="0">
+              <a:buNone/>
+              <a:defRPr sz="900"/>
+            </a:lvl9pPr>
+          </a:lstStyle>
+          <a:p>
+            <a:pPr lvl="0"/>
+            <a:r>
+              <a:rPr lang="es-ES" smtClean="0"/>
+              <a:t>Editar el estilo de texto del patrón</a:t>
+            </a:r>
+          </a:p>
+        </p:txBody>
+      </p:sp>
+      <p:sp>
+        <p:nvSpPr>
+          <p:cNvPr id="5" name="Date Placeholder 4"/>
+          <p:cNvSpPr>
+            <a:spLocks noGrp="1"/>
+          </p:cNvSpPr>
+          <p:nvPr>
+            <p:ph type="dt" sz="half" idx="10"/>
+          </p:nvPr>
+        </p:nvSpPr>
+        <p:spPr/>
+        <p:txBody>
+          <a:bodyPr/>
+          <a:lstStyle/>
+          <a:p>
+            <a:fld id="{04D8C433-0719-423B-9F72-55C1BAB5AB00}" type="datetimeFigureOut">
+              <a:rPr lang="es-MX" smtClean="0"/>
+              <a:t>18/02/2025</a:t>
+            </a:fld>
+            <a:endParaRPr lang="es-MX"/>
+          </a:p>
+        </p:txBody>
+      </p:sp>
+      <p:sp>
+        <p:nvSpPr>
+          <p:cNvPr id="6" name="Footer Placeholder 5"/>
+          <p:cNvSpPr>
+            <a:spLocks noGrp="1"/>
+          </p:cNvSpPr>
+          <p:nvPr>
+            <p:ph type="ftr" sz="quarter" idx="11"/>
+          </p:nvPr>
+        </p:nvSpPr>
+        <p:spPr/>
+        <p:txBody>
+          <a:bodyPr/>
+          <a:lstStyle/>
+          <a:p>
+            <a:endParaRPr lang="es-MX"/>
+          </a:p>
+        </p:txBody>
+      </p:sp>
+      <p:sp>
+        <p:nvSpPr>
+          <p:cNvPr id="7" name="Slide Number Placeholder 6"/>
+          <p:cNvSpPr>
+            <a:spLocks noGrp="1"/>
+          </p:cNvSpPr>
+          <p:nvPr>
+            <p:ph type="sldNum" sz="quarter" idx="12"/>
+          </p:nvPr>
+        </p:nvSpPr>
+        <p:spPr/>
+        <p:txBody>
+          <a:bodyPr/>
+          <a:lstStyle/>
+          <a:p>
+            <a:fld id="{E0722D25-1B1F-4E1B-8ECC-06C2C9B2282E}" type="slidenum">
+              <a:rPr lang="es-MX" smtClean="0"/>
+              <a:t>‹Nº›</a:t>
+            </a:fld>
+            <a:endParaRPr lang="es-MX"/>
+          </a:p>
+        </p:txBody>
+      </p:sp>
+    </p:spTree>
+    <p:extLst>
+      <p:ext uri="{BB962C8B-B14F-4D97-AF65-F5344CB8AC3E}">
+        <p14:creationId xmlns:p14="http://schemas.microsoft.com/office/powerpoint/2010/main" val="3626245432"/>
       </p:ext>
     </p:extLst>
   </p:cSld>
@@ -299,7 +737,2020 @@
 </p:sldLayout>
 </file>
 
-<file path=ppt/slideLayouts/slideLayout10.xml><?xml version="1.0" encoding="utf-8"?>
+<file path=ppt/slideLayouts/slideLayout11.xml><?xml version="1.0" encoding="utf-8"?>
+<p:sldLayout xmlns:a="http://schemas.openxmlformats.org/drawingml/2006/main" xmlns:r="http://schemas.openxmlformats.org/officeDocument/2006/relationships" xmlns:p="http://schemas.openxmlformats.org/presentationml/2006/main" preserve="1">
+  <p:cSld name="Título y descripción">
+    <p:spTree>
+      <p:nvGrpSpPr>
+        <p:cNvPr id="1" name=""/>
+        <p:cNvGrpSpPr/>
+        <p:nvPr/>
+      </p:nvGrpSpPr>
+      <p:grpSpPr>
+        <a:xfrm>
+          <a:off x="0" y="0"/>
+          <a:ext cx="0" cy="0"/>
+          <a:chOff x="0" y="0"/>
+          <a:chExt cx="0" cy="0"/>
+        </a:xfrm>
+      </p:grpSpPr>
+      <p:pic>
+        <p:nvPicPr>
+          <p:cNvPr id="7" name="Picture 6" descr="Celestia-R1---OverlayContentHD.png"/>
+          <p:cNvPicPr>
+            <a:picLocks noChangeAspect="1"/>
+          </p:cNvPicPr>
+          <p:nvPr/>
+        </p:nvPicPr>
+        <p:blipFill>
+          <a:blip r:embed="rId2">
+            <a:extLst>
+              <a:ext uri="{28A0092B-C50C-407E-A947-70E740481C1C}">
+                <a14:useLocalDpi xmlns:a14="http://schemas.microsoft.com/office/drawing/2010/main" val="0"/>
+              </a:ext>
+            </a:extLst>
+          </a:blip>
+          <a:stretch>
+            <a:fillRect/>
+          </a:stretch>
+        </p:blipFill>
+        <p:spPr>
+          <a:xfrm>
+            <a:off x="0" y="0"/>
+            <a:ext cx="12188825" cy="6856214"/>
+          </a:xfrm>
+          <a:prstGeom prst="rect">
+            <a:avLst/>
+          </a:prstGeom>
+        </p:spPr>
+      </p:pic>
+      <p:sp>
+        <p:nvSpPr>
+          <p:cNvPr id="2" name="Title 1"/>
+          <p:cNvSpPr>
+            <a:spLocks noGrp="1"/>
+          </p:cNvSpPr>
+          <p:nvPr>
+            <p:ph type="title"/>
+          </p:nvPr>
+        </p:nvSpPr>
+        <p:spPr>
+          <a:xfrm>
+            <a:off x="685801" y="609601"/>
+            <a:ext cx="10131427" cy="3124199"/>
+          </a:xfrm>
+        </p:spPr>
+        <p:txBody>
+          <a:bodyPr anchor="ctr">
+            <a:normAutofit/>
+          </a:bodyPr>
+          <a:lstStyle>
+            <a:lvl1pPr algn="l">
+              <a:defRPr sz="3200" b="0" cap="none"/>
+            </a:lvl1pPr>
+          </a:lstStyle>
+          <a:p>
+            <a:r>
+              <a:rPr lang="es-ES" smtClean="0"/>
+              <a:t>Haga clic para modificar el estilo de título del patrón</a:t>
+            </a:r>
+            <a:endParaRPr lang="en-US" dirty="0"/>
+          </a:p>
+        </p:txBody>
+      </p:sp>
+      <p:sp>
+        <p:nvSpPr>
+          <p:cNvPr id="3" name="Text Placeholder 2"/>
+          <p:cNvSpPr>
+            <a:spLocks noGrp="1"/>
+          </p:cNvSpPr>
+          <p:nvPr>
+            <p:ph type="body" idx="1"/>
+          </p:nvPr>
+        </p:nvSpPr>
+        <p:spPr>
+          <a:xfrm>
+            <a:off x="685800" y="4343400"/>
+            <a:ext cx="10131428" cy="1447800"/>
+          </a:xfrm>
+        </p:spPr>
+        <p:txBody>
+          <a:bodyPr anchor="ctr">
+            <a:normAutofit/>
+          </a:bodyPr>
+          <a:lstStyle>
+            <a:lvl1pPr marL="0" indent="0" algn="l">
+              <a:buNone/>
+              <a:defRPr sz="2000">
+                <a:solidFill>
+                  <a:schemeClr val="tx1"/>
+                </a:solidFill>
+              </a:defRPr>
+            </a:lvl1pPr>
+            <a:lvl2pPr marL="457200" indent="0">
+              <a:buNone/>
+              <a:defRPr sz="1800">
+                <a:solidFill>
+                  <a:schemeClr val="tx1">
+                    <a:tint val="75000"/>
+                  </a:schemeClr>
+                </a:solidFill>
+              </a:defRPr>
+            </a:lvl2pPr>
+            <a:lvl3pPr marL="914400" indent="0">
+              <a:buNone/>
+              <a:defRPr sz="1600">
+                <a:solidFill>
+                  <a:schemeClr val="tx1">
+                    <a:tint val="75000"/>
+                  </a:schemeClr>
+                </a:solidFill>
+              </a:defRPr>
+            </a:lvl3pPr>
+            <a:lvl4pPr marL="1371600" indent="0">
+              <a:buNone/>
+              <a:defRPr sz="1400">
+                <a:solidFill>
+                  <a:schemeClr val="tx1">
+                    <a:tint val="75000"/>
+                  </a:schemeClr>
+                </a:solidFill>
+              </a:defRPr>
+            </a:lvl4pPr>
+            <a:lvl5pPr marL="1828800" indent="0">
+              <a:buNone/>
+              <a:defRPr sz="1400">
+                <a:solidFill>
+                  <a:schemeClr val="tx1">
+                    <a:tint val="75000"/>
+                  </a:schemeClr>
+                </a:solidFill>
+              </a:defRPr>
+            </a:lvl5pPr>
+            <a:lvl6pPr marL="2286000" indent="0">
+              <a:buNone/>
+              <a:defRPr sz="1400">
+                <a:solidFill>
+                  <a:schemeClr val="tx1">
+                    <a:tint val="75000"/>
+                  </a:schemeClr>
+                </a:solidFill>
+              </a:defRPr>
+            </a:lvl6pPr>
+            <a:lvl7pPr marL="2743200" indent="0">
+              <a:buNone/>
+              <a:defRPr sz="1400">
+                <a:solidFill>
+                  <a:schemeClr val="tx1">
+                    <a:tint val="75000"/>
+                  </a:schemeClr>
+                </a:solidFill>
+              </a:defRPr>
+            </a:lvl7pPr>
+            <a:lvl8pPr marL="3200400" indent="0">
+              <a:buNone/>
+              <a:defRPr sz="1400">
+                <a:solidFill>
+                  <a:schemeClr val="tx1">
+                    <a:tint val="75000"/>
+                  </a:schemeClr>
+                </a:solidFill>
+              </a:defRPr>
+            </a:lvl8pPr>
+            <a:lvl9pPr marL="3657600" indent="0">
+              <a:buNone/>
+              <a:defRPr sz="1400">
+                <a:solidFill>
+                  <a:schemeClr val="tx1">
+                    <a:tint val="75000"/>
+                  </a:schemeClr>
+                </a:solidFill>
+              </a:defRPr>
+            </a:lvl9pPr>
+          </a:lstStyle>
+          <a:p>
+            <a:pPr lvl="0"/>
+            <a:r>
+              <a:rPr lang="es-ES" smtClean="0"/>
+              <a:t>Editar el estilo de texto del patrón</a:t>
+            </a:r>
+          </a:p>
+        </p:txBody>
+      </p:sp>
+      <p:sp>
+        <p:nvSpPr>
+          <p:cNvPr id="4" name="Date Placeholder 3"/>
+          <p:cNvSpPr>
+            <a:spLocks noGrp="1"/>
+          </p:cNvSpPr>
+          <p:nvPr>
+            <p:ph type="dt" sz="half" idx="10"/>
+          </p:nvPr>
+        </p:nvSpPr>
+        <p:spPr/>
+        <p:txBody>
+          <a:bodyPr/>
+          <a:lstStyle/>
+          <a:p>
+            <a:fld id="{04D8C433-0719-423B-9F72-55C1BAB5AB00}" type="datetimeFigureOut">
+              <a:rPr lang="es-MX" smtClean="0"/>
+              <a:t>18/02/2025</a:t>
+            </a:fld>
+            <a:endParaRPr lang="es-MX"/>
+          </a:p>
+        </p:txBody>
+      </p:sp>
+      <p:sp>
+        <p:nvSpPr>
+          <p:cNvPr id="5" name="Footer Placeholder 4"/>
+          <p:cNvSpPr>
+            <a:spLocks noGrp="1"/>
+          </p:cNvSpPr>
+          <p:nvPr>
+            <p:ph type="ftr" sz="quarter" idx="11"/>
+          </p:nvPr>
+        </p:nvSpPr>
+        <p:spPr/>
+        <p:txBody>
+          <a:bodyPr/>
+          <a:lstStyle/>
+          <a:p>
+            <a:endParaRPr lang="es-MX"/>
+          </a:p>
+        </p:txBody>
+      </p:sp>
+      <p:sp>
+        <p:nvSpPr>
+          <p:cNvPr id="6" name="Slide Number Placeholder 5"/>
+          <p:cNvSpPr>
+            <a:spLocks noGrp="1"/>
+          </p:cNvSpPr>
+          <p:nvPr>
+            <p:ph type="sldNum" sz="quarter" idx="12"/>
+          </p:nvPr>
+        </p:nvSpPr>
+        <p:spPr/>
+        <p:txBody>
+          <a:bodyPr/>
+          <a:lstStyle/>
+          <a:p>
+            <a:fld id="{E0722D25-1B1F-4E1B-8ECC-06C2C9B2282E}" type="slidenum">
+              <a:rPr lang="es-MX" smtClean="0"/>
+              <a:t>‹Nº›</a:t>
+            </a:fld>
+            <a:endParaRPr lang="es-MX"/>
+          </a:p>
+        </p:txBody>
+      </p:sp>
+    </p:spTree>
+    <p:extLst>
+      <p:ext uri="{BB962C8B-B14F-4D97-AF65-F5344CB8AC3E}">
+        <p14:creationId xmlns:p14="http://schemas.microsoft.com/office/powerpoint/2010/main" val="2904522650"/>
+      </p:ext>
+    </p:extLst>
+  </p:cSld>
+  <p:clrMapOvr>
+    <a:masterClrMapping/>
+  </p:clrMapOvr>
+</p:sldLayout>
+</file>
+
+<file path=ppt/slideLayouts/slideLayout12.xml><?xml version="1.0" encoding="utf-8"?>
+<p:sldLayout xmlns:a="http://schemas.openxmlformats.org/drawingml/2006/main" xmlns:r="http://schemas.openxmlformats.org/officeDocument/2006/relationships" xmlns:p="http://schemas.openxmlformats.org/presentationml/2006/main" preserve="1">
+  <p:cSld name="Cita con descripción">
+    <p:spTree>
+      <p:nvGrpSpPr>
+        <p:cNvPr id="1" name=""/>
+        <p:cNvGrpSpPr/>
+        <p:nvPr/>
+      </p:nvGrpSpPr>
+      <p:grpSpPr>
+        <a:xfrm>
+          <a:off x="0" y="0"/>
+          <a:ext cx="0" cy="0"/>
+          <a:chOff x="0" y="0"/>
+          <a:chExt cx="0" cy="0"/>
+        </a:xfrm>
+      </p:grpSpPr>
+      <p:pic>
+        <p:nvPicPr>
+          <p:cNvPr id="16" name="Picture 15" descr="Celestia-R1---OverlayContentHD.png"/>
+          <p:cNvPicPr>
+            <a:picLocks noChangeAspect="1"/>
+          </p:cNvPicPr>
+          <p:nvPr/>
+        </p:nvPicPr>
+        <p:blipFill>
+          <a:blip r:embed="rId2">
+            <a:extLst>
+              <a:ext uri="{28A0092B-C50C-407E-A947-70E740481C1C}">
+                <a14:useLocalDpi xmlns:a14="http://schemas.microsoft.com/office/drawing/2010/main" val="0"/>
+              </a:ext>
+            </a:extLst>
+          </a:blip>
+          <a:stretch>
+            <a:fillRect/>
+          </a:stretch>
+        </p:blipFill>
+        <p:spPr>
+          <a:xfrm>
+            <a:off x="0" y="0"/>
+            <a:ext cx="12188825" cy="6856214"/>
+          </a:xfrm>
+          <a:prstGeom prst="rect">
+            <a:avLst/>
+          </a:prstGeom>
+        </p:spPr>
+      </p:pic>
+      <p:sp>
+        <p:nvSpPr>
+          <p:cNvPr id="15" name="TextBox 14"/>
+          <p:cNvSpPr txBox="1"/>
+          <p:nvPr/>
+        </p:nvSpPr>
+        <p:spPr>
+          <a:xfrm>
+            <a:off x="10237867" y="2743200"/>
+            <a:ext cx="609600" cy="584776"/>
+          </a:xfrm>
+          <a:prstGeom prst="rect">
+            <a:avLst/>
+          </a:prstGeom>
+        </p:spPr>
+        <p:txBody>
+          <a:bodyPr vert="horz" lIns="91440" tIns="45720" rIns="91440" bIns="45720" rtlCol="0" anchor="ctr">
+            <a:noAutofit/>
+          </a:bodyPr>
+          <a:lstStyle>
+            <a:lvl1pPr>
+              <a:spcBef>
+                <a:spcPct val="0"/>
+              </a:spcBef>
+              <a:buNone/>
+              <a:defRPr sz="3200" b="0" cap="all">
+                <a:ln w="3175" cmpd="sng">
+                  <a:noFill/>
+                </a:ln>
+                <a:effectLst>
+                  <a:glow rad="38100">
+                    <a:schemeClr val="bg1">
+                      <a:lumMod val="65000"/>
+                      <a:lumOff val="35000"/>
+                      <a:alpha val="40000"/>
+                    </a:schemeClr>
+                  </a:glow>
+                  <a:outerShdw blurRad="28575" dist="38100" dir="14040000" algn="tl" rotWithShape="0">
+                    <a:srgbClr val="000000">
+                      <a:alpha val="25000"/>
+                    </a:srgbClr>
+                  </a:outerShdw>
+                </a:effectLst>
+              </a:defRPr>
+            </a:lvl1pPr>
+            <a:lvl2pPr>
+              <a:defRPr>
+                <a:solidFill>
+                  <a:schemeClr val="tx2"/>
+                </a:solidFill>
+              </a:defRPr>
+            </a:lvl2pPr>
+            <a:lvl3pPr>
+              <a:defRPr>
+                <a:solidFill>
+                  <a:schemeClr val="tx2"/>
+                </a:solidFill>
+              </a:defRPr>
+            </a:lvl3pPr>
+            <a:lvl4pPr>
+              <a:defRPr>
+                <a:solidFill>
+                  <a:schemeClr val="tx2"/>
+                </a:solidFill>
+              </a:defRPr>
+            </a:lvl4pPr>
+            <a:lvl5pPr>
+              <a:defRPr>
+                <a:solidFill>
+                  <a:schemeClr val="tx2"/>
+                </a:solidFill>
+              </a:defRPr>
+            </a:lvl5pPr>
+            <a:lvl6pPr>
+              <a:defRPr>
+                <a:solidFill>
+                  <a:schemeClr val="tx2"/>
+                </a:solidFill>
+              </a:defRPr>
+            </a:lvl6pPr>
+            <a:lvl7pPr>
+              <a:defRPr>
+                <a:solidFill>
+                  <a:schemeClr val="tx2"/>
+                </a:solidFill>
+              </a:defRPr>
+            </a:lvl7pPr>
+            <a:lvl8pPr>
+              <a:defRPr>
+                <a:solidFill>
+                  <a:schemeClr val="tx2"/>
+                </a:solidFill>
+              </a:defRPr>
+            </a:lvl8pPr>
+            <a:lvl9pPr>
+              <a:defRPr>
+                <a:solidFill>
+                  <a:schemeClr val="tx2"/>
+                </a:solidFill>
+              </a:defRPr>
+            </a:lvl9pPr>
+          </a:lstStyle>
+          <a:p>
+            <a:pPr lvl="0" algn="r"/>
+            <a:r>
+              <a:rPr lang="en-US" sz="8000" dirty="0">
+                <a:solidFill>
+                  <a:schemeClr val="tx1"/>
+                </a:solidFill>
+                <a:effectLst/>
+              </a:rPr>
+              <a:t>”</a:t>
+            </a:r>
+          </a:p>
+        </p:txBody>
+      </p:sp>
+      <p:sp>
+        <p:nvSpPr>
+          <p:cNvPr id="11" name="TextBox 10"/>
+          <p:cNvSpPr txBox="1"/>
+          <p:nvPr/>
+        </p:nvSpPr>
+        <p:spPr>
+          <a:xfrm>
+            <a:off x="488275" y="823337"/>
+            <a:ext cx="609600" cy="584776"/>
+          </a:xfrm>
+          <a:prstGeom prst="rect">
+            <a:avLst/>
+          </a:prstGeom>
+        </p:spPr>
+        <p:txBody>
+          <a:bodyPr vert="horz" lIns="91440" tIns="45720" rIns="91440" bIns="45720" rtlCol="0" anchor="ctr">
+            <a:noAutofit/>
+          </a:bodyPr>
+          <a:lstStyle>
+            <a:lvl1pPr>
+              <a:spcBef>
+                <a:spcPct val="0"/>
+              </a:spcBef>
+              <a:buNone/>
+              <a:defRPr sz="3200" b="0" cap="all">
+                <a:ln w="3175" cmpd="sng">
+                  <a:noFill/>
+                </a:ln>
+                <a:effectLst>
+                  <a:glow rad="38100">
+                    <a:schemeClr val="bg1">
+                      <a:lumMod val="65000"/>
+                      <a:lumOff val="35000"/>
+                      <a:alpha val="40000"/>
+                    </a:schemeClr>
+                  </a:glow>
+                  <a:outerShdw blurRad="28575" dist="38100" dir="14040000" algn="tl" rotWithShape="0">
+                    <a:srgbClr val="000000">
+                      <a:alpha val="25000"/>
+                    </a:srgbClr>
+                  </a:outerShdw>
+                </a:effectLst>
+              </a:defRPr>
+            </a:lvl1pPr>
+            <a:lvl2pPr>
+              <a:defRPr>
+                <a:solidFill>
+                  <a:schemeClr val="tx2"/>
+                </a:solidFill>
+              </a:defRPr>
+            </a:lvl2pPr>
+            <a:lvl3pPr>
+              <a:defRPr>
+                <a:solidFill>
+                  <a:schemeClr val="tx2"/>
+                </a:solidFill>
+              </a:defRPr>
+            </a:lvl3pPr>
+            <a:lvl4pPr>
+              <a:defRPr>
+                <a:solidFill>
+                  <a:schemeClr val="tx2"/>
+                </a:solidFill>
+              </a:defRPr>
+            </a:lvl4pPr>
+            <a:lvl5pPr>
+              <a:defRPr>
+                <a:solidFill>
+                  <a:schemeClr val="tx2"/>
+                </a:solidFill>
+              </a:defRPr>
+            </a:lvl5pPr>
+            <a:lvl6pPr>
+              <a:defRPr>
+                <a:solidFill>
+                  <a:schemeClr val="tx2"/>
+                </a:solidFill>
+              </a:defRPr>
+            </a:lvl6pPr>
+            <a:lvl7pPr>
+              <a:defRPr>
+                <a:solidFill>
+                  <a:schemeClr val="tx2"/>
+                </a:solidFill>
+              </a:defRPr>
+            </a:lvl7pPr>
+            <a:lvl8pPr>
+              <a:defRPr>
+                <a:solidFill>
+                  <a:schemeClr val="tx2"/>
+                </a:solidFill>
+              </a:defRPr>
+            </a:lvl8pPr>
+            <a:lvl9pPr>
+              <a:defRPr>
+                <a:solidFill>
+                  <a:schemeClr val="tx2"/>
+                </a:solidFill>
+              </a:defRPr>
+            </a:lvl9pPr>
+          </a:lstStyle>
+          <a:p>
+            <a:pPr lvl="0" algn="r"/>
+            <a:r>
+              <a:rPr lang="en-US" sz="8000" dirty="0">
+                <a:solidFill>
+                  <a:schemeClr val="tx1"/>
+                </a:solidFill>
+                <a:effectLst/>
+              </a:rPr>
+              <a:t>“</a:t>
+            </a:r>
+          </a:p>
+        </p:txBody>
+      </p:sp>
+      <p:sp>
+        <p:nvSpPr>
+          <p:cNvPr id="2" name="Title 1"/>
+          <p:cNvSpPr>
+            <a:spLocks noGrp="1"/>
+          </p:cNvSpPr>
+          <p:nvPr>
+            <p:ph type="title"/>
+          </p:nvPr>
+        </p:nvSpPr>
+        <p:spPr>
+          <a:xfrm>
+            <a:off x="992267" y="609601"/>
+            <a:ext cx="9550399" cy="2743199"/>
+          </a:xfrm>
+        </p:spPr>
+        <p:txBody>
+          <a:bodyPr anchor="ctr">
+            <a:normAutofit/>
+          </a:bodyPr>
+          <a:lstStyle>
+            <a:lvl1pPr algn="l">
+              <a:defRPr sz="3200" b="0" cap="none">
+                <a:solidFill>
+                  <a:schemeClr val="tx1"/>
+                </a:solidFill>
+              </a:defRPr>
+            </a:lvl1pPr>
+          </a:lstStyle>
+          <a:p>
+            <a:r>
+              <a:rPr lang="es-ES" smtClean="0"/>
+              <a:t>Haga clic para modificar el estilo de título del patrón</a:t>
+            </a:r>
+            <a:endParaRPr lang="en-US" dirty="0"/>
+          </a:p>
+        </p:txBody>
+      </p:sp>
+      <p:sp>
+        <p:nvSpPr>
+          <p:cNvPr id="10" name="Text Placeholder 9"/>
+          <p:cNvSpPr>
+            <a:spLocks noGrp="1"/>
+          </p:cNvSpPr>
+          <p:nvPr>
+            <p:ph type="body" sz="quarter" idx="13"/>
+          </p:nvPr>
+        </p:nvSpPr>
+        <p:spPr>
+          <a:xfrm>
+            <a:off x="1097875" y="3352800"/>
+            <a:ext cx="9339184" cy="381000"/>
+          </a:xfrm>
+        </p:spPr>
+        <p:txBody>
+          <a:bodyPr anchor="ctr"/>
+          <a:lstStyle>
+            <a:lvl1pPr marL="0" indent="0">
+              <a:buFontTx/>
+              <a:buNone/>
+              <a:defRPr/>
+            </a:lvl1pPr>
+            <a:lvl2pPr marL="457200" indent="0">
+              <a:buFontTx/>
+              <a:buNone/>
+              <a:defRPr/>
+            </a:lvl2pPr>
+            <a:lvl3pPr marL="914400" indent="0">
+              <a:buFontTx/>
+              <a:buNone/>
+              <a:defRPr/>
+            </a:lvl3pPr>
+            <a:lvl4pPr marL="1371600" indent="0">
+              <a:buFontTx/>
+              <a:buNone/>
+              <a:defRPr/>
+            </a:lvl4pPr>
+            <a:lvl5pPr marL="1828800" indent="0">
+              <a:buFontTx/>
+              <a:buNone/>
+              <a:defRPr/>
+            </a:lvl5pPr>
+          </a:lstStyle>
+          <a:p>
+            <a:pPr lvl="0"/>
+            <a:r>
+              <a:rPr lang="es-ES" smtClean="0"/>
+              <a:t>Editar el estilo de texto del patrón</a:t>
+            </a:r>
+          </a:p>
+        </p:txBody>
+      </p:sp>
+      <p:sp>
+        <p:nvSpPr>
+          <p:cNvPr id="3" name="Text Placeholder 2"/>
+          <p:cNvSpPr>
+            <a:spLocks noGrp="1"/>
+          </p:cNvSpPr>
+          <p:nvPr>
+            <p:ph type="body" idx="1"/>
+          </p:nvPr>
+        </p:nvSpPr>
+        <p:spPr>
+          <a:xfrm>
+            <a:off x="687465" y="4343400"/>
+            <a:ext cx="10152367" cy="1447800"/>
+          </a:xfrm>
+        </p:spPr>
+        <p:txBody>
+          <a:bodyPr anchor="ctr">
+            <a:normAutofit/>
+          </a:bodyPr>
+          <a:lstStyle>
+            <a:lvl1pPr marL="0" indent="0" algn="l">
+              <a:buNone/>
+              <a:defRPr sz="2000">
+                <a:solidFill>
+                  <a:schemeClr val="tx1"/>
+                </a:solidFill>
+              </a:defRPr>
+            </a:lvl1pPr>
+            <a:lvl2pPr marL="457200" indent="0">
+              <a:buNone/>
+              <a:defRPr sz="1800">
+                <a:solidFill>
+                  <a:schemeClr val="tx1">
+                    <a:tint val="75000"/>
+                  </a:schemeClr>
+                </a:solidFill>
+              </a:defRPr>
+            </a:lvl2pPr>
+            <a:lvl3pPr marL="914400" indent="0">
+              <a:buNone/>
+              <a:defRPr sz="1600">
+                <a:solidFill>
+                  <a:schemeClr val="tx1">
+                    <a:tint val="75000"/>
+                  </a:schemeClr>
+                </a:solidFill>
+              </a:defRPr>
+            </a:lvl3pPr>
+            <a:lvl4pPr marL="1371600" indent="0">
+              <a:buNone/>
+              <a:defRPr sz="1400">
+                <a:solidFill>
+                  <a:schemeClr val="tx1">
+                    <a:tint val="75000"/>
+                  </a:schemeClr>
+                </a:solidFill>
+              </a:defRPr>
+            </a:lvl4pPr>
+            <a:lvl5pPr marL="1828800" indent="0">
+              <a:buNone/>
+              <a:defRPr sz="1400">
+                <a:solidFill>
+                  <a:schemeClr val="tx1">
+                    <a:tint val="75000"/>
+                  </a:schemeClr>
+                </a:solidFill>
+              </a:defRPr>
+            </a:lvl5pPr>
+            <a:lvl6pPr marL="2286000" indent="0">
+              <a:buNone/>
+              <a:defRPr sz="1400">
+                <a:solidFill>
+                  <a:schemeClr val="tx1">
+                    <a:tint val="75000"/>
+                  </a:schemeClr>
+                </a:solidFill>
+              </a:defRPr>
+            </a:lvl6pPr>
+            <a:lvl7pPr marL="2743200" indent="0">
+              <a:buNone/>
+              <a:defRPr sz="1400">
+                <a:solidFill>
+                  <a:schemeClr val="tx1">
+                    <a:tint val="75000"/>
+                  </a:schemeClr>
+                </a:solidFill>
+              </a:defRPr>
+            </a:lvl7pPr>
+            <a:lvl8pPr marL="3200400" indent="0">
+              <a:buNone/>
+              <a:defRPr sz="1400">
+                <a:solidFill>
+                  <a:schemeClr val="tx1">
+                    <a:tint val="75000"/>
+                  </a:schemeClr>
+                </a:solidFill>
+              </a:defRPr>
+            </a:lvl8pPr>
+            <a:lvl9pPr marL="3657600" indent="0">
+              <a:buNone/>
+              <a:defRPr sz="1400">
+                <a:solidFill>
+                  <a:schemeClr val="tx1">
+                    <a:tint val="75000"/>
+                  </a:schemeClr>
+                </a:solidFill>
+              </a:defRPr>
+            </a:lvl9pPr>
+          </a:lstStyle>
+          <a:p>
+            <a:pPr lvl="0"/>
+            <a:r>
+              <a:rPr lang="es-ES" smtClean="0"/>
+              <a:t>Editar el estilo de texto del patrón</a:t>
+            </a:r>
+          </a:p>
+        </p:txBody>
+      </p:sp>
+      <p:sp>
+        <p:nvSpPr>
+          <p:cNvPr id="4" name="Date Placeholder 3"/>
+          <p:cNvSpPr>
+            <a:spLocks noGrp="1"/>
+          </p:cNvSpPr>
+          <p:nvPr>
+            <p:ph type="dt" sz="half" idx="10"/>
+          </p:nvPr>
+        </p:nvSpPr>
+        <p:spPr/>
+        <p:txBody>
+          <a:bodyPr/>
+          <a:lstStyle/>
+          <a:p>
+            <a:fld id="{04D8C433-0719-423B-9F72-55C1BAB5AB00}" type="datetimeFigureOut">
+              <a:rPr lang="es-MX" smtClean="0"/>
+              <a:t>18/02/2025</a:t>
+            </a:fld>
+            <a:endParaRPr lang="es-MX"/>
+          </a:p>
+        </p:txBody>
+      </p:sp>
+      <p:sp>
+        <p:nvSpPr>
+          <p:cNvPr id="5" name="Footer Placeholder 4"/>
+          <p:cNvSpPr>
+            <a:spLocks noGrp="1"/>
+          </p:cNvSpPr>
+          <p:nvPr>
+            <p:ph type="ftr" sz="quarter" idx="11"/>
+          </p:nvPr>
+        </p:nvSpPr>
+        <p:spPr/>
+        <p:txBody>
+          <a:bodyPr/>
+          <a:lstStyle/>
+          <a:p>
+            <a:endParaRPr lang="es-MX"/>
+          </a:p>
+        </p:txBody>
+      </p:sp>
+      <p:sp>
+        <p:nvSpPr>
+          <p:cNvPr id="6" name="Slide Number Placeholder 5"/>
+          <p:cNvSpPr>
+            <a:spLocks noGrp="1"/>
+          </p:cNvSpPr>
+          <p:nvPr>
+            <p:ph type="sldNum" sz="quarter" idx="12"/>
+          </p:nvPr>
+        </p:nvSpPr>
+        <p:spPr/>
+        <p:txBody>
+          <a:bodyPr/>
+          <a:lstStyle/>
+          <a:p>
+            <a:fld id="{E0722D25-1B1F-4E1B-8ECC-06C2C9B2282E}" type="slidenum">
+              <a:rPr lang="es-MX" smtClean="0"/>
+              <a:t>‹Nº›</a:t>
+            </a:fld>
+            <a:endParaRPr lang="es-MX"/>
+          </a:p>
+        </p:txBody>
+      </p:sp>
+    </p:spTree>
+    <p:extLst>
+      <p:ext uri="{BB962C8B-B14F-4D97-AF65-F5344CB8AC3E}">
+        <p14:creationId xmlns:p14="http://schemas.microsoft.com/office/powerpoint/2010/main" val="1359337046"/>
+      </p:ext>
+    </p:extLst>
+  </p:cSld>
+  <p:clrMapOvr>
+    <a:masterClrMapping/>
+  </p:clrMapOvr>
+</p:sldLayout>
+</file>
+
+<file path=ppt/slideLayouts/slideLayout13.xml><?xml version="1.0" encoding="utf-8"?>
+<p:sldLayout xmlns:a="http://schemas.openxmlformats.org/drawingml/2006/main" xmlns:r="http://schemas.openxmlformats.org/officeDocument/2006/relationships" xmlns:p="http://schemas.openxmlformats.org/presentationml/2006/main" preserve="1">
+  <p:cSld name="Tarjeta de nombre">
+    <p:spTree>
+      <p:nvGrpSpPr>
+        <p:cNvPr id="1" name=""/>
+        <p:cNvGrpSpPr/>
+        <p:nvPr/>
+      </p:nvGrpSpPr>
+      <p:grpSpPr>
+        <a:xfrm>
+          <a:off x="0" y="0"/>
+          <a:ext cx="0" cy="0"/>
+          <a:chOff x="0" y="0"/>
+          <a:chExt cx="0" cy="0"/>
+        </a:xfrm>
+      </p:grpSpPr>
+      <p:pic>
+        <p:nvPicPr>
+          <p:cNvPr id="8" name="Picture 7" descr="Celestia-R1---OverlayContentHD.png"/>
+          <p:cNvPicPr>
+            <a:picLocks noChangeAspect="1"/>
+          </p:cNvPicPr>
+          <p:nvPr/>
+        </p:nvPicPr>
+        <p:blipFill>
+          <a:blip r:embed="rId2">
+            <a:extLst>
+              <a:ext uri="{28A0092B-C50C-407E-A947-70E740481C1C}">
+                <a14:useLocalDpi xmlns:a14="http://schemas.microsoft.com/office/drawing/2010/main" val="0"/>
+              </a:ext>
+            </a:extLst>
+          </a:blip>
+          <a:stretch>
+            <a:fillRect/>
+          </a:stretch>
+        </p:blipFill>
+        <p:spPr>
+          <a:xfrm>
+            <a:off x="0" y="0"/>
+            <a:ext cx="12188825" cy="6856214"/>
+          </a:xfrm>
+          <a:prstGeom prst="rect">
+            <a:avLst/>
+          </a:prstGeom>
+        </p:spPr>
+      </p:pic>
+      <p:sp>
+        <p:nvSpPr>
+          <p:cNvPr id="2" name="Title 1"/>
+          <p:cNvSpPr>
+            <a:spLocks noGrp="1"/>
+          </p:cNvSpPr>
+          <p:nvPr>
+            <p:ph type="title"/>
+          </p:nvPr>
+        </p:nvSpPr>
+        <p:spPr>
+          <a:xfrm>
+            <a:off x="685802" y="3308581"/>
+            <a:ext cx="10131425" cy="1468800"/>
+          </a:xfrm>
+        </p:spPr>
+        <p:txBody>
+          <a:bodyPr anchor="b">
+            <a:normAutofit/>
+          </a:bodyPr>
+          <a:lstStyle>
+            <a:lvl1pPr algn="l">
+              <a:defRPr sz="3200" b="0" cap="none"/>
+            </a:lvl1pPr>
+          </a:lstStyle>
+          <a:p>
+            <a:r>
+              <a:rPr lang="es-ES" smtClean="0"/>
+              <a:t>Haga clic para modificar el estilo de título del patrón</a:t>
+            </a:r>
+            <a:endParaRPr lang="en-US" dirty="0"/>
+          </a:p>
+        </p:txBody>
+      </p:sp>
+      <p:sp>
+        <p:nvSpPr>
+          <p:cNvPr id="3" name="Text Placeholder 2"/>
+          <p:cNvSpPr>
+            <a:spLocks noGrp="1"/>
+          </p:cNvSpPr>
+          <p:nvPr>
+            <p:ph type="body" idx="1"/>
+          </p:nvPr>
+        </p:nvSpPr>
+        <p:spPr>
+          <a:xfrm>
+            <a:off x="685801" y="4777381"/>
+            <a:ext cx="10131426" cy="860400"/>
+          </a:xfrm>
+        </p:spPr>
+        <p:txBody>
+          <a:bodyPr anchor="t">
+            <a:normAutofit/>
+          </a:bodyPr>
+          <a:lstStyle>
+            <a:lvl1pPr marL="0" indent="0" algn="l">
+              <a:buNone/>
+              <a:defRPr sz="2000">
+                <a:solidFill>
+                  <a:schemeClr val="tx1"/>
+                </a:solidFill>
+              </a:defRPr>
+            </a:lvl1pPr>
+            <a:lvl2pPr marL="457200" indent="0">
+              <a:buNone/>
+              <a:defRPr sz="1800">
+                <a:solidFill>
+                  <a:schemeClr val="tx1">
+                    <a:tint val="75000"/>
+                  </a:schemeClr>
+                </a:solidFill>
+              </a:defRPr>
+            </a:lvl2pPr>
+            <a:lvl3pPr marL="914400" indent="0">
+              <a:buNone/>
+              <a:defRPr sz="1600">
+                <a:solidFill>
+                  <a:schemeClr val="tx1">
+                    <a:tint val="75000"/>
+                  </a:schemeClr>
+                </a:solidFill>
+              </a:defRPr>
+            </a:lvl3pPr>
+            <a:lvl4pPr marL="1371600" indent="0">
+              <a:buNone/>
+              <a:defRPr sz="1400">
+                <a:solidFill>
+                  <a:schemeClr val="tx1">
+                    <a:tint val="75000"/>
+                  </a:schemeClr>
+                </a:solidFill>
+              </a:defRPr>
+            </a:lvl4pPr>
+            <a:lvl5pPr marL="1828800" indent="0">
+              <a:buNone/>
+              <a:defRPr sz="1400">
+                <a:solidFill>
+                  <a:schemeClr val="tx1">
+                    <a:tint val="75000"/>
+                  </a:schemeClr>
+                </a:solidFill>
+              </a:defRPr>
+            </a:lvl5pPr>
+            <a:lvl6pPr marL="2286000" indent="0">
+              <a:buNone/>
+              <a:defRPr sz="1400">
+                <a:solidFill>
+                  <a:schemeClr val="tx1">
+                    <a:tint val="75000"/>
+                  </a:schemeClr>
+                </a:solidFill>
+              </a:defRPr>
+            </a:lvl6pPr>
+            <a:lvl7pPr marL="2743200" indent="0">
+              <a:buNone/>
+              <a:defRPr sz="1400">
+                <a:solidFill>
+                  <a:schemeClr val="tx1">
+                    <a:tint val="75000"/>
+                  </a:schemeClr>
+                </a:solidFill>
+              </a:defRPr>
+            </a:lvl7pPr>
+            <a:lvl8pPr marL="3200400" indent="0">
+              <a:buNone/>
+              <a:defRPr sz="1400">
+                <a:solidFill>
+                  <a:schemeClr val="tx1">
+                    <a:tint val="75000"/>
+                  </a:schemeClr>
+                </a:solidFill>
+              </a:defRPr>
+            </a:lvl8pPr>
+            <a:lvl9pPr marL="3657600" indent="0">
+              <a:buNone/>
+              <a:defRPr sz="1400">
+                <a:solidFill>
+                  <a:schemeClr val="tx1">
+                    <a:tint val="75000"/>
+                  </a:schemeClr>
+                </a:solidFill>
+              </a:defRPr>
+            </a:lvl9pPr>
+          </a:lstStyle>
+          <a:p>
+            <a:pPr lvl="0"/>
+            <a:r>
+              <a:rPr lang="es-ES" smtClean="0"/>
+              <a:t>Editar el estilo de texto del patrón</a:t>
+            </a:r>
+          </a:p>
+        </p:txBody>
+      </p:sp>
+      <p:sp>
+        <p:nvSpPr>
+          <p:cNvPr id="4" name="Date Placeholder 3"/>
+          <p:cNvSpPr>
+            <a:spLocks noGrp="1"/>
+          </p:cNvSpPr>
+          <p:nvPr>
+            <p:ph type="dt" sz="half" idx="10"/>
+          </p:nvPr>
+        </p:nvSpPr>
+        <p:spPr/>
+        <p:txBody>
+          <a:bodyPr/>
+          <a:lstStyle/>
+          <a:p>
+            <a:fld id="{04D8C433-0719-423B-9F72-55C1BAB5AB00}" type="datetimeFigureOut">
+              <a:rPr lang="es-MX" smtClean="0"/>
+              <a:t>18/02/2025</a:t>
+            </a:fld>
+            <a:endParaRPr lang="es-MX"/>
+          </a:p>
+        </p:txBody>
+      </p:sp>
+      <p:sp>
+        <p:nvSpPr>
+          <p:cNvPr id="5" name="Footer Placeholder 4"/>
+          <p:cNvSpPr>
+            <a:spLocks noGrp="1"/>
+          </p:cNvSpPr>
+          <p:nvPr>
+            <p:ph type="ftr" sz="quarter" idx="11"/>
+          </p:nvPr>
+        </p:nvSpPr>
+        <p:spPr/>
+        <p:txBody>
+          <a:bodyPr/>
+          <a:lstStyle/>
+          <a:p>
+            <a:endParaRPr lang="es-MX"/>
+          </a:p>
+        </p:txBody>
+      </p:sp>
+      <p:sp>
+        <p:nvSpPr>
+          <p:cNvPr id="6" name="Slide Number Placeholder 5"/>
+          <p:cNvSpPr>
+            <a:spLocks noGrp="1"/>
+          </p:cNvSpPr>
+          <p:nvPr>
+            <p:ph type="sldNum" sz="quarter" idx="12"/>
+          </p:nvPr>
+        </p:nvSpPr>
+        <p:spPr/>
+        <p:txBody>
+          <a:bodyPr/>
+          <a:lstStyle/>
+          <a:p>
+            <a:fld id="{E0722D25-1B1F-4E1B-8ECC-06C2C9B2282E}" type="slidenum">
+              <a:rPr lang="es-MX" smtClean="0"/>
+              <a:t>‹Nº›</a:t>
+            </a:fld>
+            <a:endParaRPr lang="es-MX"/>
+          </a:p>
+        </p:txBody>
+      </p:sp>
+    </p:spTree>
+    <p:extLst>
+      <p:ext uri="{BB962C8B-B14F-4D97-AF65-F5344CB8AC3E}">
+        <p14:creationId xmlns:p14="http://schemas.microsoft.com/office/powerpoint/2010/main" val="3526018740"/>
+      </p:ext>
+    </p:extLst>
+  </p:cSld>
+  <p:clrMapOvr>
+    <a:masterClrMapping/>
+  </p:clrMapOvr>
+</p:sldLayout>
+</file>
+
+<file path=ppt/slideLayouts/slideLayout14.xml><?xml version="1.0" encoding="utf-8"?>
+<p:sldLayout xmlns:a="http://schemas.openxmlformats.org/drawingml/2006/main" xmlns:r="http://schemas.openxmlformats.org/officeDocument/2006/relationships" xmlns:p="http://schemas.openxmlformats.org/presentationml/2006/main" preserve="1">
+  <p:cSld name="Citar la tarjeta de nombre">
+    <p:spTree>
+      <p:nvGrpSpPr>
+        <p:cNvPr id="1" name=""/>
+        <p:cNvGrpSpPr/>
+        <p:nvPr/>
+      </p:nvGrpSpPr>
+      <p:grpSpPr>
+        <a:xfrm>
+          <a:off x="0" y="0"/>
+          <a:ext cx="0" cy="0"/>
+          <a:chOff x="0" y="0"/>
+          <a:chExt cx="0" cy="0"/>
+        </a:xfrm>
+      </p:grpSpPr>
+      <p:pic>
+        <p:nvPicPr>
+          <p:cNvPr id="11" name="Picture 10" descr="Celestia-R1---OverlayContentHD.png"/>
+          <p:cNvPicPr>
+            <a:picLocks noChangeAspect="1"/>
+          </p:cNvPicPr>
+          <p:nvPr/>
+        </p:nvPicPr>
+        <p:blipFill>
+          <a:blip r:embed="rId2">
+            <a:extLst>
+              <a:ext uri="{28A0092B-C50C-407E-A947-70E740481C1C}">
+                <a14:useLocalDpi xmlns:a14="http://schemas.microsoft.com/office/drawing/2010/main" val="0"/>
+              </a:ext>
+            </a:extLst>
+          </a:blip>
+          <a:stretch>
+            <a:fillRect/>
+          </a:stretch>
+        </p:blipFill>
+        <p:spPr>
+          <a:xfrm>
+            <a:off x="0" y="0"/>
+            <a:ext cx="12188825" cy="6856214"/>
+          </a:xfrm>
+          <a:prstGeom prst="rect">
+            <a:avLst/>
+          </a:prstGeom>
+        </p:spPr>
+      </p:pic>
+      <p:sp>
+        <p:nvSpPr>
+          <p:cNvPr id="13" name="TextBox 12"/>
+          <p:cNvSpPr txBox="1"/>
+          <p:nvPr/>
+        </p:nvSpPr>
+        <p:spPr>
+          <a:xfrm>
+            <a:off x="10237867" y="2743200"/>
+            <a:ext cx="609600" cy="584776"/>
+          </a:xfrm>
+          <a:prstGeom prst="rect">
+            <a:avLst/>
+          </a:prstGeom>
+        </p:spPr>
+        <p:txBody>
+          <a:bodyPr vert="horz" lIns="91440" tIns="45720" rIns="91440" bIns="45720" rtlCol="0" anchor="ctr">
+            <a:noAutofit/>
+          </a:bodyPr>
+          <a:lstStyle>
+            <a:lvl1pPr>
+              <a:spcBef>
+                <a:spcPct val="0"/>
+              </a:spcBef>
+              <a:buNone/>
+              <a:defRPr sz="3200" b="0" cap="all">
+                <a:ln w="3175" cmpd="sng">
+                  <a:noFill/>
+                </a:ln>
+                <a:effectLst>
+                  <a:glow rad="38100">
+                    <a:schemeClr val="bg1">
+                      <a:lumMod val="65000"/>
+                      <a:lumOff val="35000"/>
+                      <a:alpha val="40000"/>
+                    </a:schemeClr>
+                  </a:glow>
+                  <a:outerShdw blurRad="28575" dist="38100" dir="14040000" algn="tl" rotWithShape="0">
+                    <a:srgbClr val="000000">
+                      <a:alpha val="25000"/>
+                    </a:srgbClr>
+                  </a:outerShdw>
+                </a:effectLst>
+              </a:defRPr>
+            </a:lvl1pPr>
+            <a:lvl2pPr>
+              <a:defRPr>
+                <a:solidFill>
+                  <a:schemeClr val="tx2"/>
+                </a:solidFill>
+              </a:defRPr>
+            </a:lvl2pPr>
+            <a:lvl3pPr>
+              <a:defRPr>
+                <a:solidFill>
+                  <a:schemeClr val="tx2"/>
+                </a:solidFill>
+              </a:defRPr>
+            </a:lvl3pPr>
+            <a:lvl4pPr>
+              <a:defRPr>
+                <a:solidFill>
+                  <a:schemeClr val="tx2"/>
+                </a:solidFill>
+              </a:defRPr>
+            </a:lvl4pPr>
+            <a:lvl5pPr>
+              <a:defRPr>
+                <a:solidFill>
+                  <a:schemeClr val="tx2"/>
+                </a:solidFill>
+              </a:defRPr>
+            </a:lvl5pPr>
+            <a:lvl6pPr>
+              <a:defRPr>
+                <a:solidFill>
+                  <a:schemeClr val="tx2"/>
+                </a:solidFill>
+              </a:defRPr>
+            </a:lvl6pPr>
+            <a:lvl7pPr>
+              <a:defRPr>
+                <a:solidFill>
+                  <a:schemeClr val="tx2"/>
+                </a:solidFill>
+              </a:defRPr>
+            </a:lvl7pPr>
+            <a:lvl8pPr>
+              <a:defRPr>
+                <a:solidFill>
+                  <a:schemeClr val="tx2"/>
+                </a:solidFill>
+              </a:defRPr>
+            </a:lvl8pPr>
+            <a:lvl9pPr>
+              <a:defRPr>
+                <a:solidFill>
+                  <a:schemeClr val="tx2"/>
+                </a:solidFill>
+              </a:defRPr>
+            </a:lvl9pPr>
+          </a:lstStyle>
+          <a:p>
+            <a:pPr lvl="0" algn="r"/>
+            <a:r>
+              <a:rPr lang="en-US" sz="8000" dirty="0">
+                <a:solidFill>
+                  <a:schemeClr val="tx1"/>
+                </a:solidFill>
+                <a:effectLst/>
+              </a:rPr>
+              <a:t>”</a:t>
+            </a:r>
+          </a:p>
+        </p:txBody>
+      </p:sp>
+      <p:sp>
+        <p:nvSpPr>
+          <p:cNvPr id="14" name="TextBox 13"/>
+          <p:cNvSpPr txBox="1"/>
+          <p:nvPr/>
+        </p:nvSpPr>
+        <p:spPr>
+          <a:xfrm>
+            <a:off x="488275" y="823337"/>
+            <a:ext cx="609600" cy="584776"/>
+          </a:xfrm>
+          <a:prstGeom prst="rect">
+            <a:avLst/>
+          </a:prstGeom>
+        </p:spPr>
+        <p:txBody>
+          <a:bodyPr vert="horz" lIns="91440" tIns="45720" rIns="91440" bIns="45720" rtlCol="0" anchor="ctr">
+            <a:noAutofit/>
+          </a:bodyPr>
+          <a:lstStyle>
+            <a:lvl1pPr>
+              <a:spcBef>
+                <a:spcPct val="0"/>
+              </a:spcBef>
+              <a:buNone/>
+              <a:defRPr sz="3200" b="0" cap="all">
+                <a:ln w="3175" cmpd="sng">
+                  <a:noFill/>
+                </a:ln>
+                <a:effectLst>
+                  <a:glow rad="38100">
+                    <a:schemeClr val="bg1">
+                      <a:lumMod val="65000"/>
+                      <a:lumOff val="35000"/>
+                      <a:alpha val="40000"/>
+                    </a:schemeClr>
+                  </a:glow>
+                  <a:outerShdw blurRad="28575" dist="38100" dir="14040000" algn="tl" rotWithShape="0">
+                    <a:srgbClr val="000000">
+                      <a:alpha val="25000"/>
+                    </a:srgbClr>
+                  </a:outerShdw>
+                </a:effectLst>
+              </a:defRPr>
+            </a:lvl1pPr>
+            <a:lvl2pPr>
+              <a:defRPr>
+                <a:solidFill>
+                  <a:schemeClr val="tx2"/>
+                </a:solidFill>
+              </a:defRPr>
+            </a:lvl2pPr>
+            <a:lvl3pPr>
+              <a:defRPr>
+                <a:solidFill>
+                  <a:schemeClr val="tx2"/>
+                </a:solidFill>
+              </a:defRPr>
+            </a:lvl3pPr>
+            <a:lvl4pPr>
+              <a:defRPr>
+                <a:solidFill>
+                  <a:schemeClr val="tx2"/>
+                </a:solidFill>
+              </a:defRPr>
+            </a:lvl4pPr>
+            <a:lvl5pPr>
+              <a:defRPr>
+                <a:solidFill>
+                  <a:schemeClr val="tx2"/>
+                </a:solidFill>
+              </a:defRPr>
+            </a:lvl5pPr>
+            <a:lvl6pPr>
+              <a:defRPr>
+                <a:solidFill>
+                  <a:schemeClr val="tx2"/>
+                </a:solidFill>
+              </a:defRPr>
+            </a:lvl6pPr>
+            <a:lvl7pPr>
+              <a:defRPr>
+                <a:solidFill>
+                  <a:schemeClr val="tx2"/>
+                </a:solidFill>
+              </a:defRPr>
+            </a:lvl7pPr>
+            <a:lvl8pPr>
+              <a:defRPr>
+                <a:solidFill>
+                  <a:schemeClr val="tx2"/>
+                </a:solidFill>
+              </a:defRPr>
+            </a:lvl8pPr>
+            <a:lvl9pPr>
+              <a:defRPr>
+                <a:solidFill>
+                  <a:schemeClr val="tx2"/>
+                </a:solidFill>
+              </a:defRPr>
+            </a:lvl9pPr>
+          </a:lstStyle>
+          <a:p>
+            <a:pPr lvl="0" algn="r"/>
+            <a:r>
+              <a:rPr lang="en-US" sz="8000" dirty="0">
+                <a:solidFill>
+                  <a:schemeClr val="tx1"/>
+                </a:solidFill>
+                <a:effectLst/>
+              </a:rPr>
+              <a:t>“</a:t>
+            </a:r>
+          </a:p>
+        </p:txBody>
+      </p:sp>
+      <p:sp>
+        <p:nvSpPr>
+          <p:cNvPr id="16" name="Title 1"/>
+          <p:cNvSpPr>
+            <a:spLocks noGrp="1"/>
+          </p:cNvSpPr>
+          <p:nvPr>
+            <p:ph type="title"/>
+          </p:nvPr>
+        </p:nvSpPr>
+        <p:spPr>
+          <a:xfrm>
+            <a:off x="992267" y="609601"/>
+            <a:ext cx="9550399" cy="2743199"/>
+          </a:xfrm>
+        </p:spPr>
+        <p:txBody>
+          <a:bodyPr anchor="ctr">
+            <a:normAutofit/>
+          </a:bodyPr>
+          <a:lstStyle>
+            <a:lvl1pPr algn="l">
+              <a:defRPr sz="3200" b="0" cap="none">
+                <a:solidFill>
+                  <a:schemeClr val="tx1"/>
+                </a:solidFill>
+              </a:defRPr>
+            </a:lvl1pPr>
+          </a:lstStyle>
+          <a:p>
+            <a:r>
+              <a:rPr lang="es-ES" smtClean="0"/>
+              <a:t>Haga clic para modificar el estilo de título del patrón</a:t>
+            </a:r>
+            <a:endParaRPr lang="en-US" dirty="0"/>
+          </a:p>
+        </p:txBody>
+      </p:sp>
+      <p:sp>
+        <p:nvSpPr>
+          <p:cNvPr id="10" name="Text Placeholder 9"/>
+          <p:cNvSpPr>
+            <a:spLocks noGrp="1"/>
+          </p:cNvSpPr>
+          <p:nvPr>
+            <p:ph type="body" sz="quarter" idx="13"/>
+          </p:nvPr>
+        </p:nvSpPr>
+        <p:spPr>
+          <a:xfrm>
+            <a:off x="685800" y="3886200"/>
+            <a:ext cx="10135436" cy="889000"/>
+          </a:xfrm>
+        </p:spPr>
+        <p:txBody>
+          <a:bodyPr vert="horz" lIns="91440" tIns="45720" rIns="91440" bIns="45720" rtlCol="0" anchor="b">
+            <a:normAutofit/>
+          </a:bodyPr>
+          <a:lstStyle>
+            <a:lvl1pPr>
+              <a:buNone/>
+              <a:defRPr lang="en-US" sz="2400" b="0" cap="none" dirty="0">
+                <a:ln w="3175" cmpd="sng">
+                  <a:noFill/>
+                </a:ln>
+                <a:solidFill>
+                  <a:schemeClr val="tx1"/>
+                </a:solidFill>
+                <a:effectLst/>
+              </a:defRPr>
+            </a:lvl1pPr>
+          </a:lstStyle>
+          <a:p>
+            <a:pPr marL="0" lvl="0">
+              <a:spcBef>
+                <a:spcPct val="0"/>
+              </a:spcBef>
+              <a:buNone/>
+            </a:pPr>
+            <a:r>
+              <a:rPr lang="es-ES" smtClean="0"/>
+              <a:t>Editar el estilo de texto del patrón</a:t>
+            </a:r>
+          </a:p>
+        </p:txBody>
+      </p:sp>
+      <p:sp>
+        <p:nvSpPr>
+          <p:cNvPr id="3" name="Text Placeholder 2"/>
+          <p:cNvSpPr>
+            <a:spLocks noGrp="1"/>
+          </p:cNvSpPr>
+          <p:nvPr>
+            <p:ph type="body" idx="1"/>
+          </p:nvPr>
+        </p:nvSpPr>
+        <p:spPr>
+          <a:xfrm>
+            <a:off x="685799" y="4775200"/>
+            <a:ext cx="10135436" cy="1016000"/>
+          </a:xfrm>
+        </p:spPr>
+        <p:txBody>
+          <a:bodyPr anchor="t">
+            <a:normAutofit/>
+          </a:bodyPr>
+          <a:lstStyle>
+            <a:lvl1pPr marL="0" indent="0" algn="l">
+              <a:buNone/>
+              <a:defRPr sz="1800">
+                <a:solidFill>
+                  <a:schemeClr val="tx1"/>
+                </a:solidFill>
+              </a:defRPr>
+            </a:lvl1pPr>
+            <a:lvl2pPr marL="457200" indent="0">
+              <a:buNone/>
+              <a:defRPr sz="1800">
+                <a:solidFill>
+                  <a:schemeClr val="tx1">
+                    <a:tint val="75000"/>
+                  </a:schemeClr>
+                </a:solidFill>
+              </a:defRPr>
+            </a:lvl2pPr>
+            <a:lvl3pPr marL="914400" indent="0">
+              <a:buNone/>
+              <a:defRPr sz="1600">
+                <a:solidFill>
+                  <a:schemeClr val="tx1">
+                    <a:tint val="75000"/>
+                  </a:schemeClr>
+                </a:solidFill>
+              </a:defRPr>
+            </a:lvl3pPr>
+            <a:lvl4pPr marL="1371600" indent="0">
+              <a:buNone/>
+              <a:defRPr sz="1400">
+                <a:solidFill>
+                  <a:schemeClr val="tx1">
+                    <a:tint val="75000"/>
+                  </a:schemeClr>
+                </a:solidFill>
+              </a:defRPr>
+            </a:lvl4pPr>
+            <a:lvl5pPr marL="1828800" indent="0">
+              <a:buNone/>
+              <a:defRPr sz="1400">
+                <a:solidFill>
+                  <a:schemeClr val="tx1">
+                    <a:tint val="75000"/>
+                  </a:schemeClr>
+                </a:solidFill>
+              </a:defRPr>
+            </a:lvl5pPr>
+            <a:lvl6pPr marL="2286000" indent="0">
+              <a:buNone/>
+              <a:defRPr sz="1400">
+                <a:solidFill>
+                  <a:schemeClr val="tx1">
+                    <a:tint val="75000"/>
+                  </a:schemeClr>
+                </a:solidFill>
+              </a:defRPr>
+            </a:lvl6pPr>
+            <a:lvl7pPr marL="2743200" indent="0">
+              <a:buNone/>
+              <a:defRPr sz="1400">
+                <a:solidFill>
+                  <a:schemeClr val="tx1">
+                    <a:tint val="75000"/>
+                  </a:schemeClr>
+                </a:solidFill>
+              </a:defRPr>
+            </a:lvl7pPr>
+            <a:lvl8pPr marL="3200400" indent="0">
+              <a:buNone/>
+              <a:defRPr sz="1400">
+                <a:solidFill>
+                  <a:schemeClr val="tx1">
+                    <a:tint val="75000"/>
+                  </a:schemeClr>
+                </a:solidFill>
+              </a:defRPr>
+            </a:lvl8pPr>
+            <a:lvl9pPr marL="3657600" indent="0">
+              <a:buNone/>
+              <a:defRPr sz="1400">
+                <a:solidFill>
+                  <a:schemeClr val="tx1">
+                    <a:tint val="75000"/>
+                  </a:schemeClr>
+                </a:solidFill>
+              </a:defRPr>
+            </a:lvl9pPr>
+          </a:lstStyle>
+          <a:p>
+            <a:pPr lvl="0"/>
+            <a:r>
+              <a:rPr lang="es-ES" smtClean="0"/>
+              <a:t>Editar el estilo de texto del patrón</a:t>
+            </a:r>
+          </a:p>
+        </p:txBody>
+      </p:sp>
+      <p:sp>
+        <p:nvSpPr>
+          <p:cNvPr id="4" name="Date Placeholder 3"/>
+          <p:cNvSpPr>
+            <a:spLocks noGrp="1"/>
+          </p:cNvSpPr>
+          <p:nvPr>
+            <p:ph type="dt" sz="half" idx="10"/>
+          </p:nvPr>
+        </p:nvSpPr>
+        <p:spPr/>
+        <p:txBody>
+          <a:bodyPr/>
+          <a:lstStyle/>
+          <a:p>
+            <a:fld id="{04D8C433-0719-423B-9F72-55C1BAB5AB00}" type="datetimeFigureOut">
+              <a:rPr lang="es-MX" smtClean="0"/>
+              <a:t>18/02/2025</a:t>
+            </a:fld>
+            <a:endParaRPr lang="es-MX"/>
+          </a:p>
+        </p:txBody>
+      </p:sp>
+      <p:sp>
+        <p:nvSpPr>
+          <p:cNvPr id="5" name="Footer Placeholder 4"/>
+          <p:cNvSpPr>
+            <a:spLocks noGrp="1"/>
+          </p:cNvSpPr>
+          <p:nvPr>
+            <p:ph type="ftr" sz="quarter" idx="11"/>
+          </p:nvPr>
+        </p:nvSpPr>
+        <p:spPr/>
+        <p:txBody>
+          <a:bodyPr/>
+          <a:lstStyle/>
+          <a:p>
+            <a:endParaRPr lang="es-MX"/>
+          </a:p>
+        </p:txBody>
+      </p:sp>
+      <p:sp>
+        <p:nvSpPr>
+          <p:cNvPr id="6" name="Slide Number Placeholder 5"/>
+          <p:cNvSpPr>
+            <a:spLocks noGrp="1"/>
+          </p:cNvSpPr>
+          <p:nvPr>
+            <p:ph type="sldNum" sz="quarter" idx="12"/>
+          </p:nvPr>
+        </p:nvSpPr>
+        <p:spPr/>
+        <p:txBody>
+          <a:bodyPr/>
+          <a:lstStyle/>
+          <a:p>
+            <a:fld id="{E0722D25-1B1F-4E1B-8ECC-06C2C9B2282E}" type="slidenum">
+              <a:rPr lang="es-MX" smtClean="0"/>
+              <a:t>‹Nº›</a:t>
+            </a:fld>
+            <a:endParaRPr lang="es-MX"/>
+          </a:p>
+        </p:txBody>
+      </p:sp>
+    </p:spTree>
+    <p:extLst>
+      <p:ext uri="{BB962C8B-B14F-4D97-AF65-F5344CB8AC3E}">
+        <p14:creationId xmlns:p14="http://schemas.microsoft.com/office/powerpoint/2010/main" val="65727172"/>
+      </p:ext>
+    </p:extLst>
+  </p:cSld>
+  <p:clrMapOvr>
+    <a:masterClrMapping/>
+  </p:clrMapOvr>
+</p:sldLayout>
+</file>
+
+<file path=ppt/slideLayouts/slideLayout15.xml><?xml version="1.0" encoding="utf-8"?>
+<p:sldLayout xmlns:a="http://schemas.openxmlformats.org/drawingml/2006/main" xmlns:r="http://schemas.openxmlformats.org/officeDocument/2006/relationships" xmlns:p="http://schemas.openxmlformats.org/presentationml/2006/main" preserve="1">
+  <p:cSld name="Verdadero o falso">
+    <p:spTree>
+      <p:nvGrpSpPr>
+        <p:cNvPr id="1" name=""/>
+        <p:cNvGrpSpPr/>
+        <p:nvPr/>
+      </p:nvGrpSpPr>
+      <p:grpSpPr>
+        <a:xfrm>
+          <a:off x="0" y="0"/>
+          <a:ext cx="0" cy="0"/>
+          <a:chOff x="0" y="0"/>
+          <a:chExt cx="0" cy="0"/>
+        </a:xfrm>
+      </p:grpSpPr>
+      <p:pic>
+        <p:nvPicPr>
+          <p:cNvPr id="8" name="Picture 7" descr="Celestia-R1---OverlayContentHD.png"/>
+          <p:cNvPicPr>
+            <a:picLocks noChangeAspect="1"/>
+          </p:cNvPicPr>
+          <p:nvPr/>
+        </p:nvPicPr>
+        <p:blipFill>
+          <a:blip r:embed="rId2">
+            <a:extLst>
+              <a:ext uri="{28A0092B-C50C-407E-A947-70E740481C1C}">
+                <a14:useLocalDpi xmlns:a14="http://schemas.microsoft.com/office/drawing/2010/main" val="0"/>
+              </a:ext>
+            </a:extLst>
+          </a:blip>
+          <a:stretch>
+            <a:fillRect/>
+          </a:stretch>
+        </p:blipFill>
+        <p:spPr>
+          <a:xfrm>
+            <a:off x="0" y="0"/>
+            <a:ext cx="12188825" cy="6856214"/>
+          </a:xfrm>
+          <a:prstGeom prst="rect">
+            <a:avLst/>
+          </a:prstGeom>
+        </p:spPr>
+      </p:pic>
+      <p:sp>
+        <p:nvSpPr>
+          <p:cNvPr id="2" name="Title 1"/>
+          <p:cNvSpPr>
+            <a:spLocks noGrp="1"/>
+          </p:cNvSpPr>
+          <p:nvPr>
+            <p:ph type="title"/>
+          </p:nvPr>
+        </p:nvSpPr>
+        <p:spPr>
+          <a:xfrm>
+            <a:off x="685801" y="609601"/>
+            <a:ext cx="10131427" cy="2743199"/>
+          </a:xfrm>
+        </p:spPr>
+        <p:txBody>
+          <a:bodyPr vert="horz" lIns="91440" tIns="45720" rIns="91440" bIns="45720" rtlCol="0" anchor="ctr">
+            <a:normAutofit/>
+          </a:bodyPr>
+          <a:lstStyle>
+            <a:lvl1pPr>
+              <a:defRPr lang="en-US" b="0" dirty="0"/>
+            </a:lvl1pPr>
+          </a:lstStyle>
+          <a:p>
+            <a:pPr marL="0" lvl="0"/>
+            <a:r>
+              <a:rPr lang="es-ES" smtClean="0"/>
+              <a:t>Haga clic para modificar el estilo de título del patrón</a:t>
+            </a:r>
+            <a:endParaRPr lang="en-US" dirty="0"/>
+          </a:p>
+        </p:txBody>
+      </p:sp>
+      <p:sp>
+        <p:nvSpPr>
+          <p:cNvPr id="10" name="Text Placeholder 9"/>
+          <p:cNvSpPr>
+            <a:spLocks noGrp="1"/>
+          </p:cNvSpPr>
+          <p:nvPr>
+            <p:ph type="body" sz="quarter" idx="13"/>
+          </p:nvPr>
+        </p:nvSpPr>
+        <p:spPr>
+          <a:xfrm>
+            <a:off x="685801" y="3505200"/>
+            <a:ext cx="10131428" cy="838200"/>
+          </a:xfrm>
+        </p:spPr>
+        <p:txBody>
+          <a:bodyPr vert="horz" lIns="91440" tIns="45720" rIns="91440" bIns="45720" rtlCol="0" anchor="b">
+            <a:normAutofit/>
+          </a:bodyPr>
+          <a:lstStyle>
+            <a:lvl1pPr>
+              <a:buNone/>
+              <a:defRPr lang="en-US" sz="2800" b="0" cap="none" dirty="0">
+                <a:ln w="3175" cmpd="sng">
+                  <a:noFill/>
+                </a:ln>
+                <a:solidFill>
+                  <a:schemeClr val="tx1"/>
+                </a:solidFill>
+                <a:effectLst/>
+              </a:defRPr>
+            </a:lvl1pPr>
+          </a:lstStyle>
+          <a:p>
+            <a:pPr marL="0" lvl="0">
+              <a:spcBef>
+                <a:spcPct val="0"/>
+              </a:spcBef>
+              <a:buNone/>
+            </a:pPr>
+            <a:r>
+              <a:rPr lang="es-ES" smtClean="0"/>
+              <a:t>Editar el estilo de texto del patrón</a:t>
+            </a:r>
+          </a:p>
+        </p:txBody>
+      </p:sp>
+      <p:sp>
+        <p:nvSpPr>
+          <p:cNvPr id="3" name="Text Placeholder 2"/>
+          <p:cNvSpPr>
+            <a:spLocks noGrp="1"/>
+          </p:cNvSpPr>
+          <p:nvPr>
+            <p:ph type="body" idx="1"/>
+          </p:nvPr>
+        </p:nvSpPr>
+        <p:spPr>
+          <a:xfrm>
+            <a:off x="685800" y="4343400"/>
+            <a:ext cx="10131428" cy="1447800"/>
+          </a:xfrm>
+        </p:spPr>
+        <p:txBody>
+          <a:bodyPr anchor="t">
+            <a:normAutofit/>
+          </a:bodyPr>
+          <a:lstStyle>
+            <a:lvl1pPr marL="0" indent="0" algn="l">
+              <a:buNone/>
+              <a:defRPr sz="1800">
+                <a:solidFill>
+                  <a:schemeClr val="tx1"/>
+                </a:solidFill>
+              </a:defRPr>
+            </a:lvl1pPr>
+            <a:lvl2pPr marL="457200" indent="0">
+              <a:buNone/>
+              <a:defRPr sz="1800">
+                <a:solidFill>
+                  <a:schemeClr val="tx1">
+                    <a:tint val="75000"/>
+                  </a:schemeClr>
+                </a:solidFill>
+              </a:defRPr>
+            </a:lvl2pPr>
+            <a:lvl3pPr marL="914400" indent="0">
+              <a:buNone/>
+              <a:defRPr sz="1600">
+                <a:solidFill>
+                  <a:schemeClr val="tx1">
+                    <a:tint val="75000"/>
+                  </a:schemeClr>
+                </a:solidFill>
+              </a:defRPr>
+            </a:lvl3pPr>
+            <a:lvl4pPr marL="1371600" indent="0">
+              <a:buNone/>
+              <a:defRPr sz="1400">
+                <a:solidFill>
+                  <a:schemeClr val="tx1">
+                    <a:tint val="75000"/>
+                  </a:schemeClr>
+                </a:solidFill>
+              </a:defRPr>
+            </a:lvl4pPr>
+            <a:lvl5pPr marL="1828800" indent="0">
+              <a:buNone/>
+              <a:defRPr sz="1400">
+                <a:solidFill>
+                  <a:schemeClr val="tx1">
+                    <a:tint val="75000"/>
+                  </a:schemeClr>
+                </a:solidFill>
+              </a:defRPr>
+            </a:lvl5pPr>
+            <a:lvl6pPr marL="2286000" indent="0">
+              <a:buNone/>
+              <a:defRPr sz="1400">
+                <a:solidFill>
+                  <a:schemeClr val="tx1">
+                    <a:tint val="75000"/>
+                  </a:schemeClr>
+                </a:solidFill>
+              </a:defRPr>
+            </a:lvl6pPr>
+            <a:lvl7pPr marL="2743200" indent="0">
+              <a:buNone/>
+              <a:defRPr sz="1400">
+                <a:solidFill>
+                  <a:schemeClr val="tx1">
+                    <a:tint val="75000"/>
+                  </a:schemeClr>
+                </a:solidFill>
+              </a:defRPr>
+            </a:lvl7pPr>
+            <a:lvl8pPr marL="3200400" indent="0">
+              <a:buNone/>
+              <a:defRPr sz="1400">
+                <a:solidFill>
+                  <a:schemeClr val="tx1">
+                    <a:tint val="75000"/>
+                  </a:schemeClr>
+                </a:solidFill>
+              </a:defRPr>
+            </a:lvl8pPr>
+            <a:lvl9pPr marL="3657600" indent="0">
+              <a:buNone/>
+              <a:defRPr sz="1400">
+                <a:solidFill>
+                  <a:schemeClr val="tx1">
+                    <a:tint val="75000"/>
+                  </a:schemeClr>
+                </a:solidFill>
+              </a:defRPr>
+            </a:lvl9pPr>
+          </a:lstStyle>
+          <a:p>
+            <a:pPr lvl="0"/>
+            <a:r>
+              <a:rPr lang="es-ES" smtClean="0"/>
+              <a:t>Editar el estilo de texto del patrón</a:t>
+            </a:r>
+          </a:p>
+        </p:txBody>
+      </p:sp>
+      <p:sp>
+        <p:nvSpPr>
+          <p:cNvPr id="4" name="Date Placeholder 3"/>
+          <p:cNvSpPr>
+            <a:spLocks noGrp="1"/>
+          </p:cNvSpPr>
+          <p:nvPr>
+            <p:ph type="dt" sz="half" idx="10"/>
+          </p:nvPr>
+        </p:nvSpPr>
+        <p:spPr/>
+        <p:txBody>
+          <a:bodyPr/>
+          <a:lstStyle/>
+          <a:p>
+            <a:fld id="{04D8C433-0719-423B-9F72-55C1BAB5AB00}" type="datetimeFigureOut">
+              <a:rPr lang="es-MX" smtClean="0"/>
+              <a:t>18/02/2025</a:t>
+            </a:fld>
+            <a:endParaRPr lang="es-MX"/>
+          </a:p>
+        </p:txBody>
+      </p:sp>
+      <p:sp>
+        <p:nvSpPr>
+          <p:cNvPr id="5" name="Footer Placeholder 4"/>
+          <p:cNvSpPr>
+            <a:spLocks noGrp="1"/>
+          </p:cNvSpPr>
+          <p:nvPr>
+            <p:ph type="ftr" sz="quarter" idx="11"/>
+          </p:nvPr>
+        </p:nvSpPr>
+        <p:spPr/>
+        <p:txBody>
+          <a:bodyPr/>
+          <a:lstStyle/>
+          <a:p>
+            <a:endParaRPr lang="es-MX"/>
+          </a:p>
+        </p:txBody>
+      </p:sp>
+      <p:sp>
+        <p:nvSpPr>
+          <p:cNvPr id="6" name="Slide Number Placeholder 5"/>
+          <p:cNvSpPr>
+            <a:spLocks noGrp="1"/>
+          </p:cNvSpPr>
+          <p:nvPr>
+            <p:ph type="sldNum" sz="quarter" idx="12"/>
+          </p:nvPr>
+        </p:nvSpPr>
+        <p:spPr/>
+        <p:txBody>
+          <a:bodyPr/>
+          <a:lstStyle/>
+          <a:p>
+            <a:fld id="{E0722D25-1B1F-4E1B-8ECC-06C2C9B2282E}" type="slidenum">
+              <a:rPr lang="es-MX" smtClean="0"/>
+              <a:t>‹Nº›</a:t>
+            </a:fld>
+            <a:endParaRPr lang="es-MX"/>
+          </a:p>
+        </p:txBody>
+      </p:sp>
+    </p:spTree>
+    <p:extLst>
+      <p:ext uri="{BB962C8B-B14F-4D97-AF65-F5344CB8AC3E}">
+        <p14:creationId xmlns:p14="http://schemas.microsoft.com/office/powerpoint/2010/main" val="621290061"/>
+      </p:ext>
+    </p:extLst>
+  </p:cSld>
+  <p:clrMapOvr>
+    <a:masterClrMapping/>
+  </p:clrMapOvr>
+</p:sldLayout>
+</file>
+
+<file path=ppt/slideLayouts/slideLayout16.xml><?xml version="1.0" encoding="utf-8"?>
 <p:sldLayout xmlns:a="http://schemas.openxmlformats.org/drawingml/2006/main" xmlns:r="http://schemas.openxmlformats.org/officeDocument/2006/relationships" xmlns:p="http://schemas.openxmlformats.org/presentationml/2006/main" type="vertTx" preserve="1">
   <p:cSld name="Título y texto vertical">
     <p:spTree>
@@ -316,42 +2767,49 @@
           <a:chExt cx="0" cy="0"/>
         </a:xfrm>
       </p:grpSpPr>
-      <p:sp>
-        <p:nvSpPr>
-          <p:cNvPr id="2" name="Título 1"/>
-          <p:cNvSpPr>
-            <a:spLocks noGrp="1"/>
-          </p:cNvSpPr>
-          <p:nvPr>
-            <p:ph type="title"/>
+      <p:pic>
+        <p:nvPicPr>
+          <p:cNvPr id="7" name="Picture 6" descr="Celestia-R1---OverlayContentHD.png"/>
+          <p:cNvPicPr>
+            <a:picLocks noChangeAspect="1"/>
+          </p:cNvPicPr>
+          <p:nvPr/>
+        </p:nvPicPr>
+        <p:blipFill>
+          <a:blip r:embed="rId2">
+            <a:extLst>
+              <a:ext uri="{28A0092B-C50C-407E-A947-70E740481C1C}">
+                <a14:useLocalDpi xmlns:a14="http://schemas.microsoft.com/office/drawing/2010/main" val="0"/>
+              </a:ext>
+            </a:extLst>
+          </a:blip>
+          <a:stretch>
+            <a:fillRect/>
+          </a:stretch>
+        </p:blipFill>
+        <p:spPr>
+          <a:xfrm>
+            <a:off x="0" y="0"/>
+            <a:ext cx="12188825" cy="6856214"/>
+          </a:xfrm>
+          <a:prstGeom prst="rect">
+            <a:avLst/>
+          </a:prstGeom>
+        </p:spPr>
+      </p:pic>
+      <p:sp>
+        <p:nvSpPr>
+          <p:cNvPr id="3" name="Vertical Text Placeholder 2"/>
+          <p:cNvSpPr>
+            <a:spLocks noGrp="1"/>
+          </p:cNvSpPr>
+          <p:nvPr>
+            <p:ph type="body" orient="vert" idx="1"/>
           </p:nvPr>
         </p:nvSpPr>
         <p:spPr/>
         <p:txBody>
-          <a:bodyPr/>
-          <a:lstStyle/>
-          <a:p>
-            <a:r>
-              <a:rPr lang="es-ES" smtClean="0"/>
-              <a:t>Haga clic para modificar el estilo de título del patrón</a:t>
-            </a:r>
-            <a:endParaRPr lang="es-MX"/>
-          </a:p>
-        </p:txBody>
-      </p:sp>
-      <p:sp>
-        <p:nvSpPr>
-          <p:cNvPr id="3" name="Marcador de texto vertical 2"/>
-          <p:cNvSpPr>
-            <a:spLocks noGrp="1"/>
-          </p:cNvSpPr>
-          <p:nvPr>
-            <p:ph type="body" orient="vert" idx="1"/>
-          </p:nvPr>
-        </p:nvSpPr>
-        <p:spPr/>
-        <p:txBody>
-          <a:bodyPr vert="eaVert"/>
+          <a:bodyPr vert="eaVert" anchor="t"/>
           <a:lstStyle/>
           <a:p>
             <a:pPr lvl="0"/>
@@ -387,13 +2845,13 @@
               <a:rPr lang="es-ES" smtClean="0"/>
               <a:t>Quinto nivel</a:t>
             </a:r>
-            <a:endParaRPr lang="es-MX"/>
-          </a:p>
-        </p:txBody>
-      </p:sp>
-      <p:sp>
-        <p:nvSpPr>
-          <p:cNvPr id="4" name="Marcador de fecha 3"/>
+            <a:endParaRPr lang="en-US" dirty="0"/>
+          </a:p>
+        </p:txBody>
+      </p:sp>
+      <p:sp>
+        <p:nvSpPr>
+          <p:cNvPr id="4" name="Date Placeholder 3"/>
           <p:cNvSpPr>
             <a:spLocks noGrp="1"/>
           </p:cNvSpPr>
@@ -408,7 +2866,7 @@
           <a:p>
             <a:fld id="{04D8C433-0719-423B-9F72-55C1BAB5AB00}" type="datetimeFigureOut">
               <a:rPr lang="es-MX" smtClean="0"/>
-              <a:t>13/02/2025</a:t>
+              <a:t>18/02/2025</a:t>
             </a:fld>
             <a:endParaRPr lang="es-MX"/>
           </a:p>
@@ -416,7 +2874,7 @@
       </p:sp>
       <p:sp>
         <p:nvSpPr>
-          <p:cNvPr id="5" name="Marcador de pie de página 4"/>
+          <p:cNvPr id="5" name="Footer Placeholder 4"/>
           <p:cNvSpPr>
             <a:spLocks noGrp="1"/>
           </p:cNvSpPr>
@@ -435,7 +2893,7 @@
       </p:sp>
       <p:sp>
         <p:nvSpPr>
-          <p:cNvPr id="6" name="Marcador de número de diapositiva 5"/>
+          <p:cNvPr id="6" name="Slide Number Placeholder 5"/>
           <p:cNvSpPr>
             <a:spLocks noGrp="1"/>
           </p:cNvSpPr>
@@ -456,10 +2914,38 @@
           </a:p>
         </p:txBody>
       </p:sp>
+      <p:sp>
+        <p:nvSpPr>
+          <p:cNvPr id="8" name="Title 1"/>
+          <p:cNvSpPr>
+            <a:spLocks noGrp="1"/>
+          </p:cNvSpPr>
+          <p:nvPr>
+            <p:ph type="title"/>
+          </p:nvPr>
+        </p:nvSpPr>
+        <p:spPr>
+          <a:xfrm>
+            <a:off x="685801" y="609600"/>
+            <a:ext cx="10131425" cy="1456267"/>
+          </a:xfrm>
+        </p:spPr>
+        <p:txBody>
+          <a:bodyPr/>
+          <a:lstStyle/>
+          <a:p>
+            <a:r>
+              <a:rPr lang="es-ES" smtClean="0"/>
+              <a:t>Haga clic para modificar el estilo de título del patrón</a:t>
+            </a:r>
+            <a:endParaRPr lang="en-US" dirty="0"/>
+          </a:p>
+        </p:txBody>
+      </p:sp>
     </p:spTree>
     <p:extLst>
       <p:ext uri="{BB962C8B-B14F-4D97-AF65-F5344CB8AC3E}">
-        <p14:creationId xmlns:p14="http://schemas.microsoft.com/office/powerpoint/2010/main" val="825843103"/>
+        <p14:creationId xmlns:p14="http://schemas.microsoft.com/office/powerpoint/2010/main" val="615909499"/>
       </p:ext>
     </p:extLst>
   </p:cSld>
@@ -469,7 +2955,7 @@
 </p:sldLayout>
 </file>
 
-<file path=ppt/slideLayouts/slideLayout11.xml><?xml version="1.0" encoding="utf-8"?>
+<file path=ppt/slideLayouts/slideLayout17.xml><?xml version="1.0" encoding="utf-8"?>
 <p:sldLayout xmlns:a="http://schemas.openxmlformats.org/drawingml/2006/main" xmlns:r="http://schemas.openxmlformats.org/officeDocument/2006/relationships" xmlns:p="http://schemas.openxmlformats.org/presentationml/2006/main" type="vertTitleAndTx" preserve="1">
   <p:cSld name="Título vertical y texto">
     <p:spTree>
@@ -486,9 +2972,39 @@
           <a:chExt cx="0" cy="0"/>
         </a:xfrm>
       </p:grpSpPr>
-      <p:sp>
-        <p:nvSpPr>
-          <p:cNvPr id="2" name="Título vertical 1"/>
+      <p:pic>
+        <p:nvPicPr>
+          <p:cNvPr id="7" name="Picture 6" descr="Celestia-R1---OverlayContentHD.png"/>
+          <p:cNvPicPr>
+            <a:picLocks noChangeAspect="1"/>
+          </p:cNvPicPr>
+          <p:nvPr/>
+        </p:nvPicPr>
+        <p:blipFill>
+          <a:blip r:embed="rId2">
+            <a:extLst>
+              <a:ext uri="{28A0092B-C50C-407E-A947-70E740481C1C}">
+                <a14:useLocalDpi xmlns:a14="http://schemas.microsoft.com/office/drawing/2010/main" val="0"/>
+              </a:ext>
+            </a:extLst>
+          </a:blip>
+          <a:stretch>
+            <a:fillRect/>
+          </a:stretch>
+        </p:blipFill>
+        <p:spPr>
+          <a:xfrm>
+            <a:off x="0" y="0"/>
+            <a:ext cx="12188825" cy="6856214"/>
+          </a:xfrm>
+          <a:prstGeom prst="rect">
+            <a:avLst/>
+          </a:prstGeom>
+        </p:spPr>
+      </p:pic>
+      <p:sp>
+        <p:nvSpPr>
+          <p:cNvPr id="2" name="Vertical Title 1"/>
           <p:cNvSpPr>
             <a:spLocks noGrp="1"/>
           </p:cNvSpPr>
@@ -498,8 +3014,8 @@
         </p:nvSpPr>
         <p:spPr>
           <a:xfrm>
-            <a:off x="8724900" y="365125"/>
-            <a:ext cx="2628900" cy="5811838"/>
+            <a:off x="8658675" y="609599"/>
+            <a:ext cx="2158552" cy="5181601"/>
           </a:xfrm>
         </p:spPr>
         <p:txBody>
@@ -510,13 +3026,13 @@
               <a:rPr lang="es-ES" smtClean="0"/>
               <a:t>Haga clic para modificar el estilo de título del patrón</a:t>
             </a:r>
-            <a:endParaRPr lang="es-MX"/>
-          </a:p>
-        </p:txBody>
-      </p:sp>
-      <p:sp>
-        <p:nvSpPr>
-          <p:cNvPr id="3" name="Marcador de texto vertical 2"/>
+            <a:endParaRPr lang="en-US" dirty="0"/>
+          </a:p>
+        </p:txBody>
+      </p:sp>
+      <p:sp>
+        <p:nvSpPr>
+          <p:cNvPr id="3" name="Vertical Text Placeholder 2"/>
           <p:cNvSpPr>
             <a:spLocks noGrp="1"/>
           </p:cNvSpPr>
@@ -526,12 +3042,12 @@
         </p:nvSpPr>
         <p:spPr>
           <a:xfrm>
-            <a:off x="838200" y="365125"/>
-            <a:ext cx="7734300" cy="5811838"/>
-          </a:xfrm>
-        </p:spPr>
-        <p:txBody>
-          <a:bodyPr vert="eaVert"/>
+            <a:off x="685800" y="609600"/>
+            <a:ext cx="7832116" cy="5181600"/>
+          </a:xfrm>
+        </p:spPr>
+        <p:txBody>
+          <a:bodyPr vert="eaVert" anchor="t"/>
           <a:lstStyle/>
           <a:p>
             <a:pPr lvl="0"/>
@@ -567,13 +3083,13 @@
               <a:rPr lang="es-ES" smtClean="0"/>
               <a:t>Quinto nivel</a:t>
             </a:r>
-            <a:endParaRPr lang="es-MX"/>
-          </a:p>
-        </p:txBody>
-      </p:sp>
-      <p:sp>
-        <p:nvSpPr>
-          <p:cNvPr id="4" name="Marcador de fecha 3"/>
+            <a:endParaRPr lang="en-US" dirty="0"/>
+          </a:p>
+        </p:txBody>
+      </p:sp>
+      <p:sp>
+        <p:nvSpPr>
+          <p:cNvPr id="4" name="Date Placeholder 3"/>
           <p:cNvSpPr>
             <a:spLocks noGrp="1"/>
           </p:cNvSpPr>
@@ -588,7 +3104,7 @@
           <a:p>
             <a:fld id="{04D8C433-0719-423B-9F72-55C1BAB5AB00}" type="datetimeFigureOut">
               <a:rPr lang="es-MX" smtClean="0"/>
-              <a:t>13/02/2025</a:t>
+              <a:t>18/02/2025</a:t>
             </a:fld>
             <a:endParaRPr lang="es-MX"/>
           </a:p>
@@ -596,7 +3112,7 @@
       </p:sp>
       <p:sp>
         <p:nvSpPr>
-          <p:cNvPr id="5" name="Marcador de pie de página 4"/>
+          <p:cNvPr id="5" name="Footer Placeholder 4"/>
           <p:cNvSpPr>
             <a:spLocks noGrp="1"/>
           </p:cNvSpPr>
@@ -615,7 +3131,7 @@
       </p:sp>
       <p:sp>
         <p:nvSpPr>
-          <p:cNvPr id="6" name="Marcador de número de diapositiva 5"/>
+          <p:cNvPr id="6" name="Slide Number Placeholder 5"/>
           <p:cNvSpPr>
             <a:spLocks noGrp="1"/>
           </p:cNvSpPr>
@@ -639,7 +3155,7 @@
     </p:spTree>
     <p:extLst>
       <p:ext uri="{BB962C8B-B14F-4D97-AF65-F5344CB8AC3E}">
-        <p14:creationId xmlns:p14="http://schemas.microsoft.com/office/powerpoint/2010/main" val="2426685614"/>
+        <p14:creationId xmlns:p14="http://schemas.microsoft.com/office/powerpoint/2010/main" val="3513113990"/>
       </p:ext>
     </p:extLst>
   </p:cSld>
@@ -666,9 +3182,39 @@
           <a:chExt cx="0" cy="0"/>
         </a:xfrm>
       </p:grpSpPr>
-      <p:sp>
-        <p:nvSpPr>
-          <p:cNvPr id="2" name="Título 1"/>
+      <p:pic>
+        <p:nvPicPr>
+          <p:cNvPr id="7" name="Picture 6" descr="Celestia-R1---OverlayContentHD.png"/>
+          <p:cNvPicPr>
+            <a:picLocks noChangeAspect="1"/>
+          </p:cNvPicPr>
+          <p:nvPr/>
+        </p:nvPicPr>
+        <p:blipFill>
+          <a:blip r:embed="rId2">
+            <a:extLst>
+              <a:ext uri="{28A0092B-C50C-407E-A947-70E740481C1C}">
+                <a14:useLocalDpi xmlns:a14="http://schemas.microsoft.com/office/drawing/2010/main" val="0"/>
+              </a:ext>
+            </a:extLst>
+          </a:blip>
+          <a:stretch>
+            <a:fillRect/>
+          </a:stretch>
+        </p:blipFill>
+        <p:spPr>
+          <a:xfrm>
+            <a:off x="0" y="0"/>
+            <a:ext cx="12188825" cy="6856214"/>
+          </a:xfrm>
+          <a:prstGeom prst="rect">
+            <a:avLst/>
+          </a:prstGeom>
+        </p:spPr>
+      </p:pic>
+      <p:sp>
+        <p:nvSpPr>
+          <p:cNvPr id="2" name="Title 1"/>
           <p:cNvSpPr>
             <a:spLocks noGrp="1"/>
           </p:cNvSpPr>
@@ -685,13 +3231,13 @@
               <a:rPr lang="es-ES" smtClean="0"/>
               <a:t>Haga clic para modificar el estilo de título del patrón</a:t>
             </a:r>
-            <a:endParaRPr lang="es-MX"/>
-          </a:p>
-        </p:txBody>
-      </p:sp>
-      <p:sp>
-        <p:nvSpPr>
-          <p:cNvPr id="3" name="Marcador de contenido 2"/>
+            <a:endParaRPr lang="en-US" dirty="0"/>
+          </a:p>
+        </p:txBody>
+      </p:sp>
+      <p:sp>
+        <p:nvSpPr>
+          <p:cNvPr id="3" name="Content Placeholder 2"/>
           <p:cNvSpPr>
             <a:spLocks noGrp="1"/>
           </p:cNvSpPr>
@@ -701,7 +3247,7 @@
         </p:nvSpPr>
         <p:spPr/>
         <p:txBody>
-          <a:bodyPr/>
+          <a:bodyPr anchor="ctr"/>
           <a:lstStyle/>
           <a:p>
             <a:pPr lvl="0"/>
@@ -737,13 +3283,13 @@
               <a:rPr lang="es-ES" smtClean="0"/>
               <a:t>Quinto nivel</a:t>
             </a:r>
-            <a:endParaRPr lang="es-MX"/>
-          </a:p>
-        </p:txBody>
-      </p:sp>
-      <p:sp>
-        <p:nvSpPr>
-          <p:cNvPr id="4" name="Marcador de fecha 3"/>
+            <a:endParaRPr lang="en-US" dirty="0"/>
+          </a:p>
+        </p:txBody>
+      </p:sp>
+      <p:sp>
+        <p:nvSpPr>
+          <p:cNvPr id="4" name="Date Placeholder 3"/>
           <p:cNvSpPr>
             <a:spLocks noGrp="1"/>
           </p:cNvSpPr>
@@ -758,7 +3304,7 @@
           <a:p>
             <a:fld id="{04D8C433-0719-423B-9F72-55C1BAB5AB00}" type="datetimeFigureOut">
               <a:rPr lang="es-MX" smtClean="0"/>
-              <a:t>13/02/2025</a:t>
+              <a:t>18/02/2025</a:t>
             </a:fld>
             <a:endParaRPr lang="es-MX"/>
           </a:p>
@@ -766,7 +3312,7 @@
       </p:sp>
       <p:sp>
         <p:nvSpPr>
-          <p:cNvPr id="5" name="Marcador de pie de página 4"/>
+          <p:cNvPr id="5" name="Footer Placeholder 4"/>
           <p:cNvSpPr>
             <a:spLocks noGrp="1"/>
           </p:cNvSpPr>
@@ -785,7 +3331,7 @@
       </p:sp>
       <p:sp>
         <p:nvSpPr>
-          <p:cNvPr id="6" name="Marcador de número de diapositiva 5"/>
+          <p:cNvPr id="6" name="Slide Number Placeholder 5"/>
           <p:cNvSpPr>
             <a:spLocks noGrp="1"/>
           </p:cNvSpPr>
@@ -809,7 +3355,7 @@
     </p:spTree>
     <p:extLst>
       <p:ext uri="{BB962C8B-B14F-4D97-AF65-F5344CB8AC3E}">
-        <p14:creationId xmlns:p14="http://schemas.microsoft.com/office/powerpoint/2010/main" val="347766022"/>
+        <p14:creationId xmlns:p14="http://schemas.microsoft.com/office/powerpoint/2010/main" val="892976168"/>
       </p:ext>
     </p:extLst>
   </p:cSld>
@@ -836,9 +3382,39 @@
           <a:chExt cx="0" cy="0"/>
         </a:xfrm>
       </p:grpSpPr>
-      <p:sp>
-        <p:nvSpPr>
-          <p:cNvPr id="2" name="Título 1"/>
+      <p:pic>
+        <p:nvPicPr>
+          <p:cNvPr id="7" name="Picture 6" descr="Celestia-R1---OverlayContentHD.png"/>
+          <p:cNvPicPr>
+            <a:picLocks noChangeAspect="1"/>
+          </p:cNvPicPr>
+          <p:nvPr/>
+        </p:nvPicPr>
+        <p:blipFill>
+          <a:blip r:embed="rId2">
+            <a:extLst>
+              <a:ext uri="{28A0092B-C50C-407E-A947-70E740481C1C}">
+                <a14:useLocalDpi xmlns:a14="http://schemas.microsoft.com/office/drawing/2010/main" val="0"/>
+              </a:ext>
+            </a:extLst>
+          </a:blip>
+          <a:stretch>
+            <a:fillRect/>
+          </a:stretch>
+        </p:blipFill>
+        <p:spPr>
+          <a:xfrm>
+            <a:off x="0" y="0"/>
+            <a:ext cx="12188825" cy="6856214"/>
+          </a:xfrm>
+          <a:prstGeom prst="rect">
+            <a:avLst/>
+          </a:prstGeom>
+        </p:spPr>
+      </p:pic>
+      <p:sp>
+        <p:nvSpPr>
+          <p:cNvPr id="2" name="Title 1"/>
           <p:cNvSpPr>
             <a:spLocks noGrp="1"/>
           </p:cNvSpPr>
@@ -848,15 +3424,15 @@
         </p:nvSpPr>
         <p:spPr>
           <a:xfrm>
-            <a:off x="831850" y="1709738"/>
-            <a:ext cx="10515600" cy="2852737"/>
+            <a:off x="685800" y="3308581"/>
+            <a:ext cx="10131427" cy="1468800"/>
           </a:xfrm>
         </p:spPr>
         <p:txBody>
           <a:bodyPr anchor="b"/>
           <a:lstStyle>
-            <a:lvl1pPr>
-              <a:defRPr sz="6000"/>
+            <a:lvl1pPr algn="l">
+              <a:defRPr sz="4000" b="0" cap="all"/>
             </a:lvl1pPr>
           </a:lstStyle>
           <a:p>
@@ -864,13 +3440,13 @@
               <a:rPr lang="es-ES" smtClean="0"/>
               <a:t>Haga clic para modificar el estilo de título del patrón</a:t>
             </a:r>
-            <a:endParaRPr lang="es-MX"/>
-          </a:p>
-        </p:txBody>
-      </p:sp>
-      <p:sp>
-        <p:nvSpPr>
-          <p:cNvPr id="3" name="Marcador de texto 2"/>
+            <a:endParaRPr lang="en-US" dirty="0"/>
+          </a:p>
+        </p:txBody>
+      </p:sp>
+      <p:sp>
+        <p:nvSpPr>
+          <p:cNvPr id="3" name="Text Placeholder 2"/>
           <p:cNvSpPr>
             <a:spLocks noGrp="1"/>
           </p:cNvSpPr>
@@ -880,102 +3456,102 @@
         </p:nvSpPr>
         <p:spPr>
           <a:xfrm>
-            <a:off x="831850" y="4589463"/>
-            <a:ext cx="10515600" cy="1500187"/>
-          </a:xfrm>
-        </p:spPr>
-        <p:txBody>
-          <a:bodyPr/>
+            <a:off x="685799" y="4777381"/>
+            <a:ext cx="10131428" cy="860400"/>
+          </a:xfrm>
+        </p:spPr>
+        <p:txBody>
+          <a:bodyPr anchor="t">
+            <a:normAutofit/>
+          </a:bodyPr>
           <a:lstStyle>
-            <a:lvl1pPr marL="0" indent="0">
-              <a:buNone/>
-              <a:defRPr sz="2400">
+            <a:lvl1pPr marL="0" indent="0" algn="l">
+              <a:buNone/>
+              <a:defRPr sz="2000" cap="all">
+                <a:solidFill>
+                  <a:schemeClr val="tx1"/>
+                </a:solidFill>
+              </a:defRPr>
+            </a:lvl1pPr>
+            <a:lvl2pPr marL="457200" indent="0">
+              <a:buNone/>
+              <a:defRPr sz="1800">
                 <a:solidFill>
                   <a:schemeClr val="tx1">
                     <a:tint val="75000"/>
                   </a:schemeClr>
                 </a:solidFill>
               </a:defRPr>
-            </a:lvl1pPr>
-            <a:lvl2pPr marL="457200" indent="0">
-              <a:buNone/>
-              <a:defRPr sz="2000">
+            </a:lvl2pPr>
+            <a:lvl3pPr marL="914400" indent="0">
+              <a:buNone/>
+              <a:defRPr sz="1600">
                 <a:solidFill>
                   <a:schemeClr val="tx1">
                     <a:tint val="75000"/>
                   </a:schemeClr>
                 </a:solidFill>
               </a:defRPr>
-            </a:lvl2pPr>
-            <a:lvl3pPr marL="914400" indent="0">
-              <a:buNone/>
-              <a:defRPr sz="1800">
+            </a:lvl3pPr>
+            <a:lvl4pPr marL="1371600" indent="0">
+              <a:buNone/>
+              <a:defRPr sz="1400">
                 <a:solidFill>
                   <a:schemeClr val="tx1">
                     <a:tint val="75000"/>
                   </a:schemeClr>
                 </a:solidFill>
               </a:defRPr>
-            </a:lvl3pPr>
-            <a:lvl4pPr marL="1371600" indent="0">
-              <a:buNone/>
-              <a:defRPr sz="1600">
+            </a:lvl4pPr>
+            <a:lvl5pPr marL="1828800" indent="0">
+              <a:buNone/>
+              <a:defRPr sz="1400">
                 <a:solidFill>
                   <a:schemeClr val="tx1">
                     <a:tint val="75000"/>
                   </a:schemeClr>
                 </a:solidFill>
               </a:defRPr>
-            </a:lvl4pPr>
-            <a:lvl5pPr marL="1828800" indent="0">
-              <a:buNone/>
-              <a:defRPr sz="1600">
+            </a:lvl5pPr>
+            <a:lvl6pPr marL="2286000" indent="0">
+              <a:buNone/>
+              <a:defRPr sz="1400">
                 <a:solidFill>
                   <a:schemeClr val="tx1">
                     <a:tint val="75000"/>
                   </a:schemeClr>
                 </a:solidFill>
               </a:defRPr>
-            </a:lvl5pPr>
-            <a:lvl6pPr marL="2286000" indent="0">
-              <a:buNone/>
-              <a:defRPr sz="1600">
+            </a:lvl6pPr>
+            <a:lvl7pPr marL="2743200" indent="0">
+              <a:buNone/>
+              <a:defRPr sz="1400">
                 <a:solidFill>
                   <a:schemeClr val="tx1">
                     <a:tint val="75000"/>
                   </a:schemeClr>
                 </a:solidFill>
               </a:defRPr>
-            </a:lvl6pPr>
-            <a:lvl7pPr marL="2743200" indent="0">
-              <a:buNone/>
-              <a:defRPr sz="1600">
+            </a:lvl7pPr>
+            <a:lvl8pPr marL="3200400" indent="0">
+              <a:buNone/>
+              <a:defRPr sz="1400">
                 <a:solidFill>
                   <a:schemeClr val="tx1">
                     <a:tint val="75000"/>
                   </a:schemeClr>
                 </a:solidFill>
               </a:defRPr>
-            </a:lvl7pPr>
-            <a:lvl8pPr marL="3200400" indent="0">
-              <a:buNone/>
-              <a:defRPr sz="1600">
+            </a:lvl8pPr>
+            <a:lvl9pPr marL="3657600" indent="0">
+              <a:buNone/>
+              <a:defRPr sz="1400">
                 <a:solidFill>
                   <a:schemeClr val="tx1">
                     <a:tint val="75000"/>
                   </a:schemeClr>
                 </a:solidFill>
               </a:defRPr>
-            </a:lvl8pPr>
-            <a:lvl9pPr marL="3657600" indent="0">
-              <a:buNone/>
-              <a:defRPr sz="1600">
-                <a:solidFill>
-                  <a:schemeClr val="tx1">
-                    <a:tint val="75000"/>
-                  </a:schemeClr>
-                </a:solidFill>
-              </a:defRPr>
             </a:lvl9pPr>
           </a:lstStyle>
           <a:p>
@@ -989,7 +3565,7 @@
       </p:sp>
       <p:sp>
         <p:nvSpPr>
-          <p:cNvPr id="4" name="Marcador de fecha 3"/>
+          <p:cNvPr id="4" name="Date Placeholder 3"/>
           <p:cNvSpPr>
             <a:spLocks noGrp="1"/>
           </p:cNvSpPr>
@@ -1004,7 +3580,7 @@
           <a:p>
             <a:fld id="{04D8C433-0719-423B-9F72-55C1BAB5AB00}" type="datetimeFigureOut">
               <a:rPr lang="es-MX" smtClean="0"/>
-              <a:t>13/02/2025</a:t>
+              <a:t>18/02/2025</a:t>
             </a:fld>
             <a:endParaRPr lang="es-MX"/>
           </a:p>
@@ -1012,7 +3588,7 @@
       </p:sp>
       <p:sp>
         <p:nvSpPr>
-          <p:cNvPr id="5" name="Marcador de pie de página 4"/>
+          <p:cNvPr id="5" name="Footer Placeholder 4"/>
           <p:cNvSpPr>
             <a:spLocks noGrp="1"/>
           </p:cNvSpPr>
@@ -1031,7 +3607,7 @@
       </p:sp>
       <p:sp>
         <p:nvSpPr>
-          <p:cNvPr id="6" name="Marcador de número de diapositiva 5"/>
+          <p:cNvPr id="6" name="Slide Number Placeholder 5"/>
           <p:cNvSpPr>
             <a:spLocks noGrp="1"/>
           </p:cNvSpPr>
@@ -1055,7 +3631,7 @@
     </p:spTree>
     <p:extLst>
       <p:ext uri="{BB962C8B-B14F-4D97-AF65-F5344CB8AC3E}">
-        <p14:creationId xmlns:p14="http://schemas.microsoft.com/office/powerpoint/2010/main" val="4151773574"/>
+        <p14:creationId xmlns:p14="http://schemas.microsoft.com/office/powerpoint/2010/main" val="3986384154"/>
       </p:ext>
     </p:extLst>
   </p:cSld>
@@ -1082,9 +3658,39 @@
           <a:chExt cx="0" cy="0"/>
         </a:xfrm>
       </p:grpSpPr>
-      <p:sp>
-        <p:nvSpPr>
-          <p:cNvPr id="2" name="Título 1"/>
+      <p:pic>
+        <p:nvPicPr>
+          <p:cNvPr id="8" name="Picture 7" descr="Celestia-R1---OverlayContentHD.png"/>
+          <p:cNvPicPr>
+            <a:picLocks noChangeAspect="1"/>
+          </p:cNvPicPr>
+          <p:nvPr/>
+        </p:nvPicPr>
+        <p:blipFill>
+          <a:blip r:embed="rId2">
+            <a:extLst>
+              <a:ext uri="{28A0092B-C50C-407E-A947-70E740481C1C}">
+                <a14:useLocalDpi xmlns:a14="http://schemas.microsoft.com/office/drawing/2010/main" val="0"/>
+              </a:ext>
+            </a:extLst>
+          </a:blip>
+          <a:stretch>
+            <a:fillRect/>
+          </a:stretch>
+        </p:blipFill>
+        <p:spPr>
+          <a:xfrm>
+            <a:off x="0" y="0"/>
+            <a:ext cx="12188825" cy="6856214"/>
+          </a:xfrm>
+          <a:prstGeom prst="rect">
+            <a:avLst/>
+          </a:prstGeom>
+        </p:spPr>
+      </p:pic>
+      <p:sp>
+        <p:nvSpPr>
+          <p:cNvPr id="2" name="Title 1"/>
           <p:cNvSpPr>
             <a:spLocks noGrp="1"/>
           </p:cNvSpPr>
@@ -1101,13 +3707,13 @@
               <a:rPr lang="es-ES" smtClean="0"/>
               <a:t>Haga clic para modificar el estilo de título del patrón</a:t>
             </a:r>
-            <a:endParaRPr lang="es-MX"/>
-          </a:p>
-        </p:txBody>
-      </p:sp>
-      <p:sp>
-        <p:nvSpPr>
-          <p:cNvPr id="3" name="Marcador de contenido 2"/>
+            <a:endParaRPr lang="en-US" dirty="0"/>
+          </a:p>
+        </p:txBody>
+      </p:sp>
+      <p:sp>
+        <p:nvSpPr>
+          <p:cNvPr id="3" name="Content Placeholder 2"/>
           <p:cNvSpPr>
             <a:spLocks noGrp="1"/>
           </p:cNvSpPr>
@@ -1117,12 +3723,14 @@
         </p:nvSpPr>
         <p:spPr>
           <a:xfrm>
-            <a:off x="838200" y="1825625"/>
-            <a:ext cx="5181600" cy="4351338"/>
-          </a:xfrm>
-        </p:spPr>
-        <p:txBody>
-          <a:bodyPr/>
+            <a:off x="685802" y="2142067"/>
+            <a:ext cx="4995334" cy="3649134"/>
+          </a:xfrm>
+        </p:spPr>
+        <p:txBody>
+          <a:bodyPr>
+            <a:normAutofit/>
+          </a:bodyPr>
           <a:lstStyle/>
           <a:p>
             <a:pPr lvl="0"/>
@@ -1158,13 +3766,13 @@
               <a:rPr lang="es-ES" smtClean="0"/>
               <a:t>Quinto nivel</a:t>
             </a:r>
-            <a:endParaRPr lang="es-MX"/>
-          </a:p>
-        </p:txBody>
-      </p:sp>
-      <p:sp>
-        <p:nvSpPr>
-          <p:cNvPr id="4" name="Marcador de contenido 3"/>
+            <a:endParaRPr lang="en-US" dirty="0"/>
+          </a:p>
+        </p:txBody>
+      </p:sp>
+      <p:sp>
+        <p:nvSpPr>
+          <p:cNvPr id="4" name="Content Placeholder 3"/>
           <p:cNvSpPr>
             <a:spLocks noGrp="1"/>
           </p:cNvSpPr>
@@ -1174,12 +3782,14 @@
         </p:nvSpPr>
         <p:spPr>
           <a:xfrm>
-            <a:off x="6172200" y="1825625"/>
-            <a:ext cx="5181600" cy="4351338"/>
-          </a:xfrm>
-        </p:spPr>
-        <p:txBody>
-          <a:bodyPr/>
+            <a:off x="5821895" y="2142067"/>
+            <a:ext cx="4995332" cy="3649133"/>
+          </a:xfrm>
+        </p:spPr>
+        <p:txBody>
+          <a:bodyPr>
+            <a:normAutofit/>
+          </a:bodyPr>
           <a:lstStyle/>
           <a:p>
             <a:pPr lvl="0"/>
@@ -1215,13 +3825,13 @@
               <a:rPr lang="es-ES" smtClean="0"/>
               <a:t>Quinto nivel</a:t>
             </a:r>
-            <a:endParaRPr lang="es-MX"/>
-          </a:p>
-        </p:txBody>
-      </p:sp>
-      <p:sp>
-        <p:nvSpPr>
-          <p:cNvPr id="5" name="Marcador de fecha 4"/>
+            <a:endParaRPr lang="en-US" dirty="0"/>
+          </a:p>
+        </p:txBody>
+      </p:sp>
+      <p:sp>
+        <p:nvSpPr>
+          <p:cNvPr id="5" name="Date Placeholder 4"/>
           <p:cNvSpPr>
             <a:spLocks noGrp="1"/>
           </p:cNvSpPr>
@@ -1236,7 +3846,7 @@
           <a:p>
             <a:fld id="{04D8C433-0719-423B-9F72-55C1BAB5AB00}" type="datetimeFigureOut">
               <a:rPr lang="es-MX" smtClean="0"/>
-              <a:t>13/02/2025</a:t>
+              <a:t>18/02/2025</a:t>
             </a:fld>
             <a:endParaRPr lang="es-MX"/>
           </a:p>
@@ -1244,7 +3854,7 @@
       </p:sp>
       <p:sp>
         <p:nvSpPr>
-          <p:cNvPr id="6" name="Marcador de pie de página 5"/>
+          <p:cNvPr id="6" name="Footer Placeholder 5"/>
           <p:cNvSpPr>
             <a:spLocks noGrp="1"/>
           </p:cNvSpPr>
@@ -1263,7 +3873,7 @@
       </p:sp>
       <p:sp>
         <p:nvSpPr>
-          <p:cNvPr id="7" name="Marcador de número de diapositiva 6"/>
+          <p:cNvPr id="7" name="Slide Number Placeholder 6"/>
           <p:cNvSpPr>
             <a:spLocks noGrp="1"/>
           </p:cNvSpPr>
@@ -1287,7 +3897,7 @@
     </p:spTree>
     <p:extLst>
       <p:ext uri="{BB962C8B-B14F-4D97-AF65-F5344CB8AC3E}">
-        <p14:creationId xmlns:p14="http://schemas.microsoft.com/office/powerpoint/2010/main" val="1520921372"/>
+        <p14:creationId xmlns:p14="http://schemas.microsoft.com/office/powerpoint/2010/main" val="398749440"/>
       </p:ext>
     </p:extLst>
   </p:cSld>
@@ -1316,7 +3926,7 @@
       </p:grpSpPr>
       <p:sp>
         <p:nvSpPr>
-          <p:cNvPr id="2" name="Título 1"/>
+          <p:cNvPr id="2" name="Title 1"/>
           <p:cNvSpPr>
             <a:spLocks noGrp="1"/>
           </p:cNvSpPr>
@@ -1324,27 +3934,26 @@
             <p:ph type="title"/>
           </p:nvPr>
         </p:nvSpPr>
-        <p:spPr>
-          <a:xfrm>
-            <a:off x="839788" y="365125"/>
-            <a:ext cx="10515600" cy="1325563"/>
-          </a:xfrm>
-        </p:spPr>
+        <p:spPr/>
         <p:txBody>
           <a:bodyPr/>
-          <a:lstStyle/>
+          <a:lstStyle>
+            <a:lvl1pPr>
+              <a:defRPr/>
+            </a:lvl1pPr>
+          </a:lstStyle>
           <a:p>
             <a:r>
               <a:rPr lang="es-ES" smtClean="0"/>
               <a:t>Haga clic para modificar el estilo de título del patrón</a:t>
             </a:r>
-            <a:endParaRPr lang="es-MX"/>
-          </a:p>
-        </p:txBody>
-      </p:sp>
-      <p:sp>
-        <p:nvSpPr>
-          <p:cNvPr id="3" name="Marcador de texto 2"/>
+            <a:endParaRPr lang="en-US" dirty="0"/>
+          </a:p>
+        </p:txBody>
+      </p:sp>
+      <p:sp>
+        <p:nvSpPr>
+          <p:cNvPr id="3" name="Text Placeholder 2"/>
           <p:cNvSpPr>
             <a:spLocks noGrp="1"/>
           </p:cNvSpPr>
@@ -1354,16 +3963,18 @@
         </p:nvSpPr>
         <p:spPr>
           <a:xfrm>
-            <a:off x="839788" y="1681163"/>
-            <a:ext cx="5157787" cy="823912"/>
-          </a:xfrm>
-        </p:spPr>
-        <p:txBody>
-          <a:bodyPr anchor="b"/>
+            <a:off x="973670" y="2218267"/>
+            <a:ext cx="4709054" cy="576262"/>
+          </a:xfrm>
+        </p:spPr>
+        <p:txBody>
+          <a:bodyPr anchor="b">
+            <a:noAutofit/>
+          </a:bodyPr>
           <a:lstStyle>
             <a:lvl1pPr marL="0" indent="0">
               <a:buNone/>
-              <a:defRPr sz="2400" b="1"/>
+              <a:defRPr sz="2800" b="0"/>
             </a:lvl1pPr>
             <a:lvl2pPr marL="457200" indent="0">
               <a:buNone/>
@@ -1409,7 +4020,7 @@
       </p:sp>
       <p:sp>
         <p:nvSpPr>
-          <p:cNvPr id="4" name="Marcador de contenido 3"/>
+          <p:cNvPr id="4" name="Content Placeholder 3"/>
           <p:cNvSpPr>
             <a:spLocks noGrp="1"/>
           </p:cNvSpPr>
@@ -1419,12 +4030,14 @@
         </p:nvSpPr>
         <p:spPr>
           <a:xfrm>
-            <a:off x="839788" y="2505075"/>
-            <a:ext cx="5157787" cy="3684588"/>
-          </a:xfrm>
-        </p:spPr>
-        <p:txBody>
-          <a:bodyPr/>
+            <a:off x="685801" y="2870201"/>
+            <a:ext cx="4996923" cy="2920998"/>
+          </a:xfrm>
+        </p:spPr>
+        <p:txBody>
+          <a:bodyPr anchor="t">
+            <a:normAutofit/>
+          </a:bodyPr>
           <a:lstStyle/>
           <a:p>
             <a:pPr lvl="0"/>
@@ -1460,13 +4073,13 @@
               <a:rPr lang="es-ES" smtClean="0"/>
               <a:t>Quinto nivel</a:t>
             </a:r>
-            <a:endParaRPr lang="es-MX"/>
-          </a:p>
-        </p:txBody>
-      </p:sp>
-      <p:sp>
-        <p:nvSpPr>
-          <p:cNvPr id="5" name="Marcador de texto 4"/>
+            <a:endParaRPr lang="en-US" dirty="0"/>
+          </a:p>
+        </p:txBody>
+      </p:sp>
+      <p:sp>
+        <p:nvSpPr>
+          <p:cNvPr id="5" name="Text Placeholder 4"/>
           <p:cNvSpPr>
             <a:spLocks noGrp="1"/>
           </p:cNvSpPr>
@@ -1476,16 +4089,18 @@
         </p:nvSpPr>
         <p:spPr>
           <a:xfrm>
-            <a:off x="6172200" y="1681163"/>
-            <a:ext cx="5183188" cy="823912"/>
-          </a:xfrm>
-        </p:spPr>
-        <p:txBody>
-          <a:bodyPr anchor="b"/>
+            <a:off x="6096003" y="2226734"/>
+            <a:ext cx="4722813" cy="576262"/>
+          </a:xfrm>
+        </p:spPr>
+        <p:txBody>
+          <a:bodyPr anchor="b">
+            <a:noAutofit/>
+          </a:bodyPr>
           <a:lstStyle>
             <a:lvl1pPr marL="0" indent="0">
               <a:buNone/>
-              <a:defRPr sz="2400" b="1"/>
+              <a:defRPr sz="2800" b="0"/>
             </a:lvl1pPr>
             <a:lvl2pPr marL="457200" indent="0">
               <a:buNone/>
@@ -1531,7 +4146,7 @@
       </p:sp>
       <p:sp>
         <p:nvSpPr>
-          <p:cNvPr id="6" name="Marcador de contenido 5"/>
+          <p:cNvPr id="6" name="Content Placeholder 5"/>
           <p:cNvSpPr>
             <a:spLocks noGrp="1"/>
           </p:cNvSpPr>
@@ -1541,12 +4156,14 @@
         </p:nvSpPr>
         <p:spPr>
           <a:xfrm>
-            <a:off x="6172200" y="2505075"/>
-            <a:ext cx="5183188" cy="3684588"/>
-          </a:xfrm>
-        </p:spPr>
-        <p:txBody>
-          <a:bodyPr/>
+            <a:off x="5823483" y="2870201"/>
+            <a:ext cx="4995334" cy="2920998"/>
+          </a:xfrm>
+        </p:spPr>
+        <p:txBody>
+          <a:bodyPr anchor="t">
+            <a:normAutofit/>
+          </a:bodyPr>
           <a:lstStyle/>
           <a:p>
             <a:pPr lvl="0"/>
@@ -1582,13 +4199,13 @@
               <a:rPr lang="es-ES" smtClean="0"/>
               <a:t>Quinto nivel</a:t>
             </a:r>
-            <a:endParaRPr lang="es-MX"/>
-          </a:p>
-        </p:txBody>
-      </p:sp>
-      <p:sp>
-        <p:nvSpPr>
-          <p:cNvPr id="7" name="Marcador de fecha 6"/>
+            <a:endParaRPr lang="en-US" dirty="0"/>
+          </a:p>
+        </p:txBody>
+      </p:sp>
+      <p:sp>
+        <p:nvSpPr>
+          <p:cNvPr id="7" name="Date Placeholder 6"/>
           <p:cNvSpPr>
             <a:spLocks noGrp="1"/>
           </p:cNvSpPr>
@@ -1603,7 +4220,7 @@
           <a:p>
             <a:fld id="{04D8C433-0719-423B-9F72-55C1BAB5AB00}" type="datetimeFigureOut">
               <a:rPr lang="es-MX" smtClean="0"/>
-              <a:t>13/02/2025</a:t>
+              <a:t>18/02/2025</a:t>
             </a:fld>
             <a:endParaRPr lang="es-MX"/>
           </a:p>
@@ -1611,7 +4228,7 @@
       </p:sp>
       <p:sp>
         <p:nvSpPr>
-          <p:cNvPr id="8" name="Marcador de pie de página 7"/>
+          <p:cNvPr id="8" name="Footer Placeholder 7"/>
           <p:cNvSpPr>
             <a:spLocks noGrp="1"/>
           </p:cNvSpPr>
@@ -1630,7 +4247,7 @@
       </p:sp>
       <p:sp>
         <p:nvSpPr>
-          <p:cNvPr id="9" name="Marcador de número de diapositiva 8"/>
+          <p:cNvPr id="9" name="Slide Number Placeholder 8"/>
           <p:cNvSpPr>
             <a:spLocks noGrp="1"/>
           </p:cNvSpPr>
@@ -1654,7 +4271,7 @@
     </p:spTree>
     <p:extLst>
       <p:ext uri="{BB962C8B-B14F-4D97-AF65-F5344CB8AC3E}">
-        <p14:creationId xmlns:p14="http://schemas.microsoft.com/office/powerpoint/2010/main" val="3947234679"/>
+        <p14:creationId xmlns:p14="http://schemas.microsoft.com/office/powerpoint/2010/main" val="4027383835"/>
       </p:ext>
     </p:extLst>
   </p:cSld>
@@ -1681,9 +4298,39 @@
           <a:chExt cx="0" cy="0"/>
         </a:xfrm>
       </p:grpSpPr>
-      <p:sp>
-        <p:nvSpPr>
-          <p:cNvPr id="2" name="Título 1"/>
+      <p:pic>
+        <p:nvPicPr>
+          <p:cNvPr id="6" name="Picture 5" descr="Celestia-R1---OverlayContentHD.png"/>
+          <p:cNvPicPr>
+            <a:picLocks noChangeAspect="1"/>
+          </p:cNvPicPr>
+          <p:nvPr/>
+        </p:nvPicPr>
+        <p:blipFill>
+          <a:blip r:embed="rId2">
+            <a:extLst>
+              <a:ext uri="{28A0092B-C50C-407E-A947-70E740481C1C}">
+                <a14:useLocalDpi xmlns:a14="http://schemas.microsoft.com/office/drawing/2010/main" val="0"/>
+              </a:ext>
+            </a:extLst>
+          </a:blip>
+          <a:stretch>
+            <a:fillRect/>
+          </a:stretch>
+        </p:blipFill>
+        <p:spPr>
+          <a:xfrm>
+            <a:off x="0" y="0"/>
+            <a:ext cx="12188825" cy="6856214"/>
+          </a:xfrm>
+          <a:prstGeom prst="rect">
+            <a:avLst/>
+          </a:prstGeom>
+        </p:spPr>
+      </p:pic>
+      <p:sp>
+        <p:nvSpPr>
+          <p:cNvPr id="2" name="Title 1"/>
           <p:cNvSpPr>
             <a:spLocks noGrp="1"/>
           </p:cNvSpPr>
@@ -1700,13 +4347,13 @@
               <a:rPr lang="es-ES" smtClean="0"/>
               <a:t>Haga clic para modificar el estilo de título del patrón</a:t>
             </a:r>
-            <a:endParaRPr lang="es-MX"/>
-          </a:p>
-        </p:txBody>
-      </p:sp>
-      <p:sp>
-        <p:nvSpPr>
-          <p:cNvPr id="3" name="Marcador de fecha 2"/>
+            <a:endParaRPr lang="en-US" dirty="0"/>
+          </a:p>
+        </p:txBody>
+      </p:sp>
+      <p:sp>
+        <p:nvSpPr>
+          <p:cNvPr id="3" name="Date Placeholder 2"/>
           <p:cNvSpPr>
             <a:spLocks noGrp="1"/>
           </p:cNvSpPr>
@@ -1721,7 +4368,7 @@
           <a:p>
             <a:fld id="{04D8C433-0719-423B-9F72-55C1BAB5AB00}" type="datetimeFigureOut">
               <a:rPr lang="es-MX" smtClean="0"/>
-              <a:t>13/02/2025</a:t>
+              <a:t>18/02/2025</a:t>
             </a:fld>
             <a:endParaRPr lang="es-MX"/>
           </a:p>
@@ -1729,7 +4376,7 @@
       </p:sp>
       <p:sp>
         <p:nvSpPr>
-          <p:cNvPr id="4" name="Marcador de pie de página 3"/>
+          <p:cNvPr id="4" name="Footer Placeholder 3"/>
           <p:cNvSpPr>
             <a:spLocks noGrp="1"/>
           </p:cNvSpPr>
@@ -1748,7 +4395,7 @@
       </p:sp>
       <p:sp>
         <p:nvSpPr>
-          <p:cNvPr id="5" name="Marcador de número de diapositiva 4"/>
+          <p:cNvPr id="5" name="Slide Number Placeholder 4"/>
           <p:cNvSpPr>
             <a:spLocks noGrp="1"/>
           </p:cNvSpPr>
@@ -1772,7 +4419,7 @@
     </p:spTree>
     <p:extLst>
       <p:ext uri="{BB962C8B-B14F-4D97-AF65-F5344CB8AC3E}">
-        <p14:creationId xmlns:p14="http://schemas.microsoft.com/office/powerpoint/2010/main" val="2344063375"/>
+        <p14:creationId xmlns:p14="http://schemas.microsoft.com/office/powerpoint/2010/main" val="3643914249"/>
       </p:ext>
     </p:extLst>
   </p:cSld>
@@ -1799,9 +4446,39 @@
           <a:chExt cx="0" cy="0"/>
         </a:xfrm>
       </p:grpSpPr>
-      <p:sp>
-        <p:nvSpPr>
-          <p:cNvPr id="2" name="Marcador de fecha 1"/>
+      <p:pic>
+        <p:nvPicPr>
+          <p:cNvPr id="5" name="Picture 4" descr="Celestia-R1---OverlayContentHD.png"/>
+          <p:cNvPicPr>
+            <a:picLocks noChangeAspect="1"/>
+          </p:cNvPicPr>
+          <p:nvPr/>
+        </p:nvPicPr>
+        <p:blipFill>
+          <a:blip r:embed="rId2">
+            <a:extLst>
+              <a:ext uri="{28A0092B-C50C-407E-A947-70E740481C1C}">
+                <a14:useLocalDpi xmlns:a14="http://schemas.microsoft.com/office/drawing/2010/main" val="0"/>
+              </a:ext>
+            </a:extLst>
+          </a:blip>
+          <a:stretch>
+            <a:fillRect/>
+          </a:stretch>
+        </p:blipFill>
+        <p:spPr>
+          <a:xfrm>
+            <a:off x="0" y="0"/>
+            <a:ext cx="12188825" cy="6856214"/>
+          </a:xfrm>
+          <a:prstGeom prst="rect">
+            <a:avLst/>
+          </a:prstGeom>
+        </p:spPr>
+      </p:pic>
+      <p:sp>
+        <p:nvSpPr>
+          <p:cNvPr id="2" name="Date Placeholder 1"/>
           <p:cNvSpPr>
             <a:spLocks noGrp="1"/>
           </p:cNvSpPr>
@@ -1816,7 +4493,7 @@
           <a:p>
             <a:fld id="{04D8C433-0719-423B-9F72-55C1BAB5AB00}" type="datetimeFigureOut">
               <a:rPr lang="es-MX" smtClean="0"/>
-              <a:t>13/02/2025</a:t>
+              <a:t>18/02/2025</a:t>
             </a:fld>
             <a:endParaRPr lang="es-MX"/>
           </a:p>
@@ -1824,7 +4501,7 @@
       </p:sp>
       <p:sp>
         <p:nvSpPr>
-          <p:cNvPr id="3" name="Marcador de pie de página 2"/>
+          <p:cNvPr id="3" name="Footer Placeholder 2"/>
           <p:cNvSpPr>
             <a:spLocks noGrp="1"/>
           </p:cNvSpPr>
@@ -1843,7 +4520,7 @@
       </p:sp>
       <p:sp>
         <p:nvSpPr>
-          <p:cNvPr id="4" name="Marcador de número de diapositiva 3"/>
+          <p:cNvPr id="4" name="Slide Number Placeholder 3"/>
           <p:cNvSpPr>
             <a:spLocks noGrp="1"/>
           </p:cNvSpPr>
@@ -1867,7 +4544,7 @@
     </p:spTree>
     <p:extLst>
       <p:ext uri="{BB962C8B-B14F-4D97-AF65-F5344CB8AC3E}">
-        <p14:creationId xmlns:p14="http://schemas.microsoft.com/office/powerpoint/2010/main" val="2170515053"/>
+        <p14:creationId xmlns:p14="http://schemas.microsoft.com/office/powerpoint/2010/main" val="1773873369"/>
       </p:ext>
     </p:extLst>
   </p:cSld>
@@ -1894,9 +4571,39 @@
           <a:chExt cx="0" cy="0"/>
         </a:xfrm>
       </p:grpSpPr>
-      <p:sp>
-        <p:nvSpPr>
-          <p:cNvPr id="2" name="Título 1"/>
+      <p:pic>
+        <p:nvPicPr>
+          <p:cNvPr id="8" name="Picture 7" descr="Celestia-R1---OverlayContentHD.png"/>
+          <p:cNvPicPr>
+            <a:picLocks noChangeAspect="1"/>
+          </p:cNvPicPr>
+          <p:nvPr/>
+        </p:nvPicPr>
+        <p:blipFill>
+          <a:blip r:embed="rId2">
+            <a:extLst>
+              <a:ext uri="{28A0092B-C50C-407E-A947-70E740481C1C}">
+                <a14:useLocalDpi xmlns:a14="http://schemas.microsoft.com/office/drawing/2010/main" val="0"/>
+              </a:ext>
+            </a:extLst>
+          </a:blip>
+          <a:stretch>
+            <a:fillRect/>
+          </a:stretch>
+        </p:blipFill>
+        <p:spPr>
+          <a:xfrm>
+            <a:off x="0" y="0"/>
+            <a:ext cx="12188825" cy="6856214"/>
+          </a:xfrm>
+          <a:prstGeom prst="rect">
+            <a:avLst/>
+          </a:prstGeom>
+        </p:spPr>
+      </p:pic>
+      <p:sp>
+        <p:nvSpPr>
+          <p:cNvPr id="2" name="Title 1"/>
           <p:cNvSpPr>
             <a:spLocks noGrp="1"/>
           </p:cNvSpPr>
@@ -1906,15 +4613,17 @@
         </p:nvSpPr>
         <p:spPr>
           <a:xfrm>
-            <a:off x="839788" y="457200"/>
-            <a:ext cx="3932237" cy="1600200"/>
-          </a:xfrm>
-        </p:spPr>
-        <p:txBody>
-          <a:bodyPr anchor="b"/>
+            <a:off x="685800" y="2074333"/>
+            <a:ext cx="3680885" cy="1371600"/>
+          </a:xfrm>
+        </p:spPr>
+        <p:txBody>
+          <a:bodyPr anchor="b">
+            <a:normAutofit/>
+          </a:bodyPr>
           <a:lstStyle>
-            <a:lvl1pPr>
-              <a:defRPr sz="3200"/>
+            <a:lvl1pPr algn="l">
+              <a:defRPr sz="2400" b="0"/>
             </a:lvl1pPr>
           </a:lstStyle>
           <a:p>
@@ -1922,13 +4631,13 @@
               <a:rPr lang="es-ES" smtClean="0"/>
               <a:t>Haga clic para modificar el estilo de título del patrón</a:t>
             </a:r>
-            <a:endParaRPr lang="es-MX"/>
-          </a:p>
-        </p:txBody>
-      </p:sp>
-      <p:sp>
-        <p:nvSpPr>
-          <p:cNvPr id="3" name="Marcador de contenido 2"/>
+            <a:endParaRPr lang="en-US" dirty="0"/>
+          </a:p>
+        </p:txBody>
+      </p:sp>
+      <p:sp>
+        <p:nvSpPr>
+          <p:cNvPr id="3" name="Content Placeholder 2"/>
           <p:cNvSpPr>
             <a:spLocks noGrp="1"/>
           </p:cNvSpPr>
@@ -1938,41 +4647,15 @@
         </p:nvSpPr>
         <p:spPr>
           <a:xfrm>
-            <a:off x="5183188" y="987425"/>
-            <a:ext cx="6172200" cy="4873625"/>
-          </a:xfrm>
-        </p:spPr>
-        <p:txBody>
-          <a:bodyPr/>
-          <a:lstStyle>
-            <a:lvl1pPr>
-              <a:defRPr sz="3200"/>
-            </a:lvl1pPr>
-            <a:lvl2pPr>
-              <a:defRPr sz="2800"/>
-            </a:lvl2pPr>
-            <a:lvl3pPr>
-              <a:defRPr sz="2400"/>
-            </a:lvl3pPr>
-            <a:lvl4pPr>
-              <a:defRPr sz="2000"/>
-            </a:lvl4pPr>
-            <a:lvl5pPr>
-              <a:defRPr sz="2000"/>
-            </a:lvl5pPr>
-            <a:lvl6pPr>
-              <a:defRPr sz="2000"/>
-            </a:lvl6pPr>
-            <a:lvl7pPr>
-              <a:defRPr sz="2000"/>
-            </a:lvl7pPr>
-            <a:lvl8pPr>
-              <a:defRPr sz="2000"/>
-            </a:lvl8pPr>
-            <a:lvl9pPr>
-              <a:defRPr sz="2000"/>
-            </a:lvl9pPr>
-          </a:lstStyle>
+            <a:off x="4648201" y="609601"/>
+            <a:ext cx="6169026" cy="5181600"/>
+          </a:xfrm>
+        </p:spPr>
+        <p:txBody>
+          <a:bodyPr anchor="ctr">
+            <a:normAutofit/>
+          </a:bodyPr>
+          <a:lstStyle/>
           <a:p>
             <a:pPr lvl="0"/>
             <a:r>
@@ -2007,13 +4690,13 @@
               <a:rPr lang="es-ES" smtClean="0"/>
               <a:t>Quinto nivel</a:t>
             </a:r>
-            <a:endParaRPr lang="es-MX"/>
-          </a:p>
-        </p:txBody>
-      </p:sp>
-      <p:sp>
-        <p:nvSpPr>
-          <p:cNvPr id="4" name="Marcador de texto 3"/>
+            <a:endParaRPr lang="en-US" dirty="0"/>
+          </a:p>
+        </p:txBody>
+      </p:sp>
+      <p:sp>
+        <p:nvSpPr>
+          <p:cNvPr id="4" name="Text Placeholder 3"/>
           <p:cNvSpPr>
             <a:spLocks noGrp="1"/>
           </p:cNvSpPr>
@@ -2023,12 +4706,14 @@
         </p:nvSpPr>
         <p:spPr>
           <a:xfrm>
-            <a:off x="839788" y="2057400"/>
-            <a:ext cx="3932237" cy="3811588"/>
-          </a:xfrm>
-        </p:spPr>
-        <p:txBody>
-          <a:bodyPr/>
+            <a:off x="685800" y="3445933"/>
+            <a:ext cx="3680885" cy="1828800"/>
+          </a:xfrm>
+        </p:spPr>
+        <p:txBody>
+          <a:bodyPr anchor="t">
+            <a:normAutofit/>
+          </a:bodyPr>
           <a:lstStyle>
             <a:lvl1pPr marL="0" indent="0">
               <a:buNone/>
@@ -2036,35 +4721,35 @@
             </a:lvl1pPr>
             <a:lvl2pPr marL="457200" indent="0">
               <a:buNone/>
-              <a:defRPr sz="1400"/>
+              <a:defRPr sz="1200"/>
             </a:lvl2pPr>
             <a:lvl3pPr marL="914400" indent="0">
               <a:buNone/>
-              <a:defRPr sz="1200"/>
+              <a:defRPr sz="1000"/>
             </a:lvl3pPr>
             <a:lvl4pPr marL="1371600" indent="0">
               <a:buNone/>
-              <a:defRPr sz="1000"/>
+              <a:defRPr sz="900"/>
             </a:lvl4pPr>
             <a:lvl5pPr marL="1828800" indent="0">
               <a:buNone/>
-              <a:defRPr sz="1000"/>
+              <a:defRPr sz="900"/>
             </a:lvl5pPr>
             <a:lvl6pPr marL="2286000" indent="0">
               <a:buNone/>
-              <a:defRPr sz="1000"/>
+              <a:defRPr sz="900"/>
             </a:lvl6pPr>
             <a:lvl7pPr marL="2743200" indent="0">
               <a:buNone/>
-              <a:defRPr sz="1000"/>
+              <a:defRPr sz="900"/>
             </a:lvl7pPr>
             <a:lvl8pPr marL="3200400" indent="0">
               <a:buNone/>
-              <a:defRPr sz="1000"/>
+              <a:defRPr sz="900"/>
             </a:lvl8pPr>
             <a:lvl9pPr marL="3657600" indent="0">
               <a:buNone/>
-              <a:defRPr sz="1000"/>
+              <a:defRPr sz="900"/>
             </a:lvl9pPr>
           </a:lstStyle>
           <a:p>
@@ -2078,7 +4763,7 @@
       </p:sp>
       <p:sp>
         <p:nvSpPr>
-          <p:cNvPr id="5" name="Marcador de fecha 4"/>
+          <p:cNvPr id="5" name="Date Placeholder 4"/>
           <p:cNvSpPr>
             <a:spLocks noGrp="1"/>
           </p:cNvSpPr>
@@ -2093,7 +4778,7 @@
           <a:p>
             <a:fld id="{04D8C433-0719-423B-9F72-55C1BAB5AB00}" type="datetimeFigureOut">
               <a:rPr lang="es-MX" smtClean="0"/>
-              <a:t>13/02/2025</a:t>
+              <a:t>18/02/2025</a:t>
             </a:fld>
             <a:endParaRPr lang="es-MX"/>
           </a:p>
@@ -2101,7 +4786,7 @@
       </p:sp>
       <p:sp>
         <p:nvSpPr>
-          <p:cNvPr id="6" name="Marcador de pie de página 5"/>
+          <p:cNvPr id="6" name="Footer Placeholder 5"/>
           <p:cNvSpPr>
             <a:spLocks noGrp="1"/>
           </p:cNvSpPr>
@@ -2120,7 +4805,7 @@
       </p:sp>
       <p:sp>
         <p:nvSpPr>
-          <p:cNvPr id="7" name="Marcador de número de diapositiva 6"/>
+          <p:cNvPr id="7" name="Slide Number Placeholder 6"/>
           <p:cNvSpPr>
             <a:spLocks noGrp="1"/>
           </p:cNvSpPr>
@@ -2144,7 +4829,7 @@
     </p:spTree>
     <p:extLst>
       <p:ext uri="{BB962C8B-B14F-4D97-AF65-F5344CB8AC3E}">
-        <p14:creationId xmlns:p14="http://schemas.microsoft.com/office/powerpoint/2010/main" val="698013491"/>
+        <p14:creationId xmlns:p14="http://schemas.microsoft.com/office/powerpoint/2010/main" val="3641805995"/>
       </p:ext>
     </p:extLst>
   </p:cSld>
@@ -2171,9 +4856,39 @@
           <a:chExt cx="0" cy="0"/>
         </a:xfrm>
       </p:grpSpPr>
-      <p:sp>
-        <p:nvSpPr>
-          <p:cNvPr id="2" name="Título 1"/>
+      <p:pic>
+        <p:nvPicPr>
+          <p:cNvPr id="8" name="Picture 7" descr="Celestia-R1---OverlayContentHD.png"/>
+          <p:cNvPicPr>
+            <a:picLocks noChangeAspect="1"/>
+          </p:cNvPicPr>
+          <p:nvPr/>
+        </p:nvPicPr>
+        <p:blipFill>
+          <a:blip r:embed="rId2">
+            <a:extLst>
+              <a:ext uri="{28A0092B-C50C-407E-A947-70E740481C1C}">
+                <a14:useLocalDpi xmlns:a14="http://schemas.microsoft.com/office/drawing/2010/main" val="0"/>
+              </a:ext>
+            </a:extLst>
+          </a:blip>
+          <a:stretch>
+            <a:fillRect/>
+          </a:stretch>
+        </p:blipFill>
+        <p:spPr>
+          <a:xfrm>
+            <a:off x="0" y="0"/>
+            <a:ext cx="12188825" cy="6856214"/>
+          </a:xfrm>
+          <a:prstGeom prst="rect">
+            <a:avLst/>
+          </a:prstGeom>
+        </p:spPr>
+      </p:pic>
+      <p:sp>
+        <p:nvSpPr>
+          <p:cNvPr id="2" name="Title 1"/>
           <p:cNvSpPr>
             <a:spLocks noGrp="1"/>
           </p:cNvSpPr>
@@ -2183,15 +4898,17 @@
         </p:nvSpPr>
         <p:spPr>
           <a:xfrm>
-            <a:off x="839788" y="457200"/>
-            <a:ext cx="3932237" cy="1600200"/>
-          </a:xfrm>
-        </p:spPr>
-        <p:txBody>
-          <a:bodyPr anchor="b"/>
+            <a:off x="685800" y="1600200"/>
+            <a:ext cx="6164653" cy="1371600"/>
+          </a:xfrm>
+        </p:spPr>
+        <p:txBody>
+          <a:bodyPr anchor="b">
+            <a:normAutofit/>
+          </a:bodyPr>
           <a:lstStyle>
-            <a:lvl1pPr>
-              <a:defRPr sz="3200"/>
+            <a:lvl1pPr algn="l">
+              <a:defRPr sz="2800" b="0"/>
             </a:lvl1pPr>
           </a:lstStyle>
           <a:p>
@@ -2199,15 +4916,15 @@
               <a:rPr lang="es-ES" smtClean="0"/>
               <a:t>Haga clic para modificar el estilo de título del patrón</a:t>
             </a:r>
-            <a:endParaRPr lang="es-MX"/>
-          </a:p>
-        </p:txBody>
-      </p:sp>
-      <p:sp>
-        <p:nvSpPr>
-          <p:cNvPr id="3" name="Marcador de posición de imagen 2"/>
-          <p:cNvSpPr>
-            <a:spLocks noGrp="1"/>
+            <a:endParaRPr lang="en-US" dirty="0"/>
+          </a:p>
+        </p:txBody>
+      </p:sp>
+      <p:sp>
+        <p:nvSpPr>
+          <p:cNvPr id="14" name="Picture Placeholder 2"/>
+          <p:cNvSpPr>
+            <a:spLocks noGrp="1" noChangeAspect="1"/>
           </p:cNvSpPr>
           <p:nvPr>
             <p:ph type="pic" idx="1"/>
@@ -2215,112 +4932,151 @@
         </p:nvSpPr>
         <p:spPr>
           <a:xfrm>
-            <a:off x="5183188" y="987425"/>
-            <a:ext cx="6172200" cy="4873625"/>
-          </a:xfrm>
-        </p:spPr>
-        <p:txBody>
-          <a:bodyPr/>
+            <a:off x="7536253" y="914400"/>
+            <a:ext cx="3280974" cy="4572000"/>
+          </a:xfrm>
+          <a:prstGeom prst="roundRect">
+            <a:avLst>
+              <a:gd name="adj" fmla="val 4280"/>
+            </a:avLst>
+          </a:prstGeom>
+          <a:ln w="50800" cap="sq" cmpd="dbl">
+            <a:gradFill flip="none" rotWithShape="1">
+              <a:gsLst>
+                <a:gs pos="0">
+                  <a:srgbClr val="FFFFFF"/>
+                </a:gs>
+                <a:gs pos="100000">
+                  <a:schemeClr val="tx1">
+                    <a:alpha val="0"/>
+                  </a:schemeClr>
+                </a:gs>
+              </a:gsLst>
+              <a:path path="circle">
+                <a:fillToRect l="50000" t="50000" r="50000" b="50000"/>
+              </a:path>
+              <a:tileRect/>
+            </a:gradFill>
+            <a:miter lim="800000"/>
+          </a:ln>
+          <a:effectLst>
+            <a:outerShdw blurRad="254000" algn="tl" rotWithShape="0">
+              <a:srgbClr val="000000">
+                <a:alpha val="43000"/>
+              </a:srgbClr>
+            </a:outerShdw>
+          </a:effectLst>
+        </p:spPr>
+        <p:txBody>
+          <a:bodyPr anchor="t">
+            <a:normAutofit/>
+          </a:bodyPr>
           <a:lstStyle>
-            <a:lvl1pPr marL="0" indent="0">
-              <a:buNone/>
-              <a:defRPr sz="3200"/>
-            </a:lvl1pPr>
-            <a:lvl2pPr marL="457200" indent="0">
-              <a:buNone/>
-              <a:defRPr sz="2800"/>
-            </a:lvl2pPr>
-            <a:lvl3pPr marL="914400" indent="0">
-              <a:buNone/>
-              <a:defRPr sz="2400"/>
-            </a:lvl3pPr>
-            <a:lvl4pPr marL="1371600" indent="0">
-              <a:buNone/>
-              <a:defRPr sz="2000"/>
-            </a:lvl4pPr>
-            <a:lvl5pPr marL="1828800" indent="0">
-              <a:buNone/>
-              <a:defRPr sz="2000"/>
-            </a:lvl5pPr>
-            <a:lvl6pPr marL="2286000" indent="0">
-              <a:buNone/>
-              <a:defRPr sz="2000"/>
-            </a:lvl6pPr>
-            <a:lvl7pPr marL="2743200" indent="0">
-              <a:buNone/>
-              <a:defRPr sz="2000"/>
-            </a:lvl7pPr>
-            <a:lvl8pPr marL="3200400" indent="0">
-              <a:buNone/>
-              <a:defRPr sz="2000"/>
-            </a:lvl8pPr>
-            <a:lvl9pPr marL="3657600" indent="0">
-              <a:buNone/>
-              <a:defRPr sz="2000"/>
-            </a:lvl9pPr>
-          </a:lstStyle>
-          <a:p>
-            <a:endParaRPr lang="es-MX"/>
-          </a:p>
-        </p:txBody>
-      </p:sp>
-      <p:sp>
-        <p:nvSpPr>
-          <p:cNvPr id="4" name="Marcador de texto 3"/>
-          <p:cNvSpPr>
-            <a:spLocks noGrp="1"/>
-          </p:cNvSpPr>
-          <p:nvPr>
-            <p:ph type="body" sz="half" idx="2"/>
-          </p:nvPr>
-        </p:nvSpPr>
-        <p:spPr>
-          <a:xfrm>
-            <a:off x="839788" y="2057400"/>
-            <a:ext cx="3932237" cy="3811588"/>
-          </a:xfrm>
-        </p:spPr>
-        <p:txBody>
-          <a:bodyPr/>
-          <a:lstStyle>
-            <a:lvl1pPr marL="0" indent="0">
+            <a:lvl1pPr marL="0" indent="0" algn="ctr">
               <a:buNone/>
               <a:defRPr sz="1600"/>
             </a:lvl1pPr>
             <a:lvl2pPr marL="457200" indent="0">
               <a:buNone/>
-              <a:defRPr sz="1400"/>
+              <a:defRPr sz="1600"/>
             </a:lvl2pPr>
             <a:lvl3pPr marL="914400" indent="0">
               <a:buNone/>
-              <a:defRPr sz="1200"/>
+              <a:defRPr sz="1600"/>
             </a:lvl3pPr>
             <a:lvl4pPr marL="1371600" indent="0">
               <a:buNone/>
-              <a:defRPr sz="1000"/>
+              <a:defRPr sz="1600"/>
             </a:lvl4pPr>
             <a:lvl5pPr marL="1828800" indent="0">
               <a:buNone/>
-              <a:defRPr sz="1000"/>
+              <a:defRPr sz="1600"/>
             </a:lvl5pPr>
             <a:lvl6pPr marL="2286000" indent="0">
               <a:buNone/>
-              <a:defRPr sz="1000"/>
+              <a:defRPr sz="1600"/>
             </a:lvl6pPr>
             <a:lvl7pPr marL="2743200" indent="0">
               <a:buNone/>
-              <a:defRPr sz="1000"/>
+              <a:defRPr sz="1600"/>
             </a:lvl7pPr>
             <a:lvl8pPr marL="3200400" indent="0">
               <a:buNone/>
-              <a:defRPr sz="1000"/>
+              <a:defRPr sz="1600"/>
             </a:lvl8pPr>
             <a:lvl9pPr marL="3657600" indent="0">
               <a:buNone/>
-              <a:defRPr sz="1000"/>
+              <a:defRPr sz="1600"/>
             </a:lvl9pPr>
           </a:lstStyle>
           <a:p>
+            <a:r>
+              <a:rPr lang="es-ES" smtClean="0"/>
+              <a:t>Haga clic en el icono para agregar una imagen</a:t>
+            </a:r>
+            <a:endParaRPr lang="en-US" dirty="0"/>
+          </a:p>
+        </p:txBody>
+      </p:sp>
+      <p:sp>
+        <p:nvSpPr>
+          <p:cNvPr id="4" name="Text Placeholder 3"/>
+          <p:cNvSpPr>
+            <a:spLocks noGrp="1"/>
+          </p:cNvSpPr>
+          <p:nvPr>
+            <p:ph type="body" sz="half" idx="2"/>
+          </p:nvPr>
+        </p:nvSpPr>
+        <p:spPr>
+          <a:xfrm>
+            <a:off x="685800" y="2971800"/>
+            <a:ext cx="6164653" cy="1828800"/>
+          </a:xfrm>
+        </p:spPr>
+        <p:txBody>
+          <a:bodyPr anchor="t">
+            <a:normAutofit/>
+          </a:bodyPr>
+          <a:lstStyle>
+            <a:lvl1pPr marL="0" indent="0">
+              <a:buNone/>
+              <a:defRPr sz="1800"/>
+            </a:lvl1pPr>
+            <a:lvl2pPr marL="457200" indent="0">
+              <a:buNone/>
+              <a:defRPr sz="1200"/>
+            </a:lvl2pPr>
+            <a:lvl3pPr marL="914400" indent="0">
+              <a:buNone/>
+              <a:defRPr sz="1000"/>
+            </a:lvl3pPr>
+            <a:lvl4pPr marL="1371600" indent="0">
+              <a:buNone/>
+              <a:defRPr sz="900"/>
+            </a:lvl4pPr>
+            <a:lvl5pPr marL="1828800" indent="0">
+              <a:buNone/>
+              <a:defRPr sz="900"/>
+            </a:lvl5pPr>
+            <a:lvl6pPr marL="2286000" indent="0">
+              <a:buNone/>
+              <a:defRPr sz="900"/>
+            </a:lvl6pPr>
+            <a:lvl7pPr marL="2743200" indent="0">
+              <a:buNone/>
+              <a:defRPr sz="900"/>
+            </a:lvl7pPr>
+            <a:lvl8pPr marL="3200400" indent="0">
+              <a:buNone/>
+              <a:defRPr sz="900"/>
+            </a:lvl8pPr>
+            <a:lvl9pPr marL="3657600" indent="0">
+              <a:buNone/>
+              <a:defRPr sz="900"/>
+            </a:lvl9pPr>
+          </a:lstStyle>
+          <a:p>
             <a:pPr lvl="0"/>
             <a:r>
               <a:rPr lang="es-ES" smtClean="0"/>
@@ -2331,7 +5087,7 @@
       </p:sp>
       <p:sp>
         <p:nvSpPr>
-          <p:cNvPr id="5" name="Marcador de fecha 4"/>
+          <p:cNvPr id="5" name="Date Placeholder 4"/>
           <p:cNvSpPr>
             <a:spLocks noGrp="1"/>
           </p:cNvSpPr>
@@ -2346,7 +5102,7 @@
           <a:p>
             <a:fld id="{04D8C433-0719-423B-9F72-55C1BAB5AB00}" type="datetimeFigureOut">
               <a:rPr lang="es-MX" smtClean="0"/>
-              <a:t>13/02/2025</a:t>
+              <a:t>18/02/2025</a:t>
             </a:fld>
             <a:endParaRPr lang="es-MX"/>
           </a:p>
@@ -2354,7 +5110,7 @@
       </p:sp>
       <p:sp>
         <p:nvSpPr>
-          <p:cNvPr id="6" name="Marcador de pie de página 5"/>
+          <p:cNvPr id="6" name="Footer Placeholder 5"/>
           <p:cNvSpPr>
             <a:spLocks noGrp="1"/>
           </p:cNvSpPr>
@@ -2373,7 +5129,7 @@
       </p:sp>
       <p:sp>
         <p:nvSpPr>
-          <p:cNvPr id="7" name="Marcador de número de diapositiva 6"/>
+          <p:cNvPr id="7" name="Slide Number Placeholder 6"/>
           <p:cNvSpPr>
             <a:spLocks noGrp="1"/>
           </p:cNvSpPr>
@@ -2397,7 +5153,7 @@
     </p:spTree>
     <p:extLst>
       <p:ext uri="{BB962C8B-B14F-4D97-AF65-F5344CB8AC3E}">
-        <p14:creationId xmlns:p14="http://schemas.microsoft.com/office/powerpoint/2010/main" val="2984418029"/>
+        <p14:creationId xmlns:p14="http://schemas.microsoft.com/office/powerpoint/2010/main" val="3270835247"/>
       </p:ext>
     </p:extLst>
   </p:cSld>
@@ -2411,8 +5167,8 @@
 <p:sldMaster xmlns:a="http://schemas.openxmlformats.org/drawingml/2006/main" xmlns:r="http://schemas.openxmlformats.org/officeDocument/2006/relationships" xmlns:p="http://schemas.openxmlformats.org/presentationml/2006/main">
   <p:cSld>
     <p:bg>
-      <p:bgRef idx="1001">
-        <a:schemeClr val="bg1"/>
+      <p:bgRef idx="1003">
+        <a:schemeClr val="bg2"/>
       </p:bgRef>
     </p:bg>
     <p:spTree>
@@ -2431,7 +5187,7 @@
       </p:grpSpPr>
       <p:sp>
         <p:nvSpPr>
-          <p:cNvPr id="2" name="Marcador de título 1"/>
+          <p:cNvPr id="2" name="Title Placeholder 1"/>
           <p:cNvSpPr>
             <a:spLocks noGrp="1"/>
           </p:cNvSpPr>
@@ -2441,12 +5197,13 @@
         </p:nvSpPr>
         <p:spPr>
           <a:xfrm>
-            <a:off x="838200" y="365125"/>
-            <a:ext cx="10515600" cy="1325563"/>
+            <a:off x="685801" y="609600"/>
+            <a:ext cx="10131425" cy="1456267"/>
           </a:xfrm>
           <a:prstGeom prst="rect">
             <a:avLst/>
           </a:prstGeom>
+          <a:effectLst/>
         </p:spPr>
         <p:txBody>
           <a:bodyPr vert="horz" lIns="91440" tIns="45720" rIns="91440" bIns="45720" rtlCol="0" anchor="ctr">
@@ -2458,13 +5215,13 @@
               <a:rPr lang="es-ES" smtClean="0"/>
               <a:t>Haga clic para modificar el estilo de título del patrón</a:t>
             </a:r>
-            <a:endParaRPr lang="es-MX"/>
-          </a:p>
-        </p:txBody>
-      </p:sp>
-      <p:sp>
-        <p:nvSpPr>
-          <p:cNvPr id="3" name="Marcador de texto 2"/>
+            <a:endParaRPr lang="en-US" dirty="0"/>
+          </a:p>
+        </p:txBody>
+      </p:sp>
+      <p:sp>
+        <p:nvSpPr>
+          <p:cNvPr id="3" name="Text Placeholder 2"/>
           <p:cNvSpPr>
             <a:spLocks noGrp="1"/>
           </p:cNvSpPr>
@@ -2474,15 +5231,15 @@
         </p:nvSpPr>
         <p:spPr>
           <a:xfrm>
-            <a:off x="838200" y="1825625"/>
-            <a:ext cx="10515600" cy="4351338"/>
+            <a:off x="685801" y="2142067"/>
+            <a:ext cx="10131425" cy="3649133"/>
           </a:xfrm>
           <a:prstGeom prst="rect">
             <a:avLst/>
           </a:prstGeom>
         </p:spPr>
         <p:txBody>
-          <a:bodyPr vert="horz" lIns="91440" tIns="45720" rIns="91440" bIns="45720" rtlCol="0">
+          <a:bodyPr vert="horz" lIns="91440" tIns="45720" rIns="91440" bIns="45720" rtlCol="0" anchor="ctr">
             <a:normAutofit/>
           </a:bodyPr>
           <a:lstStyle/>
@@ -2520,13 +5277,13 @@
               <a:rPr lang="es-ES" smtClean="0"/>
               <a:t>Quinto nivel</a:t>
             </a:r>
-            <a:endParaRPr lang="es-MX"/>
-          </a:p>
-        </p:txBody>
-      </p:sp>
-      <p:sp>
-        <p:nvSpPr>
-          <p:cNvPr id="4" name="Marcador de fecha 3"/>
+            <a:endParaRPr lang="en-US" dirty="0"/>
+          </a:p>
+        </p:txBody>
+      </p:sp>
+      <p:sp>
+        <p:nvSpPr>
+          <p:cNvPr id="4" name="Date Placeholder 3"/>
           <p:cNvSpPr>
             <a:spLocks noGrp="1"/>
           </p:cNvSpPr>
@@ -2536,8 +5293,8 @@
         </p:nvSpPr>
         <p:spPr>
           <a:xfrm>
-            <a:off x="838200" y="6356350"/>
-            <a:ext cx="2743200" cy="365125"/>
+            <a:off x="8589660" y="5870575"/>
+            <a:ext cx="1600200" cy="377825"/>
           </a:xfrm>
           <a:prstGeom prst="rect">
             <a:avLst/>
@@ -2546,20 +5303,20 @@
         <p:txBody>
           <a:bodyPr vert="horz" lIns="91440" tIns="45720" rIns="91440" bIns="45720" rtlCol="0" anchor="ctr"/>
           <a:lstStyle>
-            <a:lvl1pPr algn="l">
-              <a:defRPr sz="1200">
-                <a:solidFill>
-                  <a:schemeClr val="tx1">
-                    <a:tint val="75000"/>
-                  </a:schemeClr>
-                </a:solidFill>
+            <a:lvl1pPr algn="r">
+              <a:defRPr sz="1000" b="0" i="0">
+                <a:solidFill>
+                  <a:schemeClr val="tx1"/>
+                </a:solidFill>
+                <a:effectLst/>
+                <a:latin typeface="+mn-lt"/>
               </a:defRPr>
             </a:lvl1pPr>
           </a:lstStyle>
           <a:p>
             <a:fld id="{04D8C433-0719-423B-9F72-55C1BAB5AB00}" type="datetimeFigureOut">
               <a:rPr lang="es-MX" smtClean="0"/>
-              <a:t>13/02/2025</a:t>
+              <a:t>18/02/2025</a:t>
             </a:fld>
             <a:endParaRPr lang="es-MX"/>
           </a:p>
@@ -2567,7 +5324,7 @@
       </p:sp>
       <p:sp>
         <p:nvSpPr>
-          <p:cNvPr id="5" name="Marcador de pie de página 4"/>
+          <p:cNvPr id="5" name="Footer Placeholder 4"/>
           <p:cNvSpPr>
             <a:spLocks noGrp="1"/>
           </p:cNvSpPr>
@@ -2577,8 +5334,8 @@
         </p:nvSpPr>
         <p:spPr>
           <a:xfrm>
-            <a:off x="4038600" y="6356350"/>
-            <a:ext cx="4114800" cy="365125"/>
+            <a:off x="685800" y="5870575"/>
+            <a:ext cx="7827659" cy="377825"/>
           </a:xfrm>
           <a:prstGeom prst="rect">
             <a:avLst/>
@@ -2587,13 +5344,13 @@
         <p:txBody>
           <a:bodyPr vert="horz" lIns="91440" tIns="45720" rIns="91440" bIns="45720" rtlCol="0" anchor="ctr"/>
           <a:lstStyle>
-            <a:lvl1pPr algn="ctr">
-              <a:defRPr sz="1200">
-                <a:solidFill>
-                  <a:schemeClr val="tx1">
-                    <a:tint val="75000"/>
-                  </a:schemeClr>
-                </a:solidFill>
+            <a:lvl1pPr algn="l">
+              <a:defRPr sz="1000" b="0" i="0">
+                <a:solidFill>
+                  <a:schemeClr val="tx1"/>
+                </a:solidFill>
+                <a:effectLst/>
+                <a:latin typeface="+mn-lt"/>
               </a:defRPr>
             </a:lvl1pPr>
           </a:lstStyle>
@@ -2604,7 +5361,7 @@
       </p:sp>
       <p:sp>
         <p:nvSpPr>
-          <p:cNvPr id="6" name="Marcador de número de diapositiva 5"/>
+          <p:cNvPr id="6" name="Slide Number Placeholder 5"/>
           <p:cNvSpPr>
             <a:spLocks noGrp="1"/>
           </p:cNvSpPr>
@@ -2614,8 +5371,8 @@
         </p:nvSpPr>
         <p:spPr>
           <a:xfrm>
-            <a:off x="8610600" y="6356350"/>
-            <a:ext cx="2743200" cy="365125"/>
+            <a:off x="10266060" y="5870575"/>
+            <a:ext cx="551167" cy="377825"/>
           </a:xfrm>
           <a:prstGeom prst="rect">
             <a:avLst/>
@@ -2625,12 +5382,12 @@
           <a:bodyPr vert="horz" lIns="91440" tIns="45720" rIns="91440" bIns="45720" rtlCol="0" anchor="ctr"/>
           <a:lstStyle>
             <a:lvl1pPr algn="r">
-              <a:defRPr sz="1200">
-                <a:solidFill>
-                  <a:schemeClr val="tx1">
-                    <a:tint val="75000"/>
-                  </a:schemeClr>
-                </a:solidFill>
+              <a:defRPr sz="1000" b="0" i="0">
+                <a:solidFill>
+                  <a:schemeClr val="tx1"/>
+                </a:solidFill>
+                <a:effectLst/>
+                <a:latin typeface="+mn-lt"/>
               </a:defRPr>
             </a:lvl1pPr>
           </a:lstStyle>
@@ -2646,55 +5403,322 @@
     </p:spTree>
     <p:extLst>
       <p:ext uri="{BB962C8B-B14F-4D97-AF65-F5344CB8AC3E}">
-        <p14:creationId xmlns:p14="http://schemas.microsoft.com/office/powerpoint/2010/main" val="3169245301"/>
+        <p14:creationId xmlns:p14="http://schemas.microsoft.com/office/powerpoint/2010/main" val="3982840584"/>
       </p:ext>
     </p:extLst>
   </p:cSld>
-  <p:clrMap bg1="lt1" tx1="dk1" bg2="lt2" tx2="dk2" accent1="accent1" accent2="accent2" accent3="accent3" accent4="accent4" accent5="accent5" accent6="accent6" hlink="hlink" folHlink="folHlink"/>
+  <p:clrMap bg1="dk1" tx1="lt1" bg2="dk2" tx2="lt2" accent1="accent1" accent2="accent2" accent3="accent3" accent4="accent4" accent5="accent5" accent6="accent6" hlink="hlink" folHlink="folHlink"/>
   <p:sldLayoutIdLst>
-    <p:sldLayoutId id="2147483649" r:id="rId1"/>
-    <p:sldLayoutId id="2147483650" r:id="rId2"/>
-    <p:sldLayoutId id="2147483651" r:id="rId3"/>
-    <p:sldLayoutId id="2147483652" r:id="rId4"/>
-    <p:sldLayoutId id="2147483653" r:id="rId5"/>
-    <p:sldLayoutId id="2147483654" r:id="rId6"/>
-    <p:sldLayoutId id="2147483655" r:id="rId7"/>
-    <p:sldLayoutId id="2147483656" r:id="rId8"/>
-    <p:sldLayoutId id="2147483657" r:id="rId9"/>
-    <p:sldLayoutId id="2147483658" r:id="rId10"/>
-    <p:sldLayoutId id="2147483659" r:id="rId11"/>
+    <p:sldLayoutId id="2147483661" r:id="rId1"/>
+    <p:sldLayoutId id="2147483662" r:id="rId2"/>
+    <p:sldLayoutId id="2147483663" r:id="rId3"/>
+    <p:sldLayoutId id="2147483664" r:id="rId4"/>
+    <p:sldLayoutId id="2147483665" r:id="rId5"/>
+    <p:sldLayoutId id="2147483666" r:id="rId6"/>
+    <p:sldLayoutId id="2147483667" r:id="rId7"/>
+    <p:sldLayoutId id="2147483668" r:id="rId8"/>
+    <p:sldLayoutId id="2147483669" r:id="rId9"/>
+    <p:sldLayoutId id="2147483670" r:id="rId10"/>
+    <p:sldLayoutId id="2147483671" r:id="rId11"/>
+    <p:sldLayoutId id="2147483672" r:id="rId12"/>
+    <p:sldLayoutId id="2147483673" r:id="rId13"/>
+    <p:sldLayoutId id="2147483674" r:id="rId14"/>
+    <p:sldLayoutId id="2147483675" r:id="rId15"/>
+    <p:sldLayoutId id="2147483676" r:id="rId16"/>
+    <p:sldLayoutId id="2147483677" r:id="rId17"/>
   </p:sldLayoutIdLst>
   <p:txStyles>
     <p:titleStyle>
-      <a:lvl1pPr algn="l" defTabSz="914400" rtl="0" eaLnBrk="1" latinLnBrk="0" hangingPunct="1">
-        <a:lnSpc>
-          <a:spcPct val="90000"/>
-        </a:lnSpc>
+      <a:lvl1pPr algn="l" defTabSz="457200" rtl="0" eaLnBrk="1" latinLnBrk="0" hangingPunct="1">
         <a:spcBef>
           <a:spcPct val="0"/>
         </a:spcBef>
         <a:buNone/>
-        <a:defRPr sz="4400" kern="1200">
+        <a:defRPr sz="3600" kern="1200" cap="all">
+          <a:ln w="3175" cmpd="sng">
+            <a:noFill/>
+          </a:ln>
           <a:solidFill>
             <a:schemeClr val="tx1"/>
           </a:solidFill>
+          <a:effectLst/>
           <a:latin typeface="+mj-lt"/>
           <a:ea typeface="+mj-ea"/>
           <a:cs typeface="+mj-cs"/>
         </a:defRPr>
       </a:lvl1pPr>
+      <a:lvl2pPr eaLnBrk="1" hangingPunct="1">
+        <a:defRPr>
+          <a:solidFill>
+            <a:schemeClr val="tx2"/>
+          </a:solidFill>
+        </a:defRPr>
+      </a:lvl2pPr>
+      <a:lvl3pPr eaLnBrk="1" hangingPunct="1">
+        <a:defRPr>
+          <a:solidFill>
+            <a:schemeClr val="tx2"/>
+          </a:solidFill>
+        </a:defRPr>
+      </a:lvl3pPr>
+      <a:lvl4pPr eaLnBrk="1" hangingPunct="1">
+        <a:defRPr>
+          <a:solidFill>
+            <a:schemeClr val="tx2"/>
+          </a:solidFill>
+        </a:defRPr>
+      </a:lvl4pPr>
+      <a:lvl5pPr eaLnBrk="1" hangingPunct="1">
+        <a:defRPr>
+          <a:solidFill>
+            <a:schemeClr val="tx2"/>
+          </a:solidFill>
+        </a:defRPr>
+      </a:lvl5pPr>
+      <a:lvl6pPr eaLnBrk="1" hangingPunct="1">
+        <a:defRPr>
+          <a:solidFill>
+            <a:schemeClr val="tx2"/>
+          </a:solidFill>
+        </a:defRPr>
+      </a:lvl6pPr>
+      <a:lvl7pPr eaLnBrk="1" hangingPunct="1">
+        <a:defRPr>
+          <a:solidFill>
+            <a:schemeClr val="tx2"/>
+          </a:solidFill>
+        </a:defRPr>
+      </a:lvl7pPr>
+      <a:lvl8pPr eaLnBrk="1" hangingPunct="1">
+        <a:defRPr>
+          <a:solidFill>
+            <a:schemeClr val="tx2"/>
+          </a:solidFill>
+        </a:defRPr>
+      </a:lvl8pPr>
+      <a:lvl9pPr eaLnBrk="1" hangingPunct="1">
+        <a:defRPr>
+          <a:solidFill>
+            <a:schemeClr val="tx2"/>
+          </a:solidFill>
+        </a:defRPr>
+      </a:lvl9pPr>
     </p:titleStyle>
     <p:bodyStyle>
-      <a:lvl1pPr marL="228600" indent="-228600" algn="l" defTabSz="914400" rtl="0" eaLnBrk="1" latinLnBrk="0" hangingPunct="1">
-        <a:lnSpc>
-          <a:spcPct val="90000"/>
-        </a:lnSpc>
+      <a:lvl1pPr marL="285750" indent="-285750" algn="l" defTabSz="457200" rtl="0" eaLnBrk="1" latinLnBrk="0" hangingPunct="1">
         <a:spcBef>
+          <a:spcPts val="0"/>
+        </a:spcBef>
+        <a:spcAft>
           <a:spcPts val="1000"/>
+        </a:spcAft>
+        <a:buClr>
+          <a:schemeClr val="tx1"/>
+        </a:buClr>
+        <a:buSzPct val="100000"/>
+        <a:buFont typeface="Arial"/>
+        <a:buChar char="•"/>
+        <a:defRPr sz="1800" kern="1200" cap="none">
+          <a:solidFill>
+            <a:schemeClr val="tx1"/>
+          </a:solidFill>
+          <a:effectLst/>
+          <a:latin typeface="+mn-lt"/>
+          <a:ea typeface="+mn-ea"/>
+          <a:cs typeface="+mn-cs"/>
+        </a:defRPr>
+      </a:lvl1pPr>
+      <a:lvl2pPr marL="742950" indent="-285750" algn="l" defTabSz="457200" rtl="0" eaLnBrk="1" latinLnBrk="0" hangingPunct="1">
+        <a:spcBef>
+          <a:spcPts val="0"/>
         </a:spcBef>
-        <a:buFont typeface="Arial" panose="020B0604020202020204" pitchFamily="34" charset="0"/>
+        <a:spcAft>
+          <a:spcPts val="1000"/>
+        </a:spcAft>
+        <a:buClr>
+          <a:schemeClr val="tx1"/>
+        </a:buClr>
+        <a:buSzPct val="100000"/>
+        <a:buFont typeface="Arial"/>
         <a:buChar char="•"/>
-        <a:defRPr sz="2800" kern="1200">
+        <a:defRPr sz="1600" kern="1200" cap="none">
+          <a:solidFill>
+            <a:schemeClr val="tx1"/>
+          </a:solidFill>
+          <a:effectLst/>
+          <a:latin typeface="+mn-lt"/>
+          <a:ea typeface="+mn-ea"/>
+          <a:cs typeface="+mn-cs"/>
+        </a:defRPr>
+      </a:lvl2pPr>
+      <a:lvl3pPr marL="1200150" indent="-285750" algn="l" defTabSz="457200" rtl="0" eaLnBrk="1" latinLnBrk="0" hangingPunct="1">
+        <a:spcBef>
+          <a:spcPts val="0"/>
+        </a:spcBef>
+        <a:spcAft>
+          <a:spcPts val="1000"/>
+        </a:spcAft>
+        <a:buClr>
+          <a:schemeClr val="tx1"/>
+        </a:buClr>
+        <a:buSzPct val="100000"/>
+        <a:buFont typeface="Arial"/>
+        <a:buChar char="•"/>
+        <a:defRPr sz="1400" kern="1200" cap="none">
+          <a:solidFill>
+            <a:schemeClr val="tx1"/>
+          </a:solidFill>
+          <a:effectLst/>
+          <a:latin typeface="+mn-lt"/>
+          <a:ea typeface="+mn-ea"/>
+          <a:cs typeface="+mn-cs"/>
+        </a:defRPr>
+      </a:lvl3pPr>
+      <a:lvl4pPr marL="1543050" indent="-171450" algn="l" defTabSz="457200" rtl="0" eaLnBrk="1" latinLnBrk="0" hangingPunct="1">
+        <a:spcBef>
+          <a:spcPts val="0"/>
+        </a:spcBef>
+        <a:spcAft>
+          <a:spcPts val="1000"/>
+        </a:spcAft>
+        <a:buClr>
+          <a:schemeClr val="tx1"/>
+        </a:buClr>
+        <a:buSzPct val="100000"/>
+        <a:buFont typeface="Arial"/>
+        <a:buChar char="•"/>
+        <a:defRPr sz="1200" kern="1200" cap="none">
+          <a:solidFill>
+            <a:schemeClr val="tx1"/>
+          </a:solidFill>
+          <a:effectLst/>
+          <a:latin typeface="+mn-lt"/>
+          <a:ea typeface="+mn-ea"/>
+          <a:cs typeface="+mn-cs"/>
+        </a:defRPr>
+      </a:lvl4pPr>
+      <a:lvl5pPr marL="2000250" indent="-171450" algn="l" defTabSz="457200" rtl="0" eaLnBrk="1" latinLnBrk="0" hangingPunct="1">
+        <a:spcBef>
+          <a:spcPts val="0"/>
+        </a:spcBef>
+        <a:spcAft>
+          <a:spcPts val="1000"/>
+        </a:spcAft>
+        <a:buClr>
+          <a:schemeClr val="tx1"/>
+        </a:buClr>
+        <a:buSzPct val="100000"/>
+        <a:buFont typeface="Arial"/>
+        <a:buChar char="•"/>
+        <a:defRPr sz="1200" kern="1200" cap="none">
+          <a:solidFill>
+            <a:schemeClr val="tx1"/>
+          </a:solidFill>
+          <a:effectLst/>
+          <a:latin typeface="+mn-lt"/>
+          <a:ea typeface="+mn-ea"/>
+          <a:cs typeface="+mn-cs"/>
+        </a:defRPr>
+      </a:lvl5pPr>
+      <a:lvl6pPr marL="2514600" indent="-228600" algn="l" defTabSz="457200" rtl="0" eaLnBrk="1" latinLnBrk="0" hangingPunct="1">
+        <a:spcBef>
+          <a:spcPts val="0"/>
+        </a:spcBef>
+        <a:spcAft>
+          <a:spcPts val="1000"/>
+        </a:spcAft>
+        <a:buClr>
+          <a:schemeClr val="tx1"/>
+        </a:buClr>
+        <a:buSzPct val="100000"/>
+        <a:buFont typeface="Arial"/>
+        <a:buChar char="•"/>
+        <a:defRPr sz="1200" kern="1200" cap="none">
+          <a:solidFill>
+            <a:schemeClr val="tx1"/>
+          </a:solidFill>
+          <a:effectLst/>
+          <a:latin typeface="+mn-lt"/>
+          <a:ea typeface="+mn-ea"/>
+          <a:cs typeface="+mn-cs"/>
+        </a:defRPr>
+      </a:lvl6pPr>
+      <a:lvl7pPr marL="2971800" indent="-228600" algn="l" defTabSz="457200" rtl="0" eaLnBrk="1" latinLnBrk="0" hangingPunct="1">
+        <a:spcBef>
+          <a:spcPts val="0"/>
+        </a:spcBef>
+        <a:spcAft>
+          <a:spcPts val="1000"/>
+        </a:spcAft>
+        <a:buClr>
+          <a:schemeClr val="tx1"/>
+        </a:buClr>
+        <a:buSzPct val="100000"/>
+        <a:buFont typeface="Arial"/>
+        <a:buChar char="•"/>
+        <a:defRPr sz="1200" kern="1200" cap="none">
+          <a:solidFill>
+            <a:schemeClr val="tx1"/>
+          </a:solidFill>
+          <a:effectLst/>
+          <a:latin typeface="+mn-lt"/>
+          <a:ea typeface="+mn-ea"/>
+          <a:cs typeface="+mn-cs"/>
+        </a:defRPr>
+      </a:lvl7pPr>
+      <a:lvl8pPr marL="3429000" indent="-228600" algn="l" defTabSz="457200" rtl="0" eaLnBrk="1" latinLnBrk="0" hangingPunct="1">
+        <a:spcBef>
+          <a:spcPts val="0"/>
+        </a:spcBef>
+        <a:spcAft>
+          <a:spcPts val="1000"/>
+        </a:spcAft>
+        <a:buClr>
+          <a:schemeClr val="tx1"/>
+        </a:buClr>
+        <a:buSzPct val="100000"/>
+        <a:buFont typeface="Arial"/>
+        <a:buChar char="•"/>
+        <a:defRPr sz="1200" kern="1200" cap="none">
+          <a:solidFill>
+            <a:schemeClr val="tx1"/>
+          </a:solidFill>
+          <a:effectLst/>
+          <a:latin typeface="+mn-lt"/>
+          <a:ea typeface="+mn-ea"/>
+          <a:cs typeface="+mn-cs"/>
+        </a:defRPr>
+      </a:lvl8pPr>
+      <a:lvl9pPr marL="3886200" indent="-228600" algn="l" defTabSz="457200" rtl="0" eaLnBrk="1" latinLnBrk="0" hangingPunct="1">
+        <a:spcBef>
+          <a:spcPts val="0"/>
+        </a:spcBef>
+        <a:spcAft>
+          <a:spcPts val="1000"/>
+        </a:spcAft>
+        <a:buClr>
+          <a:schemeClr val="tx1"/>
+        </a:buClr>
+        <a:buSzPct val="100000"/>
+        <a:buFont typeface="Arial"/>
+        <a:buChar char="•"/>
+        <a:defRPr sz="1200" kern="1200" cap="none">
+          <a:solidFill>
+            <a:schemeClr val="tx1"/>
+          </a:solidFill>
+          <a:effectLst/>
+          <a:latin typeface="+mn-lt"/>
+          <a:ea typeface="+mn-ea"/>
+          <a:cs typeface="+mn-cs"/>
+        </a:defRPr>
+      </a:lvl9pPr>
+    </p:bodyStyle>
+    <p:otherStyle>
+      <a:defPPr>
+        <a:defRPr lang="en-US"/>
+      </a:defPPr>
+      <a:lvl1pPr marL="0" algn="l" defTabSz="457200" rtl="0" eaLnBrk="1" latinLnBrk="0" hangingPunct="1">
+        <a:defRPr sz="1800" kern="1200">
           <a:solidFill>
             <a:schemeClr val="tx1"/>
           </a:solidFill>
@@ -2703,16 +5727,8 @@
           <a:cs typeface="+mn-cs"/>
         </a:defRPr>
       </a:lvl1pPr>
-      <a:lvl2pPr marL="685800" indent="-228600" algn="l" defTabSz="914400" rtl="0" eaLnBrk="1" latinLnBrk="0" hangingPunct="1">
-        <a:lnSpc>
-          <a:spcPct val="90000"/>
-        </a:lnSpc>
-        <a:spcBef>
-          <a:spcPts val="500"/>
-        </a:spcBef>
-        <a:buFont typeface="Arial" panose="020B0604020202020204" pitchFamily="34" charset="0"/>
-        <a:buChar char="•"/>
-        <a:defRPr sz="2400" kern="1200">
+      <a:lvl2pPr marL="457200" algn="l" defTabSz="457200" rtl="0" eaLnBrk="1" latinLnBrk="0" hangingPunct="1">
+        <a:defRPr sz="1800" kern="1200">
           <a:solidFill>
             <a:schemeClr val="tx1"/>
           </a:solidFill>
@@ -2721,16 +5737,8 @@
           <a:cs typeface="+mn-cs"/>
         </a:defRPr>
       </a:lvl2pPr>
-      <a:lvl3pPr marL="1143000" indent="-228600" algn="l" defTabSz="914400" rtl="0" eaLnBrk="1" latinLnBrk="0" hangingPunct="1">
-        <a:lnSpc>
-          <a:spcPct val="90000"/>
-        </a:lnSpc>
-        <a:spcBef>
-          <a:spcPts val="500"/>
-        </a:spcBef>
-        <a:buFont typeface="Arial" panose="020B0604020202020204" pitchFamily="34" charset="0"/>
-        <a:buChar char="•"/>
-        <a:defRPr sz="2000" kern="1200">
+      <a:lvl3pPr marL="914400" algn="l" defTabSz="457200" rtl="0" eaLnBrk="1" latinLnBrk="0" hangingPunct="1">
+        <a:defRPr sz="1800" kern="1200">
           <a:solidFill>
             <a:schemeClr val="tx1"/>
           </a:solidFill>
@@ -2739,15 +5747,7 @@
           <a:cs typeface="+mn-cs"/>
         </a:defRPr>
       </a:lvl3pPr>
-      <a:lvl4pPr marL="1600200" indent="-228600" algn="l" defTabSz="914400" rtl="0" eaLnBrk="1" latinLnBrk="0" hangingPunct="1">
-        <a:lnSpc>
-          <a:spcPct val="90000"/>
-        </a:lnSpc>
-        <a:spcBef>
-          <a:spcPts val="500"/>
-        </a:spcBef>
-        <a:buFont typeface="Arial" panose="020B0604020202020204" pitchFamily="34" charset="0"/>
-        <a:buChar char="•"/>
+      <a:lvl4pPr marL="1371600" algn="l" defTabSz="457200" rtl="0" eaLnBrk="1" latinLnBrk="0" hangingPunct="1">
         <a:defRPr sz="1800" kern="1200">
           <a:solidFill>
             <a:schemeClr val="tx1"/>
@@ -2757,15 +5757,7 @@
           <a:cs typeface="+mn-cs"/>
         </a:defRPr>
       </a:lvl4pPr>
-      <a:lvl5pPr marL="2057400" indent="-228600" algn="l" defTabSz="914400" rtl="0" eaLnBrk="1" latinLnBrk="0" hangingPunct="1">
-        <a:lnSpc>
-          <a:spcPct val="90000"/>
-        </a:lnSpc>
-        <a:spcBef>
-          <a:spcPts val="500"/>
-        </a:spcBef>
-        <a:buFont typeface="Arial" panose="020B0604020202020204" pitchFamily="34" charset="0"/>
-        <a:buChar char="•"/>
+      <a:lvl5pPr marL="1828800" algn="l" defTabSz="457200" rtl="0" eaLnBrk="1" latinLnBrk="0" hangingPunct="1">
         <a:defRPr sz="1800" kern="1200">
           <a:solidFill>
             <a:schemeClr val="tx1"/>
@@ -2775,15 +5767,7 @@
           <a:cs typeface="+mn-cs"/>
         </a:defRPr>
       </a:lvl5pPr>
-      <a:lvl6pPr marL="2514600" indent="-228600" algn="l" defTabSz="914400" rtl="0" eaLnBrk="1" latinLnBrk="0" hangingPunct="1">
-        <a:lnSpc>
-          <a:spcPct val="90000"/>
-        </a:lnSpc>
-        <a:spcBef>
-          <a:spcPts val="500"/>
-        </a:spcBef>
-        <a:buFont typeface="Arial" panose="020B0604020202020204" pitchFamily="34" charset="0"/>
-        <a:buChar char="•"/>
+      <a:lvl6pPr marL="2286000" algn="l" defTabSz="457200" rtl="0" eaLnBrk="1" latinLnBrk="0" hangingPunct="1">
         <a:defRPr sz="1800" kern="1200">
           <a:solidFill>
             <a:schemeClr val="tx1"/>
@@ -2793,15 +5777,7 @@
           <a:cs typeface="+mn-cs"/>
         </a:defRPr>
       </a:lvl6pPr>
-      <a:lvl7pPr marL="2971800" indent="-228600" algn="l" defTabSz="914400" rtl="0" eaLnBrk="1" latinLnBrk="0" hangingPunct="1">
-        <a:lnSpc>
-          <a:spcPct val="90000"/>
-        </a:lnSpc>
-        <a:spcBef>
-          <a:spcPts val="500"/>
-        </a:spcBef>
-        <a:buFont typeface="Arial" panose="020B0604020202020204" pitchFamily="34" charset="0"/>
-        <a:buChar char="•"/>
+      <a:lvl7pPr marL="2743200" algn="l" defTabSz="457200" rtl="0" eaLnBrk="1" latinLnBrk="0" hangingPunct="1">
         <a:defRPr sz="1800" kern="1200">
           <a:solidFill>
             <a:schemeClr val="tx1"/>
@@ -2811,15 +5787,7 @@
           <a:cs typeface="+mn-cs"/>
         </a:defRPr>
       </a:lvl7pPr>
-      <a:lvl8pPr marL="3429000" indent="-228600" algn="l" defTabSz="914400" rtl="0" eaLnBrk="1" latinLnBrk="0" hangingPunct="1">
-        <a:lnSpc>
-          <a:spcPct val="90000"/>
-        </a:lnSpc>
-        <a:spcBef>
-          <a:spcPts val="500"/>
-        </a:spcBef>
-        <a:buFont typeface="Arial" panose="020B0604020202020204" pitchFamily="34" charset="0"/>
-        <a:buChar char="•"/>
+      <a:lvl8pPr marL="3200400" algn="l" defTabSz="457200" rtl="0" eaLnBrk="1" latinLnBrk="0" hangingPunct="1">
         <a:defRPr sz="1800" kern="1200">
           <a:solidFill>
             <a:schemeClr val="tx1"/>
@@ -2829,110 +5797,7 @@
           <a:cs typeface="+mn-cs"/>
         </a:defRPr>
       </a:lvl8pPr>
-      <a:lvl9pPr marL="3886200" indent="-228600" algn="l" defTabSz="914400" rtl="0" eaLnBrk="1" latinLnBrk="0" hangingPunct="1">
-        <a:lnSpc>
-          <a:spcPct val="90000"/>
-        </a:lnSpc>
-        <a:spcBef>
-          <a:spcPts val="500"/>
-        </a:spcBef>
-        <a:buFont typeface="Arial" panose="020B0604020202020204" pitchFamily="34" charset="0"/>
-        <a:buChar char="•"/>
-        <a:defRPr sz="1800" kern="1200">
-          <a:solidFill>
-            <a:schemeClr val="tx1"/>
-          </a:solidFill>
-          <a:latin typeface="+mn-lt"/>
-          <a:ea typeface="+mn-ea"/>
-          <a:cs typeface="+mn-cs"/>
-        </a:defRPr>
-      </a:lvl9pPr>
-    </p:bodyStyle>
-    <p:otherStyle>
-      <a:defPPr>
-        <a:defRPr lang="es-MX"/>
-      </a:defPPr>
-      <a:lvl1pPr marL="0" algn="l" defTabSz="914400" rtl="0" eaLnBrk="1" latinLnBrk="0" hangingPunct="1">
-        <a:defRPr sz="1800" kern="1200">
-          <a:solidFill>
-            <a:schemeClr val="tx1"/>
-          </a:solidFill>
-          <a:latin typeface="+mn-lt"/>
-          <a:ea typeface="+mn-ea"/>
-          <a:cs typeface="+mn-cs"/>
-        </a:defRPr>
-      </a:lvl1pPr>
-      <a:lvl2pPr marL="457200" algn="l" defTabSz="914400" rtl="0" eaLnBrk="1" latinLnBrk="0" hangingPunct="1">
-        <a:defRPr sz="1800" kern="1200">
-          <a:solidFill>
-            <a:schemeClr val="tx1"/>
-          </a:solidFill>
-          <a:latin typeface="+mn-lt"/>
-          <a:ea typeface="+mn-ea"/>
-          <a:cs typeface="+mn-cs"/>
-        </a:defRPr>
-      </a:lvl2pPr>
-      <a:lvl3pPr marL="914400" algn="l" defTabSz="914400" rtl="0" eaLnBrk="1" latinLnBrk="0" hangingPunct="1">
-        <a:defRPr sz="1800" kern="1200">
-          <a:solidFill>
-            <a:schemeClr val="tx1"/>
-          </a:solidFill>
-          <a:latin typeface="+mn-lt"/>
-          <a:ea typeface="+mn-ea"/>
-          <a:cs typeface="+mn-cs"/>
-        </a:defRPr>
-      </a:lvl3pPr>
-      <a:lvl4pPr marL="1371600" algn="l" defTabSz="914400" rtl="0" eaLnBrk="1" latinLnBrk="0" hangingPunct="1">
-        <a:defRPr sz="1800" kern="1200">
-          <a:solidFill>
-            <a:schemeClr val="tx1"/>
-          </a:solidFill>
-          <a:latin typeface="+mn-lt"/>
-          <a:ea typeface="+mn-ea"/>
-          <a:cs typeface="+mn-cs"/>
-        </a:defRPr>
-      </a:lvl4pPr>
-      <a:lvl5pPr marL="1828800" algn="l" defTabSz="914400" rtl="0" eaLnBrk="1" latinLnBrk="0" hangingPunct="1">
-        <a:defRPr sz="1800" kern="1200">
-          <a:solidFill>
-            <a:schemeClr val="tx1"/>
-          </a:solidFill>
-          <a:latin typeface="+mn-lt"/>
-          <a:ea typeface="+mn-ea"/>
-          <a:cs typeface="+mn-cs"/>
-        </a:defRPr>
-      </a:lvl5pPr>
-      <a:lvl6pPr marL="2286000" algn="l" defTabSz="914400" rtl="0" eaLnBrk="1" latinLnBrk="0" hangingPunct="1">
-        <a:defRPr sz="1800" kern="1200">
-          <a:solidFill>
-            <a:schemeClr val="tx1"/>
-          </a:solidFill>
-          <a:latin typeface="+mn-lt"/>
-          <a:ea typeface="+mn-ea"/>
-          <a:cs typeface="+mn-cs"/>
-        </a:defRPr>
-      </a:lvl6pPr>
-      <a:lvl7pPr marL="2743200" algn="l" defTabSz="914400" rtl="0" eaLnBrk="1" latinLnBrk="0" hangingPunct="1">
-        <a:defRPr sz="1800" kern="1200">
-          <a:solidFill>
-            <a:schemeClr val="tx1"/>
-          </a:solidFill>
-          <a:latin typeface="+mn-lt"/>
-          <a:ea typeface="+mn-ea"/>
-          <a:cs typeface="+mn-cs"/>
-        </a:defRPr>
-      </a:lvl7pPr>
-      <a:lvl8pPr marL="3200400" algn="l" defTabSz="914400" rtl="0" eaLnBrk="1" latinLnBrk="0" hangingPunct="1">
-        <a:defRPr sz="1800" kern="1200">
-          <a:solidFill>
-            <a:schemeClr val="tx1"/>
-          </a:solidFill>
-          <a:latin typeface="+mn-lt"/>
-          <a:ea typeface="+mn-ea"/>
-          <a:cs typeface="+mn-cs"/>
-        </a:defRPr>
-      </a:lvl8pPr>
-      <a:lvl9pPr marL="3657600" algn="l" defTabSz="914400" rtl="0" eaLnBrk="1" latinLnBrk="0" hangingPunct="1">
+      <a:lvl9pPr marL="3657600" algn="l" defTabSz="457200" rtl="0" eaLnBrk="1" latinLnBrk="0" hangingPunct="1">
         <a:defRPr sz="1800" kern="1200">
           <a:solidFill>
             <a:schemeClr val="tx1"/>
@@ -2976,13 +5841,13 @@
         </p:nvSpPr>
         <p:spPr>
           <a:xfrm>
-            <a:off x="901336" y="378822"/>
-            <a:ext cx="10763795" cy="1254035"/>
+            <a:off x="766354" y="313508"/>
+            <a:ext cx="6858000" cy="1254035"/>
           </a:xfrm>
         </p:spPr>
         <p:txBody>
           <a:bodyPr>
-            <a:normAutofit/>
+            <a:normAutofit fontScale="90000"/>
           </a:bodyPr>
           <a:lstStyle/>
           <a:p>
@@ -3002,13 +5867,11 @@
               <a:rPr lang="es-MX" dirty="0" smtClean="0">
                 <a:latin typeface="Comic Sans MS" panose="030F0702030302020204" pitchFamily="66" charset="0"/>
               </a:rPr>
-              <a:t> :</a:t>
-            </a:r>
-            <a:r>
-              <a:rPr lang="es-MX" dirty="0" smtClean="0"/>
-              <a:t>v</a:t>
-            </a:r>
-            <a:endParaRPr lang="es-MX" dirty="0"/>
+              <a:t> :v</a:t>
+            </a:r>
+            <a:endParaRPr lang="es-MX" dirty="0">
+              <a:latin typeface="Comic Sans MS" panose="030F0702030302020204" pitchFamily="66" charset="0"/>
+            </a:endParaRPr>
           </a:p>
         </p:txBody>
       </p:sp>
@@ -3024,46 +5887,125 @@
         </p:nvSpPr>
         <p:spPr>
           <a:xfrm>
-            <a:off x="766355" y="2243501"/>
-            <a:ext cx="7894320" cy="1309596"/>
-          </a:xfrm>
-        </p:spPr>
-        <p:txBody>
-          <a:bodyPr/>
+            <a:off x="766354" y="2504757"/>
+            <a:ext cx="9148355" cy="2014991"/>
+          </a:xfrm>
+        </p:spPr>
+        <p:txBody>
+          <a:bodyPr>
+            <a:normAutofit lnSpcReduction="10000"/>
+          </a:bodyPr>
           <a:lstStyle/>
           <a:p>
             <a:pPr algn="l"/>
             <a:r>
-              <a:rPr lang="es-MX" dirty="0" smtClean="0"/>
+              <a:rPr lang="es-MX" sz="3200" dirty="0" smtClean="0">
+                <a:latin typeface="Footlight MT Light" panose="0204060206030A020304" pitchFamily="18" charset="0"/>
+              </a:rPr>
               <a:t>Me llamo Luis </a:t>
             </a:r>
             <a:r>
-              <a:rPr lang="es-MX" dirty="0" err="1" smtClean="0"/>
+              <a:rPr lang="es-MX" sz="3200" dirty="0" err="1" smtClean="0">
+                <a:latin typeface="Footlight MT Light" panose="0204060206030A020304" pitchFamily="18" charset="0"/>
+              </a:rPr>
               <a:t>cristobal</a:t>
             </a:r>
             <a:r>
-              <a:rPr lang="es-MX" dirty="0" smtClean="0"/>
+              <a:rPr lang="es-MX" sz="3200" dirty="0" smtClean="0">
+                <a:latin typeface="Footlight MT Light" panose="0204060206030A020304" pitchFamily="18" charset="0"/>
+              </a:rPr>
               <a:t> </a:t>
             </a:r>
             <a:r>
-              <a:rPr lang="es-MX" dirty="0" err="1" smtClean="0"/>
+              <a:rPr lang="es-MX" sz="3200" dirty="0" err="1" smtClean="0">
+                <a:latin typeface="Footlight MT Light" panose="0204060206030A020304" pitchFamily="18" charset="0"/>
+              </a:rPr>
               <a:t>ramirez</a:t>
             </a:r>
             <a:r>
-              <a:rPr lang="es-MX" dirty="0" smtClean="0"/>
-              <a:t> serrano</a:t>
-            </a:r>
+              <a:rPr lang="es-MX" sz="3200" dirty="0" smtClean="0">
+                <a:latin typeface="Footlight MT Light" panose="0204060206030A020304" pitchFamily="18" charset="0"/>
+              </a:rPr>
+              <a:t> </a:t>
+            </a:r>
+            <a:r>
+              <a:rPr lang="es-MX" sz="3200" dirty="0" smtClean="0">
+                <a:latin typeface="Footlight MT Light" panose="0204060206030A020304" pitchFamily="18" charset="0"/>
+              </a:rPr>
+              <a:t>serrano</a:t>
+            </a:r>
+            <a:endParaRPr lang="es-MX" sz="3200" dirty="0">
+              <a:latin typeface="Footlight MT Light" panose="0204060206030A020304" pitchFamily="18" charset="0"/>
+            </a:endParaRPr>
           </a:p>
           <a:p>
             <a:pPr algn="l"/>
             <a:r>
-              <a:rPr lang="es-MX" dirty="0" smtClean="0"/>
-              <a:t>Me gusta jugar videojuegos, hablar con mis amigos y comer</a:t>
-            </a:r>
-            <a:endParaRPr lang="es-MX" dirty="0"/>
-          </a:p>
-        </p:txBody>
-      </p:sp>
+              <a:rPr lang="es-MX" sz="3200" dirty="0" smtClean="0">
+                <a:latin typeface="Footlight MT Light" panose="0204060206030A020304" pitchFamily="18" charset="0"/>
+              </a:rPr>
+              <a:t>Soy de </a:t>
+            </a:r>
+            <a:r>
+              <a:rPr lang="es-MX" sz="3200" dirty="0" err="1" smtClean="0">
+                <a:latin typeface="Footlight MT Light" panose="0204060206030A020304" pitchFamily="18" charset="0"/>
+              </a:rPr>
+              <a:t>culiacan</a:t>
+            </a:r>
+            <a:r>
+              <a:rPr lang="es-MX" sz="3200" dirty="0" smtClean="0">
+                <a:latin typeface="Footlight MT Light" panose="0204060206030A020304" pitchFamily="18" charset="0"/>
+              </a:rPr>
+              <a:t> Sinaloa, estudio en la escuela </a:t>
+            </a:r>
+            <a:r>
+              <a:rPr lang="es-MX" sz="3200" dirty="0" err="1" smtClean="0">
+                <a:latin typeface="Footlight MT Light" panose="0204060206030A020304" pitchFamily="18" charset="0"/>
+              </a:rPr>
+              <a:t>preparatioria</a:t>
+            </a:r>
+            <a:r>
+              <a:rPr lang="es-MX" sz="3200" dirty="0" smtClean="0">
+                <a:latin typeface="Footlight MT Light" panose="0204060206030A020304" pitchFamily="18" charset="0"/>
+              </a:rPr>
+              <a:t> cetis107 en programaci</a:t>
+            </a:r>
+            <a:r>
+              <a:rPr lang="es-MX" sz="3200" dirty="0" smtClean="0">
+                <a:latin typeface="Footlight MT Light" panose="0204060206030A020304" pitchFamily="18" charset="0"/>
+              </a:rPr>
+              <a:t>ón.</a:t>
+            </a:r>
+            <a:endParaRPr lang="es-MX" sz="3200" dirty="0" smtClean="0">
+              <a:latin typeface="Footlight MT Light" panose="0204060206030A020304" pitchFamily="18" charset="0"/>
+            </a:endParaRPr>
+          </a:p>
+        </p:txBody>
+      </p:sp>
+      <p:pic>
+        <p:nvPicPr>
+          <p:cNvPr id="4" name="Imagen 3"/>
+          <p:cNvPicPr>
+            <a:picLocks noChangeAspect="1"/>
+          </p:cNvPicPr>
+          <p:nvPr/>
+        </p:nvPicPr>
+        <p:blipFill>
+          <a:blip r:embed="rId3"/>
+          <a:stretch>
+            <a:fillRect/>
+          </a:stretch>
+        </p:blipFill>
+        <p:spPr>
+          <a:xfrm>
+            <a:off x="7746274" y="3981995"/>
+            <a:ext cx="3405053" cy="2425337"/>
+          </a:xfrm>
+          <a:prstGeom prst="rect">
+            <a:avLst/>
+          </a:prstGeom>
+        </p:spPr>
+      </p:pic>
     </p:spTree>
     <p:extLst>
       <p:ext uri="{BB962C8B-B14F-4D97-AF65-F5344CB8AC3E}">
@@ -3074,13 +6016,217 @@
   <p:clrMapOvr>
     <a:masterClrMapping/>
   </p:clrMapOvr>
+  <mc:AlternateContent xmlns:mc="http://schemas.openxmlformats.org/markup-compatibility/2006">
+    <mc:Choice xmlns:p14="http://schemas.microsoft.com/office/powerpoint/2010/main" Requires="p14">
+      <p:transition spd="slow" p14:dur="2000">
+        <p14:prism isContent="1"/>
+        <p:sndAc>
+          <p:stSnd>
+            <p:snd r:embed="rId2" name="bomb.wav"/>
+          </p:stSnd>
+        </p:sndAc>
+      </p:transition>
+    </mc:Choice>
+    <mc:Fallback>
+      <p:transition spd="slow">
+        <p:fade/>
+        <p:sndAc>
+          <p:stSnd>
+            <p:snd r:embed="rId2" name="bomb.wav"/>
+          </p:stSnd>
+        </p:sndAc>
+      </p:transition>
+    </mc:Fallback>
+  </mc:AlternateContent>
+  <p:timing>
+    <p:tnLst>
+      <p:par>
+        <p:cTn id="1" dur="indefinite" restart="never" nodeType="tmRoot"/>
+      </p:par>
+    </p:tnLst>
+  </p:timing>
+</p:sld>
+</file>
+
+<file path=ppt/slides/slide2.xml><?xml version="1.0" encoding="utf-8"?>
+<p:sld xmlns:a="http://schemas.openxmlformats.org/drawingml/2006/main" xmlns:r="http://schemas.openxmlformats.org/officeDocument/2006/relationships" xmlns:p="http://schemas.openxmlformats.org/presentationml/2006/main">
+  <p:cSld>
+    <p:spTree>
+      <p:nvGrpSpPr>
+        <p:cNvPr id="1" name=""/>
+        <p:cNvGrpSpPr/>
+        <p:nvPr/>
+      </p:nvGrpSpPr>
+      <p:grpSpPr>
+        <a:xfrm>
+          <a:off x="0" y="0"/>
+          <a:ext cx="0" cy="0"/>
+          <a:chOff x="0" y="0"/>
+          <a:chExt cx="0" cy="0"/>
+        </a:xfrm>
+      </p:grpSpPr>
+      <p:sp>
+        <p:nvSpPr>
+          <p:cNvPr id="2" name="Título 1"/>
+          <p:cNvSpPr>
+            <a:spLocks noGrp="1"/>
+          </p:cNvSpPr>
+          <p:nvPr>
+            <p:ph type="title"/>
+          </p:nvPr>
+        </p:nvSpPr>
+        <p:spPr>
+          <a:xfrm>
+            <a:off x="685802" y="609600"/>
+            <a:ext cx="4173582" cy="1232263"/>
+          </a:xfrm>
+        </p:spPr>
+        <p:txBody>
+          <a:bodyPr/>
+          <a:lstStyle/>
+          <a:p>
+            <a:r>
+              <a:rPr lang="es-MX" dirty="0" smtClean="0"/>
+              <a:t>Mis gustos </a:t>
+            </a:r>
+            <a:endParaRPr lang="es-MX" dirty="0"/>
+          </a:p>
+        </p:txBody>
+      </p:sp>
+      <p:sp>
+        <p:nvSpPr>
+          <p:cNvPr id="3" name="Marcador de contenido 2"/>
+          <p:cNvSpPr>
+            <a:spLocks noGrp="1"/>
+          </p:cNvSpPr>
+          <p:nvPr>
+            <p:ph idx="1"/>
+          </p:nvPr>
+        </p:nvSpPr>
+        <p:spPr>
+          <a:xfrm>
+            <a:off x="685802" y="1841863"/>
+            <a:ext cx="6590209" cy="1841863"/>
+          </a:xfrm>
+        </p:spPr>
+        <p:txBody>
+          <a:bodyPr>
+            <a:noAutofit/>
+          </a:bodyPr>
+          <a:lstStyle/>
+          <a:p>
+            <a:r>
+              <a:rPr lang="es-MX" sz="3200" dirty="0" smtClean="0">
+                <a:latin typeface="Footlight MT Light" panose="0204060206030A020304" pitchFamily="18" charset="0"/>
+              </a:rPr>
+              <a:t>ME GUSTA JUGAR  VIDEOJUEGOS, HABLAR CON MIS AMIGOS, PASEAR A MIS PERROS Y VER SERIES EN LA TELE.</a:t>
+            </a:r>
+            <a:endParaRPr lang="es-MX" sz="3200" dirty="0">
+              <a:latin typeface="Footlight MT Light" panose="0204060206030A020304" pitchFamily="18" charset="0"/>
+            </a:endParaRPr>
+          </a:p>
+        </p:txBody>
+      </p:sp>
+      <p:sp>
+        <p:nvSpPr>
+          <p:cNvPr id="4" name="CuadroTexto 3"/>
+          <p:cNvSpPr txBox="1"/>
+          <p:nvPr/>
+        </p:nvSpPr>
+        <p:spPr>
+          <a:xfrm>
+            <a:off x="6923314" y="3499060"/>
+            <a:ext cx="4206240" cy="369332"/>
+          </a:xfrm>
+          <a:prstGeom prst="rect">
+            <a:avLst/>
+          </a:prstGeom>
+          <a:noFill/>
+        </p:spPr>
+        <p:txBody>
+          <a:bodyPr wrap="square" rtlCol="0">
+            <a:spAutoFit/>
+          </a:bodyPr>
+          <a:lstStyle/>
+          <a:p>
+            <a:r>
+              <a:rPr lang="es-MX" dirty="0" smtClean="0"/>
+              <a:t>TENGO 4 PERROS DE RAZA CHIN JAPONES</a:t>
+            </a:r>
+            <a:endParaRPr lang="es-MX" dirty="0"/>
+          </a:p>
+        </p:txBody>
+      </p:sp>
+      <p:pic>
+        <p:nvPicPr>
+          <p:cNvPr id="5" name="Imagen 4"/>
+          <p:cNvPicPr>
+            <a:picLocks noChangeAspect="1"/>
+          </p:cNvPicPr>
+          <p:nvPr/>
+        </p:nvPicPr>
+        <p:blipFill>
+          <a:blip r:embed="rId3"/>
+          <a:stretch>
+            <a:fillRect/>
+          </a:stretch>
+        </p:blipFill>
+        <p:spPr>
+          <a:xfrm>
+            <a:off x="7276011" y="3868392"/>
+            <a:ext cx="3390203" cy="2738284"/>
+          </a:xfrm>
+          <a:prstGeom prst="rect">
+            <a:avLst/>
+          </a:prstGeom>
+        </p:spPr>
+      </p:pic>
+    </p:spTree>
+    <p:extLst>
+      <p:ext uri="{BB962C8B-B14F-4D97-AF65-F5344CB8AC3E}">
+        <p14:creationId xmlns:p14="http://schemas.microsoft.com/office/powerpoint/2010/main" val="248089030"/>
+      </p:ext>
+    </p:extLst>
+  </p:cSld>
+  <p:clrMapOvr>
+    <a:masterClrMapping/>
+  </p:clrMapOvr>
+  <mc:AlternateContent xmlns:mc="http://schemas.openxmlformats.org/markup-compatibility/2006">
+    <mc:Choice xmlns:p15="http://schemas.microsoft.com/office/powerpoint/2012/main" Requires="p15">
+      <p:transition xmlns:p14="http://schemas.microsoft.com/office/powerpoint/2010/main" spd="slow" p14:dur="1250">
+        <p15:prstTrans prst="peelOff"/>
+        <p:sndAc>
+          <p:stSnd>
+            <p:snd r:embed="rId2" name="explode.wav"/>
+          </p:stSnd>
+        </p:sndAc>
+      </p:transition>
+    </mc:Choice>
+    <mc:Fallback>
+      <p:transition spd="slow">
+        <p:fade/>
+        <p:sndAc>
+          <p:stSnd>
+            <p:snd r:embed="rId2" name="explode.wav"/>
+          </p:stSnd>
+        </p:sndAc>
+      </p:transition>
+    </mc:Fallback>
+  </mc:AlternateContent>
+  <p:timing>
+    <p:tnLst>
+      <p:par>
+        <p:cTn id="1" dur="indefinite" restart="never" nodeType="tmRoot"/>
+      </p:par>
+    </p:tnLst>
+  </p:timing>
 </p:sld>
 </file>
 
 <file path=ppt/theme/theme1.xml><?xml version="1.0" encoding="utf-8"?>
-<a:theme xmlns:a="http://schemas.openxmlformats.org/drawingml/2006/main" name="Tema de Office">
+<a:theme xmlns:a="http://schemas.openxmlformats.org/drawingml/2006/main" name="Celestial">
   <a:themeElements>
-    <a:clrScheme name="Office">
+    <a:clrScheme name="Celestial">
       <a:dk1>
         <a:sysClr val="windowText" lastClr="000000"/>
       </a:dk1>
@@ -3088,44 +6234,44 @@
         <a:sysClr val="window" lastClr="FFFFFF"/>
       </a:lt1>
       <a:dk2>
-        <a:srgbClr val="44546A"/>
+        <a:srgbClr val="18276C"/>
       </a:dk2>
       <a:lt2>
-        <a:srgbClr val="E7E6E6"/>
+        <a:srgbClr val="EBEBEB"/>
       </a:lt2>
       <a:accent1>
-        <a:srgbClr val="5B9BD5"/>
+        <a:srgbClr val="AC3EC1"/>
       </a:accent1>
       <a:accent2>
-        <a:srgbClr val="ED7D31"/>
+        <a:srgbClr val="477BD1"/>
       </a:accent2>
       <a:accent3>
-        <a:srgbClr val="A5A5A5"/>
+        <a:srgbClr val="46B298"/>
       </a:accent3>
       <a:accent4>
-        <a:srgbClr val="FFC000"/>
+        <a:srgbClr val="90BA4C"/>
       </a:accent4>
       <a:accent5>
-        <a:srgbClr val="4472C4"/>
+        <a:srgbClr val="DD9D31"/>
       </a:accent5>
       <a:accent6>
-        <a:srgbClr val="70AD47"/>
+        <a:srgbClr val="E25247"/>
       </a:accent6>
       <a:hlink>
-        <a:srgbClr val="0563C1"/>
+        <a:srgbClr val="C573D2"/>
       </a:hlink>
       <a:folHlink>
-        <a:srgbClr val="954F72"/>
+        <a:srgbClr val="CCAEE8"/>
       </a:folHlink>
     </a:clrScheme>
-    <a:fontScheme name="Office">
+    <a:fontScheme name="Celestial">
       <a:majorFont>
         <a:latin typeface="Calibri Light" panose="020F0302020204030204"/>
         <a:ea typeface=""/>
         <a:cs typeface=""/>
-        <a:font script="Jpan" typeface="游ゴシック Light"/>
+        <a:font script="Jpan" typeface="ＭＳ Ｐゴシック"/>
         <a:font script="Hang" typeface="맑은 고딕"/>
-        <a:font script="Hans" typeface="等线 Light"/>
+        <a:font script="Hans" typeface="宋体"/>
         <a:font script="Hant" typeface="新細明體"/>
         <a:font script="Arab" typeface="Times New Roman"/>
         <a:font script="Hebr" typeface="Times New Roman"/>
@@ -3158,9 +6304,9 @@
         <a:latin typeface="Calibri" panose="020F0502020204030204"/>
         <a:ea typeface=""/>
         <a:cs typeface=""/>
-        <a:font script="Jpan" typeface="游ゴシック"/>
+        <a:font script="Jpan" typeface="ＭＳ Ｐゴシック"/>
         <a:font script="Hang" typeface="맑은 고딕"/>
-        <a:font script="Hans" typeface="等线"/>
+        <a:font script="Hans" typeface="宋体"/>
         <a:font script="Hant" typeface="新細明體"/>
         <a:font script="Arab" typeface="Arial"/>
         <a:font script="Hebr" typeface="Arial"/>
@@ -3190,7 +6336,7 @@
         <a:font script="Geor" typeface="Sylfaen"/>
       </a:minorFont>
     </a:fontScheme>
-    <a:fmtScheme name="Office">
+    <a:fmtScheme name="Celestial">
       <a:fillStyleLst>
         <a:solidFill>
           <a:schemeClr val="phClr"/>
@@ -3199,23 +6345,14 @@
           <a:gsLst>
             <a:gs pos="0">
               <a:schemeClr val="phClr">
+                <a:tint val="70000"/>
                 <a:lumMod val="110000"/>
-                <a:satMod val="105000"/>
-                <a:tint val="67000"/>
-              </a:schemeClr>
-            </a:gs>
-            <a:gs pos="50000">
-              <a:schemeClr val="phClr">
-                <a:lumMod val="105000"/>
-                <a:satMod val="103000"/>
-                <a:tint val="73000"/>
               </a:schemeClr>
             </a:gs>
             <a:gs pos="100000">
               <a:schemeClr val="phClr">
-                <a:lumMod val="105000"/>
-                <a:satMod val="109000"/>
-                <a:tint val="81000"/>
+                <a:tint val="82000"/>
+                <a:alpha val="74000"/>
               </a:schemeClr>
             </a:gs>
           </a:gsLst>
@@ -3225,50 +6362,38 @@
           <a:gsLst>
             <a:gs pos="0">
               <a:schemeClr val="phClr">
-                <a:satMod val="103000"/>
-                <a:lumMod val="102000"/>
-                <a:tint val="94000"/>
-              </a:schemeClr>
-            </a:gs>
-            <a:gs pos="50000">
-              <a:schemeClr val="phClr">
-                <a:satMod val="110000"/>
+                <a:tint val="98000"/>
                 <a:lumMod val="100000"/>
-                <a:shade val="100000"/>
               </a:schemeClr>
             </a:gs>
             <a:gs pos="100000">
               <a:schemeClr val="phClr">
-                <a:lumMod val="99000"/>
-                <a:satMod val="120000"/>
-                <a:shade val="78000"/>
+                <a:shade val="88000"/>
+                <a:lumMod val="88000"/>
               </a:schemeClr>
             </a:gs>
           </a:gsLst>
-          <a:lin ang="5400000" scaled="0"/>
+          <a:lin ang="5400000" scaled="1"/>
         </a:gradFill>
       </a:fillStyleLst>
       <a:lnStyleLst>
-        <a:ln w="6350" cap="flat" cmpd="sng" algn="ctr">
+        <a:ln w="9525" cap="rnd" cmpd="sng" algn="ctr">
           <a:solidFill>
             <a:schemeClr val="phClr"/>
           </a:solidFill>
           <a:prstDash val="solid"/>
-          <a:miter lim="800000"/>
         </a:ln>
-        <a:ln w="12700" cap="flat" cmpd="sng" algn="ctr">
+        <a:ln w="19050" cap="rnd" cmpd="sng" algn="ctr">
           <a:solidFill>
             <a:schemeClr val="phClr"/>
           </a:solidFill>
           <a:prstDash val="solid"/>
-          <a:miter lim="800000"/>
         </a:ln>
-        <a:ln w="19050" cap="flat" cmpd="sng" algn="ctr">
+        <a:ln w="25400" cap="rnd" cmpd="sng" algn="ctr">
           <a:solidFill>
             <a:schemeClr val="phClr"/>
           </a:solidFill>
           <a:prstDash val="solid"/>
-          <a:miter lim="800000"/>
         </a:ln>
       </a:lnStyleLst>
       <a:effectStyleLst>
@@ -3276,55 +6401,64 @@
           <a:effectLst/>
         </a:effectStyle>
         <a:effectStyle>
-          <a:effectLst/>
+          <a:effectLst>
+            <a:outerShdw blurRad="50800" dist="38100" dir="5400000" rotWithShape="0">
+              <a:srgbClr val="000000">
+                <a:alpha val="35000"/>
+              </a:srgbClr>
+            </a:outerShdw>
+          </a:effectLst>
         </a:effectStyle>
         <a:effectStyle>
           <a:effectLst>
-            <a:outerShdw blurRad="57150" dist="19050" dir="5400000" algn="ctr" rotWithShape="0">
+            <a:outerShdw blurRad="63500" dist="38100" dir="5400000" rotWithShape="0">
               <a:srgbClr val="000000">
-                <a:alpha val="63000"/>
+                <a:alpha val="65000"/>
               </a:srgbClr>
             </a:outerShdw>
           </a:effectLst>
+          <a:scene3d>
+            <a:camera prst="orthographicFront">
+              <a:rot lat="0" lon="0" rev="0"/>
+            </a:camera>
+            <a:lightRig rig="threePt" dir="tl">
+              <a:rot lat="0" lon="0" rev="1200000"/>
+            </a:lightRig>
+          </a:scene3d>
+          <a:sp3d>
+            <a:bevelT w="38100" h="12700"/>
+          </a:sp3d>
         </a:effectStyle>
       </a:effectStyleLst>
       <a:bgFillStyleLst>
         <a:solidFill>
           <a:schemeClr val="phClr"/>
         </a:solidFill>
-        <a:solidFill>
-          <a:schemeClr val="phClr">
-            <a:tint val="95000"/>
-            <a:satMod val="170000"/>
-          </a:schemeClr>
-        </a:solidFill>
         <a:gradFill rotWithShape="1">
           <a:gsLst>
             <a:gs pos="0">
               <a:schemeClr val="phClr">
-                <a:tint val="93000"/>
-                <a:satMod val="150000"/>
-                <a:shade val="98000"/>
-                <a:lumMod val="102000"/>
-              </a:schemeClr>
-            </a:gs>
-            <a:gs pos="50000">
-              <a:schemeClr val="phClr">
-                <a:tint val="98000"/>
-                <a:satMod val="130000"/>
-                <a:shade val="90000"/>
-                <a:lumMod val="103000"/>
+                <a:tint val="90000"/>
+                <a:shade val="96000"/>
+                <a:hueMod val="100000"/>
+                <a:satMod val="180000"/>
+                <a:lumMod val="110000"/>
               </a:schemeClr>
             </a:gs>
             <a:gs pos="100000">
               <a:schemeClr val="phClr">
-                <a:shade val="63000"/>
-                <a:satMod val="120000"/>
+                <a:shade val="96000"/>
+                <a:satMod val="160000"/>
+                <a:lumMod val="100000"/>
               </a:schemeClr>
             </a:gs>
           </a:gsLst>
-          <a:lin ang="5400000" scaled="0"/>
+          <a:lin ang="4740000" scaled="1"/>
         </a:gradFill>
+        <a:blipFill>
+          <a:blip xmlns:r="http://schemas.openxmlformats.org/officeDocument/2006/relationships" r:embed="rId1"/>
+          <a:stretch/>
+        </a:blipFill>
       </a:bgFillStyleLst>
     </a:fmtScheme>
   </a:themeElements>
@@ -3332,7 +6466,7 @@
   <a:extraClrSchemeLst/>
   <a:extLst>
     <a:ext uri="{05A4C25C-085E-4340-85A3-A5531E510DB2}">
-      <thm15:themeFamily xmlns:thm15="http://schemas.microsoft.com/office/thememl/2012/main" name="Office Theme" id="{62F939B6-93AF-4DB8-9C6B-D6C7DFDC589F}" vid="{4A3C46E8-61CC-4603-A589-7422A47A8E4A}"/>
+      <thm15:themeFamily xmlns:thm15="http://schemas.microsoft.com/office/thememl/2012/main" name="Celestial" id="{C4BB2A3D-0E93-4C5F-B0D2-9D3FCE089CC5}" vid="{42E5908D-19A2-46FD-89FA-638B126129EF}"/>
     </a:ext>
   </a:extLst>
 </a:theme>
